--- a/Blackjack_Specification.pptx
+++ b/Blackjack_Specification.pptx
@@ -7,15 +7,16 @@
   <p:sldIdLst>
     <p:sldId id="256" r:id="rId2"/>
     <p:sldId id="266" r:id="rId3"/>
-    <p:sldId id="257" r:id="rId4"/>
-    <p:sldId id="264" r:id="rId5"/>
-    <p:sldId id="265" r:id="rId6"/>
-    <p:sldId id="261" r:id="rId7"/>
-    <p:sldId id="260" r:id="rId8"/>
-    <p:sldId id="262" r:id="rId9"/>
-    <p:sldId id="263" r:id="rId10"/>
-    <p:sldId id="268" r:id="rId11"/>
-    <p:sldId id="267" r:id="rId12"/>
+    <p:sldId id="270" r:id="rId4"/>
+    <p:sldId id="257" r:id="rId5"/>
+    <p:sldId id="264" r:id="rId6"/>
+    <p:sldId id="265" r:id="rId7"/>
+    <p:sldId id="261" r:id="rId8"/>
+    <p:sldId id="260" r:id="rId9"/>
+    <p:sldId id="262" r:id="rId10"/>
+    <p:sldId id="263" r:id="rId11"/>
+    <p:sldId id="268" r:id="rId12"/>
+    <p:sldId id="267" r:id="rId13"/>
   </p:sldIdLst>
   <p:sldSz cx="12192000" cy="6858000"/>
   <p:notesSz cx="6858000" cy="9144000"/>
@@ -341,7 +342,7 @@
           <a:p>
             <a:fld id="{4E20A766-C8EB-451D-9BE2-7CA46CD79056}" type="datetimeFigureOut">
               <a:rPr kumimoji="1" lang="ja-JP" altLang="en-US" smtClean="0"/>
-              <a:t>2019/2/3</a:t>
+              <a:t>2019/3/17</a:t>
             </a:fld>
             <a:endParaRPr kumimoji="1" lang="ja-JP" altLang="en-US"/>
           </a:p>
@@ -563,7 +564,7 @@
           <a:p>
             <a:fld id="{4E20A766-C8EB-451D-9BE2-7CA46CD79056}" type="datetimeFigureOut">
               <a:rPr kumimoji="1" lang="ja-JP" altLang="en-US" smtClean="0"/>
-              <a:t>2019/2/3</a:t>
+              <a:t>2019/3/17</a:t>
             </a:fld>
             <a:endParaRPr kumimoji="1" lang="ja-JP" altLang="en-US"/>
           </a:p>
@@ -775,7 +776,7 @@
           <a:p>
             <a:fld id="{4E20A766-C8EB-451D-9BE2-7CA46CD79056}" type="datetimeFigureOut">
               <a:rPr kumimoji="1" lang="ja-JP" altLang="en-US" smtClean="0"/>
-              <a:t>2019/2/3</a:t>
+              <a:t>2019/3/17</a:t>
             </a:fld>
             <a:endParaRPr kumimoji="1" lang="ja-JP" altLang="en-US"/>
           </a:p>
@@ -977,7 +978,7 @@
           <a:p>
             <a:fld id="{4E20A766-C8EB-451D-9BE2-7CA46CD79056}" type="datetimeFigureOut">
               <a:rPr kumimoji="1" lang="ja-JP" altLang="en-US" smtClean="0"/>
-              <a:t>2019/2/3</a:t>
+              <a:t>2019/3/17</a:t>
             </a:fld>
             <a:endParaRPr kumimoji="1" lang="ja-JP" altLang="en-US"/>
           </a:p>
@@ -1233,7 +1234,7 @@
           <a:p>
             <a:fld id="{4E20A766-C8EB-451D-9BE2-7CA46CD79056}" type="datetimeFigureOut">
               <a:rPr kumimoji="1" lang="ja-JP" altLang="en-US" smtClean="0"/>
-              <a:t>2019/2/3</a:t>
+              <a:t>2019/3/17</a:t>
             </a:fld>
             <a:endParaRPr kumimoji="1" lang="ja-JP" altLang="en-US"/>
           </a:p>
@@ -1585,7 +1586,7 @@
           <a:p>
             <a:fld id="{4E20A766-C8EB-451D-9BE2-7CA46CD79056}" type="datetimeFigureOut">
               <a:rPr kumimoji="1" lang="ja-JP" altLang="en-US" smtClean="0"/>
-              <a:t>2019/2/3</a:t>
+              <a:t>2019/3/17</a:t>
             </a:fld>
             <a:endParaRPr kumimoji="1" lang="ja-JP" altLang="en-US"/>
           </a:p>
@@ -2087,7 +2088,7 @@
           <a:p>
             <a:fld id="{4E20A766-C8EB-451D-9BE2-7CA46CD79056}" type="datetimeFigureOut">
               <a:rPr kumimoji="1" lang="ja-JP" altLang="en-US" smtClean="0"/>
-              <a:t>2019/2/3</a:t>
+              <a:t>2019/3/17</a:t>
             </a:fld>
             <a:endParaRPr kumimoji="1" lang="ja-JP" altLang="en-US"/>
           </a:p>
@@ -2205,7 +2206,7 @@
           <a:p>
             <a:fld id="{4E20A766-C8EB-451D-9BE2-7CA46CD79056}" type="datetimeFigureOut">
               <a:rPr kumimoji="1" lang="ja-JP" altLang="en-US" smtClean="0"/>
-              <a:t>2019/2/3</a:t>
+              <a:t>2019/3/17</a:t>
             </a:fld>
             <a:endParaRPr kumimoji="1" lang="ja-JP" altLang="en-US"/>
           </a:p>
@@ -2300,7 +2301,7 @@
           <a:p>
             <a:fld id="{4E20A766-C8EB-451D-9BE2-7CA46CD79056}" type="datetimeFigureOut">
               <a:rPr kumimoji="1" lang="ja-JP" altLang="en-US" smtClean="0"/>
-              <a:t>2019/2/3</a:t>
+              <a:t>2019/3/17</a:t>
             </a:fld>
             <a:endParaRPr kumimoji="1" lang="ja-JP" altLang="en-US"/>
           </a:p>
@@ -2688,7 +2689,7 @@
           <a:p>
             <a:fld id="{4E20A766-C8EB-451D-9BE2-7CA46CD79056}" type="datetimeFigureOut">
               <a:rPr kumimoji="1" lang="ja-JP" altLang="en-US" smtClean="0"/>
-              <a:t>2019/2/3</a:t>
+              <a:t>2019/3/17</a:t>
             </a:fld>
             <a:endParaRPr kumimoji="1" lang="ja-JP" altLang="en-US"/>
           </a:p>
@@ -3004,7 +3005,7 @@
           <a:p>
             <a:fld id="{4E20A766-C8EB-451D-9BE2-7CA46CD79056}" type="datetimeFigureOut">
               <a:rPr kumimoji="1" lang="ja-JP" altLang="en-US" smtClean="0"/>
-              <a:t>2019/2/3</a:t>
+              <a:t>2019/3/17</a:t>
             </a:fld>
             <a:endParaRPr kumimoji="1" lang="ja-JP" altLang="en-US"/>
           </a:p>
@@ -3269,7 +3270,7 @@
           <a:p>
             <a:fld id="{4E20A766-C8EB-451D-9BE2-7CA46CD79056}" type="datetimeFigureOut">
               <a:rPr kumimoji="1" lang="ja-JP" altLang="en-US" smtClean="0"/>
-              <a:t>2019/2/3</a:t>
+              <a:t>2019/3/17</a:t>
             </a:fld>
             <a:endParaRPr kumimoji="1" lang="ja-JP" altLang="en-US"/>
           </a:p>
@@ -3755,7 +3756,20 @@
           <a:bodyPr/>
           <a:lstStyle/>
           <a:p>
-            <a:endParaRPr kumimoji="1" lang="ja-JP" altLang="en-US" dirty="0"/>
+            <a:r>
+              <a:rPr lang="en-US" altLang="ja-JP" spc="-1" dirty="0">
+                <a:solidFill>
+                  <a:srgbClr val="FF0000"/>
+                </a:solidFill>
+                <a:ea typeface="DejaVu Sans"/>
+              </a:rPr>
+              <a:t>Required specifications</a:t>
+            </a:r>
+            <a:endParaRPr kumimoji="1" lang="ja-JP" altLang="en-US" dirty="0">
+              <a:solidFill>
+                <a:srgbClr val="FF0000"/>
+              </a:solidFill>
+            </a:endParaRPr>
           </a:p>
         </p:txBody>
       </p:sp>
@@ -3773,6 +3787,1528 @@
 </file>
 
 <file path=ppt/slides/slide10.xml><?xml version="1.0" encoding="utf-8"?>
+<p:sld xmlns:a="http://schemas.openxmlformats.org/drawingml/2006/main" xmlns:r="http://schemas.openxmlformats.org/officeDocument/2006/relationships" xmlns:p="http://schemas.openxmlformats.org/presentationml/2006/main">
+  <p:cSld>
+    <p:spTree>
+      <p:nvGrpSpPr>
+        <p:cNvPr id="1" name=""/>
+        <p:cNvGrpSpPr/>
+        <p:nvPr/>
+      </p:nvGrpSpPr>
+      <p:grpSpPr>
+        <a:xfrm>
+          <a:off x="0" y="0"/>
+          <a:ext cx="0" cy="0"/>
+          <a:chOff x="0" y="0"/>
+          <a:chExt cx="0" cy="0"/>
+        </a:xfrm>
+      </p:grpSpPr>
+      <p:sp>
+        <p:nvSpPr>
+          <p:cNvPr id="5" name="四角形: 対角を丸める 4">
+            <a:extLst>
+              <a:ext uri="{FF2B5EF4-FFF2-40B4-BE49-F238E27FC236}">
+                <a16:creationId xmlns:a16="http://schemas.microsoft.com/office/drawing/2014/main" id="{4623B795-93EB-4060-AC23-85D88AAB0AD3}"/>
+              </a:ext>
+            </a:extLst>
+          </p:cNvPr>
+          <p:cNvSpPr/>
+          <p:nvPr/>
+        </p:nvSpPr>
+        <p:spPr>
+          <a:xfrm>
+            <a:off x="215899" y="1990001"/>
+            <a:ext cx="8931857" cy="3580606"/>
+          </a:xfrm>
+          <a:prstGeom prst="round2DiagRect">
+            <a:avLst/>
+          </a:prstGeom>
+          <a:solidFill>
+            <a:schemeClr val="tx2">
+              <a:lumMod val="10000"/>
+              <a:lumOff val="90000"/>
+            </a:schemeClr>
+          </a:solidFill>
+        </p:spPr>
+        <p:style>
+          <a:lnRef idx="1">
+            <a:schemeClr val="accent6"/>
+          </a:lnRef>
+          <a:fillRef idx="2">
+            <a:schemeClr val="accent6"/>
+          </a:fillRef>
+          <a:effectRef idx="1">
+            <a:schemeClr val="accent6"/>
+          </a:effectRef>
+          <a:fontRef idx="minor">
+            <a:schemeClr val="dk1"/>
+          </a:fontRef>
+        </p:style>
+        <p:txBody>
+          <a:bodyPr rtlCol="0" anchor="ctr"/>
+          <a:lstStyle/>
+          <a:p>
+            <a:pPr algn="ctr"/>
+            <a:endParaRPr kumimoji="1" lang="ja-JP" altLang="en-US"/>
+          </a:p>
+        </p:txBody>
+      </p:sp>
+      <p:cxnSp>
+        <p:nvCxnSpPr>
+          <p:cNvPr id="41" name="直線矢印コネクタ 40">
+            <a:extLst>
+              <a:ext uri="{FF2B5EF4-FFF2-40B4-BE49-F238E27FC236}">
+                <a16:creationId xmlns:a16="http://schemas.microsoft.com/office/drawing/2014/main" id="{5F5A21F0-319D-4C53-8BE0-89F1DF69D509}"/>
+              </a:ext>
+            </a:extLst>
+          </p:cNvPr>
+          <p:cNvCxnSpPr>
+            <a:cxnSpLocks/>
+            <a:stCxn id="20" idx="2"/>
+            <a:endCxn id="34" idx="0"/>
+          </p:cNvCxnSpPr>
+          <p:nvPr/>
+        </p:nvCxnSpPr>
+        <p:spPr>
+          <a:xfrm flipH="1">
+            <a:off x="1652292" y="4027994"/>
+            <a:ext cx="46530" cy="2256234"/>
+          </a:xfrm>
+          <a:prstGeom prst="straightConnector1">
+            <a:avLst/>
+          </a:prstGeom>
+          <a:ln>
+            <a:tailEnd type="triangle"/>
+          </a:ln>
+        </p:spPr>
+        <p:style>
+          <a:lnRef idx="1">
+            <a:schemeClr val="accent1"/>
+          </a:lnRef>
+          <a:fillRef idx="0">
+            <a:schemeClr val="accent1"/>
+          </a:fillRef>
+          <a:effectRef idx="0">
+            <a:schemeClr val="accent1"/>
+          </a:effectRef>
+          <a:fontRef idx="minor">
+            <a:schemeClr val="tx1"/>
+          </a:fontRef>
+        </p:style>
+      </p:cxnSp>
+      <p:cxnSp>
+        <p:nvCxnSpPr>
+          <p:cNvPr id="46" name="直線矢印コネクタ 45">
+            <a:extLst>
+              <a:ext uri="{FF2B5EF4-FFF2-40B4-BE49-F238E27FC236}">
+                <a16:creationId xmlns:a16="http://schemas.microsoft.com/office/drawing/2014/main" id="{2A2CE6B3-E805-4F25-92DB-41A429BB29B4}"/>
+              </a:ext>
+            </a:extLst>
+          </p:cNvPr>
+          <p:cNvCxnSpPr>
+            <a:cxnSpLocks/>
+            <a:stCxn id="2" idx="2"/>
+            <a:endCxn id="20" idx="0"/>
+          </p:cNvCxnSpPr>
+          <p:nvPr/>
+        </p:nvCxnSpPr>
+        <p:spPr>
+          <a:xfrm>
+            <a:off x="1667457" y="568322"/>
+            <a:ext cx="31365" cy="2794700"/>
+          </a:xfrm>
+          <a:prstGeom prst="straightConnector1">
+            <a:avLst/>
+          </a:prstGeom>
+          <a:ln>
+            <a:tailEnd type="triangle"/>
+          </a:ln>
+        </p:spPr>
+        <p:style>
+          <a:lnRef idx="1">
+            <a:schemeClr val="accent1"/>
+          </a:lnRef>
+          <a:fillRef idx="0">
+            <a:schemeClr val="accent1"/>
+          </a:fillRef>
+          <a:effectRef idx="0">
+            <a:schemeClr val="accent1"/>
+          </a:effectRef>
+          <a:fontRef idx="minor">
+            <a:schemeClr val="tx1"/>
+          </a:fontRef>
+        </p:style>
+      </p:cxnSp>
+      <p:sp>
+        <p:nvSpPr>
+          <p:cNvPr id="2" name="フローチャート: 端子 1">
+            <a:extLst>
+              <a:ext uri="{FF2B5EF4-FFF2-40B4-BE49-F238E27FC236}">
+                <a16:creationId xmlns:a16="http://schemas.microsoft.com/office/drawing/2014/main" id="{E437E1A6-B2BB-43C1-96D0-2F3023138D6B}"/>
+              </a:ext>
+            </a:extLst>
+          </p:cNvPr>
+          <p:cNvSpPr/>
+          <p:nvPr/>
+        </p:nvSpPr>
+        <p:spPr>
+          <a:xfrm>
+            <a:off x="664157" y="205664"/>
+            <a:ext cx="2006600" cy="362658"/>
+          </a:xfrm>
+          <a:prstGeom prst="flowChartTerminator">
+            <a:avLst/>
+          </a:prstGeom>
+        </p:spPr>
+        <p:style>
+          <a:lnRef idx="2">
+            <a:schemeClr val="accent6"/>
+          </a:lnRef>
+          <a:fillRef idx="1">
+            <a:schemeClr val="lt1"/>
+          </a:fillRef>
+          <a:effectRef idx="0">
+            <a:schemeClr val="accent6"/>
+          </a:effectRef>
+          <a:fontRef idx="minor">
+            <a:schemeClr val="dk1"/>
+          </a:fontRef>
+        </p:style>
+        <p:txBody>
+          <a:bodyPr rtlCol="0" anchor="ctr"/>
+          <a:lstStyle/>
+          <a:p>
+            <a:pPr algn="ctr"/>
+            <a:r>
+              <a:rPr kumimoji="1" lang="ja-JP" altLang="en-US" dirty="0"/>
+              <a:t>スタート</a:t>
+            </a:r>
+          </a:p>
+        </p:txBody>
+      </p:sp>
+      <p:sp>
+        <p:nvSpPr>
+          <p:cNvPr id="39" name="フローチャート: 定義済み処理 38">
+            <a:extLst>
+              <a:ext uri="{FF2B5EF4-FFF2-40B4-BE49-F238E27FC236}">
+                <a16:creationId xmlns:a16="http://schemas.microsoft.com/office/drawing/2014/main" id="{21085BCA-FB09-42AA-A7B2-162F12B86707}"/>
+              </a:ext>
+            </a:extLst>
+          </p:cNvPr>
+          <p:cNvSpPr/>
+          <p:nvPr/>
+        </p:nvSpPr>
+        <p:spPr>
+          <a:xfrm>
+            <a:off x="695522" y="1287394"/>
+            <a:ext cx="2006600" cy="265213"/>
+          </a:xfrm>
+          <a:prstGeom prst="flowChartPredefinedProcess">
+            <a:avLst/>
+          </a:prstGeom>
+        </p:spPr>
+        <p:style>
+          <a:lnRef idx="2">
+            <a:schemeClr val="accent6"/>
+          </a:lnRef>
+          <a:fillRef idx="1">
+            <a:schemeClr val="lt1"/>
+          </a:fillRef>
+          <a:effectRef idx="0">
+            <a:schemeClr val="accent6"/>
+          </a:effectRef>
+          <a:fontRef idx="minor">
+            <a:schemeClr val="dk1"/>
+          </a:fontRef>
+        </p:style>
+        <p:txBody>
+          <a:bodyPr rtlCol="0" anchor="ctr"/>
+          <a:lstStyle/>
+          <a:p>
+            <a:pPr algn="ctr"/>
+            <a:r>
+              <a:rPr kumimoji="1" lang="ja-JP" altLang="en-US" sz="1200" dirty="0"/>
+              <a:t>ディーラーのドロー</a:t>
+            </a:r>
+          </a:p>
+        </p:txBody>
+      </p:sp>
+      <p:sp>
+        <p:nvSpPr>
+          <p:cNvPr id="40" name="フローチャート: 定義済み処理 39">
+            <a:extLst>
+              <a:ext uri="{FF2B5EF4-FFF2-40B4-BE49-F238E27FC236}">
+                <a16:creationId xmlns:a16="http://schemas.microsoft.com/office/drawing/2014/main" id="{23109D49-B040-408F-BE6C-CAA484BA9EE4}"/>
+              </a:ext>
+            </a:extLst>
+          </p:cNvPr>
+          <p:cNvSpPr/>
+          <p:nvPr/>
+        </p:nvSpPr>
+        <p:spPr>
+          <a:xfrm>
+            <a:off x="695522" y="1660392"/>
+            <a:ext cx="2001958" cy="265213"/>
+          </a:xfrm>
+          <a:prstGeom prst="flowChartPredefinedProcess">
+            <a:avLst/>
+          </a:prstGeom>
+        </p:spPr>
+        <p:style>
+          <a:lnRef idx="2">
+            <a:schemeClr val="accent6"/>
+          </a:lnRef>
+          <a:fillRef idx="1">
+            <a:schemeClr val="lt1"/>
+          </a:fillRef>
+          <a:effectRef idx="0">
+            <a:schemeClr val="accent6"/>
+          </a:effectRef>
+          <a:fontRef idx="minor">
+            <a:schemeClr val="dk1"/>
+          </a:fontRef>
+        </p:style>
+        <p:txBody>
+          <a:bodyPr rtlCol="0" anchor="ctr"/>
+          <a:lstStyle/>
+          <a:p>
+            <a:pPr algn="ctr"/>
+            <a:r>
+              <a:rPr kumimoji="1" lang="ja-JP" altLang="en-US" sz="1200" dirty="0"/>
+              <a:t>プレイヤーのドロー</a:t>
+            </a:r>
+          </a:p>
+        </p:txBody>
+      </p:sp>
+      <p:sp>
+        <p:nvSpPr>
+          <p:cNvPr id="42" name="吹き出し: 四角形 41">
+            <a:extLst>
+              <a:ext uri="{FF2B5EF4-FFF2-40B4-BE49-F238E27FC236}">
+                <a16:creationId xmlns:a16="http://schemas.microsoft.com/office/drawing/2014/main" id="{52FE323A-8578-4154-9BF2-7697E4EAD028}"/>
+              </a:ext>
+            </a:extLst>
+          </p:cNvPr>
+          <p:cNvSpPr/>
+          <p:nvPr/>
+        </p:nvSpPr>
+        <p:spPr>
+          <a:xfrm>
+            <a:off x="2834440" y="1502280"/>
+            <a:ext cx="946524" cy="358930"/>
+          </a:xfrm>
+          <a:prstGeom prst="wedgeRectCallout">
+            <a:avLst>
+              <a:gd name="adj1" fmla="val -100906"/>
+              <a:gd name="adj2" fmla="val 39535"/>
+            </a:avLst>
+          </a:prstGeom>
+          <a:solidFill>
+            <a:schemeClr val="accent1">
+              <a:lumMod val="40000"/>
+              <a:lumOff val="60000"/>
+            </a:schemeClr>
+          </a:solidFill>
+        </p:spPr>
+        <p:style>
+          <a:lnRef idx="2">
+            <a:schemeClr val="accent6"/>
+          </a:lnRef>
+          <a:fillRef idx="1">
+            <a:schemeClr val="lt1"/>
+          </a:fillRef>
+          <a:effectRef idx="0">
+            <a:schemeClr val="accent6"/>
+          </a:effectRef>
+          <a:fontRef idx="minor">
+            <a:schemeClr val="dk1"/>
+          </a:fontRef>
+        </p:style>
+        <p:txBody>
+          <a:bodyPr rtlCol="0" anchor="ctr"/>
+          <a:lstStyle/>
+          <a:p>
+            <a:pPr algn="ctr"/>
+            <a:r>
+              <a:rPr kumimoji="1" lang="ja-JP" altLang="en-US" sz="1400" dirty="0"/>
+              <a:t>二回行う。</a:t>
+            </a:r>
+            <a:endParaRPr kumimoji="1" lang="en-US" altLang="ja-JP" sz="1400" dirty="0"/>
+          </a:p>
+        </p:txBody>
+      </p:sp>
+      <p:sp>
+        <p:nvSpPr>
+          <p:cNvPr id="44" name="フローチャート: 定義済み処理 43">
+            <a:extLst>
+              <a:ext uri="{FF2B5EF4-FFF2-40B4-BE49-F238E27FC236}">
+                <a16:creationId xmlns:a16="http://schemas.microsoft.com/office/drawing/2014/main" id="{6A9B18D1-566C-4245-96E1-B092E3B5190F}"/>
+              </a:ext>
+            </a:extLst>
+          </p:cNvPr>
+          <p:cNvSpPr/>
+          <p:nvPr/>
+        </p:nvSpPr>
+        <p:spPr>
+          <a:xfrm>
+            <a:off x="695522" y="885363"/>
+            <a:ext cx="2006600" cy="265213"/>
+          </a:xfrm>
+          <a:prstGeom prst="flowChartPredefinedProcess">
+            <a:avLst/>
+          </a:prstGeom>
+        </p:spPr>
+        <p:style>
+          <a:lnRef idx="2">
+            <a:schemeClr val="accent6"/>
+          </a:lnRef>
+          <a:fillRef idx="1">
+            <a:schemeClr val="lt1"/>
+          </a:fillRef>
+          <a:effectRef idx="0">
+            <a:schemeClr val="accent6"/>
+          </a:effectRef>
+          <a:fontRef idx="minor">
+            <a:schemeClr val="dk1"/>
+          </a:fontRef>
+        </p:style>
+        <p:txBody>
+          <a:bodyPr rtlCol="0" anchor="ctr"/>
+          <a:lstStyle/>
+          <a:p>
+            <a:pPr algn="ctr"/>
+            <a:r>
+              <a:rPr kumimoji="1" lang="ja-JP" altLang="en-US" sz="1200" dirty="0"/>
+              <a:t>山札をシャッフル</a:t>
+            </a:r>
+          </a:p>
+        </p:txBody>
+      </p:sp>
+      <p:sp>
+        <p:nvSpPr>
+          <p:cNvPr id="3" name="フローチャート: データ 2">
+            <a:extLst>
+              <a:ext uri="{FF2B5EF4-FFF2-40B4-BE49-F238E27FC236}">
+                <a16:creationId xmlns:a16="http://schemas.microsoft.com/office/drawing/2014/main" id="{D012A09E-F4C7-490A-9A08-82F080662E5C}"/>
+              </a:ext>
+            </a:extLst>
+          </p:cNvPr>
+          <p:cNvSpPr/>
+          <p:nvPr/>
+        </p:nvSpPr>
+        <p:spPr>
+          <a:xfrm>
+            <a:off x="449361" y="2070424"/>
+            <a:ext cx="2498922" cy="428997"/>
+          </a:xfrm>
+          <a:prstGeom prst="flowChartInputOutput">
+            <a:avLst/>
+          </a:prstGeom>
+        </p:spPr>
+        <p:style>
+          <a:lnRef idx="2">
+            <a:schemeClr val="accent1"/>
+          </a:lnRef>
+          <a:fillRef idx="1">
+            <a:schemeClr val="lt1"/>
+          </a:fillRef>
+          <a:effectRef idx="0">
+            <a:schemeClr val="accent1"/>
+          </a:effectRef>
+          <a:fontRef idx="minor">
+            <a:schemeClr val="dk1"/>
+          </a:fontRef>
+        </p:style>
+        <p:txBody>
+          <a:bodyPr rtlCol="0" anchor="ctr"/>
+          <a:lstStyle/>
+          <a:p>
+            <a:pPr algn="ctr"/>
+            <a:r>
+              <a:rPr kumimoji="1" lang="ja-JP" altLang="en-US" sz="1200" dirty="0"/>
+              <a:t>ディーラーが引いたカードを表示</a:t>
+            </a:r>
+            <a:endParaRPr kumimoji="1" lang="en-US" altLang="ja-JP" sz="1200" dirty="0"/>
+          </a:p>
+        </p:txBody>
+      </p:sp>
+      <p:sp>
+        <p:nvSpPr>
+          <p:cNvPr id="37" name="フローチャート: データ 36">
+            <a:extLst>
+              <a:ext uri="{FF2B5EF4-FFF2-40B4-BE49-F238E27FC236}">
+                <a16:creationId xmlns:a16="http://schemas.microsoft.com/office/drawing/2014/main" id="{BD13CC76-EFC4-4E37-A73F-E644716DE100}"/>
+              </a:ext>
+            </a:extLst>
+          </p:cNvPr>
+          <p:cNvSpPr/>
+          <p:nvPr/>
+        </p:nvSpPr>
+        <p:spPr>
+          <a:xfrm>
+            <a:off x="435167" y="2687886"/>
+            <a:ext cx="2498922" cy="428997"/>
+          </a:xfrm>
+          <a:prstGeom prst="flowChartInputOutput">
+            <a:avLst/>
+          </a:prstGeom>
+        </p:spPr>
+        <p:style>
+          <a:lnRef idx="2">
+            <a:schemeClr val="accent1"/>
+          </a:lnRef>
+          <a:fillRef idx="1">
+            <a:schemeClr val="lt1"/>
+          </a:fillRef>
+          <a:effectRef idx="0">
+            <a:schemeClr val="accent1"/>
+          </a:effectRef>
+          <a:fontRef idx="minor">
+            <a:schemeClr val="dk1"/>
+          </a:fontRef>
+        </p:style>
+        <p:txBody>
+          <a:bodyPr rtlCol="0" anchor="ctr"/>
+          <a:lstStyle/>
+          <a:p>
+            <a:pPr algn="ctr"/>
+            <a:r>
+              <a:rPr kumimoji="1" lang="ja-JP" altLang="en-US" sz="1200" dirty="0"/>
+              <a:t>プレイヤーが引いたカードを表示</a:t>
+            </a:r>
+            <a:endParaRPr kumimoji="1" lang="en-US" altLang="ja-JP" sz="1200" dirty="0"/>
+          </a:p>
+        </p:txBody>
+      </p:sp>
+      <p:sp>
+        <p:nvSpPr>
+          <p:cNvPr id="47" name="吹き出し: 四角形 46">
+            <a:extLst>
+              <a:ext uri="{FF2B5EF4-FFF2-40B4-BE49-F238E27FC236}">
+                <a16:creationId xmlns:a16="http://schemas.microsoft.com/office/drawing/2014/main" id="{BBBA37C9-2FD7-426C-82E5-9ED229600FB3}"/>
+              </a:ext>
+            </a:extLst>
+          </p:cNvPr>
+          <p:cNvSpPr/>
+          <p:nvPr/>
+        </p:nvSpPr>
+        <p:spPr>
+          <a:xfrm>
+            <a:off x="2903118" y="2281905"/>
+            <a:ext cx="2640432" cy="468527"/>
+          </a:xfrm>
+          <a:prstGeom prst="wedgeRectCallout">
+            <a:avLst>
+              <a:gd name="adj1" fmla="val -70002"/>
+              <a:gd name="adj2" fmla="val -46976"/>
+            </a:avLst>
+          </a:prstGeom>
+          <a:solidFill>
+            <a:schemeClr val="accent1">
+              <a:lumMod val="40000"/>
+              <a:lumOff val="60000"/>
+            </a:schemeClr>
+          </a:solidFill>
+        </p:spPr>
+        <p:style>
+          <a:lnRef idx="2">
+            <a:schemeClr val="accent6"/>
+          </a:lnRef>
+          <a:fillRef idx="1">
+            <a:schemeClr val="lt1"/>
+          </a:fillRef>
+          <a:effectRef idx="0">
+            <a:schemeClr val="accent6"/>
+          </a:effectRef>
+          <a:fontRef idx="minor">
+            <a:schemeClr val="dk1"/>
+          </a:fontRef>
+        </p:style>
+        <p:txBody>
+          <a:bodyPr rtlCol="0" anchor="ctr"/>
+          <a:lstStyle/>
+          <a:p>
+            <a:pPr algn="ctr"/>
+            <a:r>
+              <a:rPr kumimoji="1" lang="ja-JP" altLang="en-US" sz="1400" dirty="0"/>
+              <a:t>一枚目に引いたカードのみ表示</a:t>
+            </a:r>
+            <a:endParaRPr kumimoji="1" lang="en-US" altLang="ja-JP" sz="1400" dirty="0"/>
+          </a:p>
+        </p:txBody>
+      </p:sp>
+      <p:sp>
+        <p:nvSpPr>
+          <p:cNvPr id="48" name="吹き出し: 四角形 47">
+            <a:extLst>
+              <a:ext uri="{FF2B5EF4-FFF2-40B4-BE49-F238E27FC236}">
+                <a16:creationId xmlns:a16="http://schemas.microsoft.com/office/drawing/2014/main" id="{8C440D1C-F8F8-43FC-BD14-6DB2BECE93B7}"/>
+              </a:ext>
+            </a:extLst>
+          </p:cNvPr>
+          <p:cNvSpPr/>
+          <p:nvPr/>
+        </p:nvSpPr>
+        <p:spPr>
+          <a:xfrm>
+            <a:off x="2834438" y="2942931"/>
+            <a:ext cx="2640432" cy="468527"/>
+          </a:xfrm>
+          <a:prstGeom prst="wedgeRectCallout">
+            <a:avLst>
+              <a:gd name="adj1" fmla="val -70002"/>
+              <a:gd name="adj2" fmla="val -46976"/>
+            </a:avLst>
+          </a:prstGeom>
+          <a:solidFill>
+            <a:schemeClr val="accent1">
+              <a:lumMod val="40000"/>
+              <a:lumOff val="60000"/>
+            </a:schemeClr>
+          </a:solidFill>
+        </p:spPr>
+        <p:style>
+          <a:lnRef idx="2">
+            <a:schemeClr val="accent6"/>
+          </a:lnRef>
+          <a:fillRef idx="1">
+            <a:schemeClr val="lt1"/>
+          </a:fillRef>
+          <a:effectRef idx="0">
+            <a:schemeClr val="accent6"/>
+          </a:effectRef>
+          <a:fontRef idx="minor">
+            <a:schemeClr val="dk1"/>
+          </a:fontRef>
+        </p:style>
+        <p:txBody>
+          <a:bodyPr rtlCol="0" anchor="ctr"/>
+          <a:lstStyle/>
+          <a:p>
+            <a:pPr algn="ctr"/>
+            <a:r>
+              <a:rPr kumimoji="1" lang="ja-JP" altLang="en-US" sz="1400" dirty="0"/>
+              <a:t>引いたカード二枚とも表示</a:t>
+            </a:r>
+            <a:endParaRPr kumimoji="1" lang="en-US" altLang="ja-JP" sz="1400" dirty="0"/>
+          </a:p>
+        </p:txBody>
+      </p:sp>
+      <p:sp>
+        <p:nvSpPr>
+          <p:cNvPr id="49" name="フローチャート: データ 48">
+            <a:extLst>
+              <a:ext uri="{FF2B5EF4-FFF2-40B4-BE49-F238E27FC236}">
+                <a16:creationId xmlns:a16="http://schemas.microsoft.com/office/drawing/2014/main" id="{C9BB7A1D-247A-4377-A94F-AAFF9A0FF6C3}"/>
+              </a:ext>
+            </a:extLst>
+          </p:cNvPr>
+          <p:cNvSpPr/>
+          <p:nvPr/>
+        </p:nvSpPr>
+        <p:spPr>
+          <a:xfrm>
+            <a:off x="449361" y="5034098"/>
+            <a:ext cx="2498922" cy="428997"/>
+          </a:xfrm>
+          <a:prstGeom prst="flowChartInputOutput">
+            <a:avLst/>
+          </a:prstGeom>
+        </p:spPr>
+        <p:style>
+          <a:lnRef idx="2">
+            <a:schemeClr val="accent1"/>
+          </a:lnRef>
+          <a:fillRef idx="1">
+            <a:schemeClr val="lt1"/>
+          </a:fillRef>
+          <a:effectRef idx="0">
+            <a:schemeClr val="accent1"/>
+          </a:effectRef>
+          <a:fontRef idx="minor">
+            <a:schemeClr val="dk1"/>
+          </a:fontRef>
+        </p:style>
+        <p:txBody>
+          <a:bodyPr rtlCol="0" anchor="ctr"/>
+          <a:lstStyle/>
+          <a:p>
+            <a:pPr algn="ctr"/>
+            <a:r>
+              <a:rPr kumimoji="1" lang="ja-JP" altLang="en-US" sz="1200" dirty="0"/>
+              <a:t>プレイヤーがカードを追加するか質問</a:t>
+            </a:r>
+            <a:endParaRPr kumimoji="1" lang="en-US" altLang="ja-JP" sz="1200" dirty="0"/>
+          </a:p>
+        </p:txBody>
+      </p:sp>
+      <p:sp>
+        <p:nvSpPr>
+          <p:cNvPr id="15" name="テキスト ボックス 14">
+            <a:extLst>
+              <a:ext uri="{FF2B5EF4-FFF2-40B4-BE49-F238E27FC236}">
+                <a16:creationId xmlns:a16="http://schemas.microsoft.com/office/drawing/2014/main" id="{91336D4E-346B-4E48-A61B-5EDBE62E74EF}"/>
+              </a:ext>
+            </a:extLst>
+          </p:cNvPr>
+          <p:cNvSpPr txBox="1"/>
+          <p:nvPr/>
+        </p:nvSpPr>
+        <p:spPr>
+          <a:xfrm>
+            <a:off x="6101182" y="2302957"/>
+            <a:ext cx="2929007" cy="2308324"/>
+          </a:xfrm>
+          <a:prstGeom prst="rect">
+            <a:avLst/>
+          </a:prstGeom>
+          <a:noFill/>
+        </p:spPr>
+        <p:txBody>
+          <a:bodyPr wrap="none" rtlCol="0">
+            <a:spAutoFit/>
+          </a:bodyPr>
+          <a:lstStyle/>
+          <a:p>
+            <a:r>
+              <a:rPr kumimoji="1" lang="ja-JP" altLang="en-US" dirty="0"/>
+              <a:t>表示例</a:t>
+            </a:r>
+            <a:r>
+              <a:rPr kumimoji="1" lang="en-US" altLang="ja-JP" dirty="0"/>
+              <a:t>)</a:t>
+            </a:r>
+          </a:p>
+          <a:p>
+            <a:r>
+              <a:rPr kumimoji="1" lang="ja-JP" altLang="en-US" dirty="0"/>
+              <a:t>ディーラー </a:t>
+            </a:r>
+            <a:r>
+              <a:rPr kumimoji="1" lang="en-US" altLang="ja-JP" dirty="0"/>
+              <a:t>: </a:t>
+            </a:r>
+            <a:r>
+              <a:rPr kumimoji="1" lang="ja-JP" altLang="en-US" dirty="0"/>
+              <a:t>ハートの</a:t>
+            </a:r>
+            <a:r>
+              <a:rPr kumimoji="1" lang="en-US" altLang="ja-JP" dirty="0"/>
+              <a:t>3</a:t>
+            </a:r>
+          </a:p>
+          <a:p>
+            <a:r>
+              <a:rPr kumimoji="1" lang="ja-JP" altLang="en-US" dirty="0"/>
+              <a:t>プレイヤー</a:t>
+            </a:r>
+            <a:r>
+              <a:rPr kumimoji="1" lang="en-US" altLang="ja-JP" dirty="0"/>
+              <a:t>: </a:t>
+            </a:r>
+            <a:r>
+              <a:rPr kumimoji="1" lang="ja-JP" altLang="en-US" dirty="0"/>
+              <a:t>クラブの</a:t>
+            </a:r>
+            <a:r>
+              <a:rPr kumimoji="1" lang="en-US" altLang="ja-JP" dirty="0"/>
+              <a:t>11</a:t>
+            </a:r>
+          </a:p>
+          <a:p>
+            <a:r>
+              <a:rPr kumimoji="1" lang="ja-JP" altLang="en-US" dirty="0"/>
+              <a:t>プレイヤー</a:t>
+            </a:r>
+            <a:r>
+              <a:rPr kumimoji="1" lang="en-US" altLang="ja-JP" dirty="0"/>
+              <a:t>: </a:t>
+            </a:r>
+            <a:r>
+              <a:rPr kumimoji="1" lang="ja-JP" altLang="en-US" dirty="0"/>
+              <a:t>スペードの</a:t>
+            </a:r>
+            <a:r>
+              <a:rPr kumimoji="1" lang="en-US" altLang="ja-JP" dirty="0"/>
+              <a:t>2</a:t>
+            </a:r>
+          </a:p>
+          <a:p>
+            <a:endParaRPr kumimoji="1" lang="en-US" altLang="ja-JP" dirty="0"/>
+          </a:p>
+          <a:p>
+            <a:r>
+              <a:rPr kumimoji="1" lang="ja-JP" altLang="en-US" dirty="0"/>
+              <a:t>プレイヤー合計 </a:t>
+            </a:r>
+            <a:r>
+              <a:rPr kumimoji="1" lang="en-US" altLang="ja-JP" dirty="0"/>
+              <a:t>: 12</a:t>
+            </a:r>
+          </a:p>
+          <a:p>
+            <a:r>
+              <a:rPr kumimoji="1" lang="en-US" altLang="ja-JP" dirty="0"/>
+              <a:t> </a:t>
+            </a:r>
+          </a:p>
+          <a:p>
+            <a:r>
+              <a:rPr kumimoji="1" lang="ja-JP" altLang="en-US" dirty="0"/>
+              <a:t>カードを追加しますか？</a:t>
+            </a:r>
+            <a:r>
+              <a:rPr kumimoji="1" lang="en-US" altLang="ja-JP" dirty="0"/>
+              <a:t>: y/N</a:t>
+            </a:r>
+          </a:p>
+        </p:txBody>
+      </p:sp>
+      <p:sp>
+        <p:nvSpPr>
+          <p:cNvPr id="50" name="フローチャート: データ 49">
+            <a:extLst>
+              <a:ext uri="{FF2B5EF4-FFF2-40B4-BE49-F238E27FC236}">
+                <a16:creationId xmlns:a16="http://schemas.microsoft.com/office/drawing/2014/main" id="{103BCDAB-BC36-4459-B100-D396F4B816E2}"/>
+              </a:ext>
+            </a:extLst>
+          </p:cNvPr>
+          <p:cNvSpPr/>
+          <p:nvPr/>
+        </p:nvSpPr>
+        <p:spPr>
+          <a:xfrm>
+            <a:off x="404196" y="5591885"/>
+            <a:ext cx="2498922" cy="428997"/>
+          </a:xfrm>
+          <a:prstGeom prst="flowChartInputOutput">
+            <a:avLst/>
+          </a:prstGeom>
+        </p:spPr>
+        <p:style>
+          <a:lnRef idx="2">
+            <a:schemeClr val="accent1"/>
+          </a:lnRef>
+          <a:fillRef idx="1">
+            <a:schemeClr val="lt1"/>
+          </a:fillRef>
+          <a:effectRef idx="0">
+            <a:schemeClr val="accent1"/>
+          </a:effectRef>
+          <a:fontRef idx="minor">
+            <a:schemeClr val="dk1"/>
+          </a:fontRef>
+        </p:style>
+        <p:txBody>
+          <a:bodyPr rtlCol="0" anchor="ctr"/>
+          <a:lstStyle/>
+          <a:p>
+            <a:pPr algn="ctr"/>
+            <a:r>
+              <a:rPr kumimoji="1" lang="ja-JP" altLang="en-US" sz="1200" dirty="0"/>
+              <a:t>プレイヤーの入力</a:t>
+            </a:r>
+            <a:endParaRPr kumimoji="1" lang="en-US" altLang="ja-JP" sz="1200" dirty="0"/>
+          </a:p>
+        </p:txBody>
+      </p:sp>
+      <p:sp>
+        <p:nvSpPr>
+          <p:cNvPr id="51" name="吹き出し: 四角形 50">
+            <a:extLst>
+              <a:ext uri="{FF2B5EF4-FFF2-40B4-BE49-F238E27FC236}">
+                <a16:creationId xmlns:a16="http://schemas.microsoft.com/office/drawing/2014/main" id="{DBB55655-4396-4981-9E08-CFD273B7F35F}"/>
+              </a:ext>
+            </a:extLst>
+          </p:cNvPr>
+          <p:cNvSpPr/>
+          <p:nvPr/>
+        </p:nvSpPr>
+        <p:spPr>
+          <a:xfrm>
+            <a:off x="2670757" y="5907883"/>
+            <a:ext cx="2640432" cy="753676"/>
+          </a:xfrm>
+          <a:prstGeom prst="wedgeRectCallout">
+            <a:avLst>
+              <a:gd name="adj1" fmla="val -71325"/>
+              <a:gd name="adj2" fmla="val -47644"/>
+            </a:avLst>
+          </a:prstGeom>
+          <a:solidFill>
+            <a:schemeClr val="accent1">
+              <a:lumMod val="40000"/>
+              <a:lumOff val="60000"/>
+            </a:schemeClr>
+          </a:solidFill>
+        </p:spPr>
+        <p:style>
+          <a:lnRef idx="2">
+            <a:schemeClr val="accent6"/>
+          </a:lnRef>
+          <a:fillRef idx="1">
+            <a:schemeClr val="lt1"/>
+          </a:fillRef>
+          <a:effectRef idx="0">
+            <a:schemeClr val="accent6"/>
+          </a:effectRef>
+          <a:fontRef idx="minor">
+            <a:schemeClr val="dk1"/>
+          </a:fontRef>
+        </p:style>
+        <p:txBody>
+          <a:bodyPr rtlCol="0" anchor="ctr"/>
+          <a:lstStyle/>
+          <a:p>
+            <a:pPr algn="ctr"/>
+            <a:r>
+              <a:rPr kumimoji="1" lang="ja-JP" altLang="en-US" sz="1400" dirty="0"/>
+              <a:t>入力は</a:t>
+            </a:r>
+            <a:r>
+              <a:rPr kumimoji="1" lang="en-US" altLang="ja-JP" sz="1400" dirty="0"/>
+              <a:t>”y”</a:t>
+            </a:r>
+            <a:r>
+              <a:rPr kumimoji="1" lang="ja-JP" altLang="en-US" sz="1400" dirty="0"/>
+              <a:t>か</a:t>
+            </a:r>
+            <a:r>
+              <a:rPr kumimoji="1" lang="en-US" altLang="ja-JP" sz="1400" dirty="0"/>
+              <a:t>”N”</a:t>
+            </a:r>
+            <a:r>
+              <a:rPr kumimoji="1" lang="ja-JP" altLang="en-US" sz="1400" dirty="0"/>
+              <a:t>で行う</a:t>
+            </a:r>
+            <a:endParaRPr kumimoji="1" lang="en-US" altLang="ja-JP" sz="1400" dirty="0"/>
+          </a:p>
+          <a:p>
+            <a:pPr algn="ctr"/>
+            <a:r>
+              <a:rPr kumimoji="1" lang="en-US" altLang="ja-JP" sz="1400" dirty="0"/>
+              <a:t>y : </a:t>
+            </a:r>
+            <a:r>
+              <a:rPr kumimoji="1" lang="ja-JP" altLang="en-US" sz="1400" dirty="0"/>
+              <a:t>カードを追加</a:t>
+            </a:r>
+            <a:endParaRPr kumimoji="1" lang="en-US" altLang="ja-JP" sz="1400" dirty="0"/>
+          </a:p>
+          <a:p>
+            <a:pPr algn="ctr"/>
+            <a:r>
+              <a:rPr kumimoji="1" lang="en-US" altLang="ja-JP" sz="1400" dirty="0"/>
+              <a:t>N : </a:t>
+            </a:r>
+            <a:r>
+              <a:rPr kumimoji="1" lang="ja-JP" altLang="en-US" sz="1400" dirty="0"/>
+              <a:t>追加しない</a:t>
+            </a:r>
+            <a:endParaRPr kumimoji="1" lang="en-US" altLang="ja-JP" sz="1400" dirty="0"/>
+          </a:p>
+        </p:txBody>
+      </p:sp>
+      <p:sp>
+        <p:nvSpPr>
+          <p:cNvPr id="20" name="フローチャート: 判断 19">
+            <a:extLst>
+              <a:ext uri="{FF2B5EF4-FFF2-40B4-BE49-F238E27FC236}">
+                <a16:creationId xmlns:a16="http://schemas.microsoft.com/office/drawing/2014/main" id="{4130F030-8D78-4F8F-AC8E-098188874DA9}"/>
+              </a:ext>
+            </a:extLst>
+          </p:cNvPr>
+          <p:cNvSpPr/>
+          <p:nvPr/>
+        </p:nvSpPr>
+        <p:spPr>
+          <a:xfrm>
+            <a:off x="129284" y="3363022"/>
+            <a:ext cx="3139076" cy="664972"/>
+          </a:xfrm>
+          <a:prstGeom prst="flowChartDecision">
+            <a:avLst/>
+          </a:prstGeom>
+        </p:spPr>
+        <p:style>
+          <a:lnRef idx="2">
+            <a:schemeClr val="accent6"/>
+          </a:lnRef>
+          <a:fillRef idx="1">
+            <a:schemeClr val="lt1"/>
+          </a:fillRef>
+          <a:effectRef idx="0">
+            <a:schemeClr val="accent6"/>
+          </a:effectRef>
+          <a:fontRef idx="minor">
+            <a:schemeClr val="dk1"/>
+          </a:fontRef>
+        </p:style>
+        <p:txBody>
+          <a:bodyPr rtlCol="0" anchor="ctr"/>
+          <a:lstStyle/>
+          <a:p>
+            <a:pPr algn="ctr"/>
+            <a:r>
+              <a:rPr kumimoji="1" lang="ja-JP" altLang="en-US" sz="1200" dirty="0"/>
+              <a:t>プレイヤーの合計点が</a:t>
+            </a:r>
+            <a:r>
+              <a:rPr kumimoji="1" lang="en-US" altLang="ja-JP" sz="1200" dirty="0"/>
+              <a:t>21</a:t>
+            </a:r>
+            <a:r>
+              <a:rPr kumimoji="1" lang="ja-JP" altLang="en-US" sz="1200" dirty="0"/>
+              <a:t>点</a:t>
+            </a:r>
+            <a:endParaRPr kumimoji="1" lang="en-US" altLang="ja-JP" sz="1200" dirty="0"/>
+          </a:p>
+        </p:txBody>
+      </p:sp>
+      <p:sp>
+        <p:nvSpPr>
+          <p:cNvPr id="21" name="テキスト ボックス 20">
+            <a:extLst>
+              <a:ext uri="{FF2B5EF4-FFF2-40B4-BE49-F238E27FC236}">
+                <a16:creationId xmlns:a16="http://schemas.microsoft.com/office/drawing/2014/main" id="{B4014C7E-CC2E-4921-B0B7-517B6DC22905}"/>
+              </a:ext>
+            </a:extLst>
+          </p:cNvPr>
+          <p:cNvSpPr txBox="1"/>
+          <p:nvPr/>
+        </p:nvSpPr>
+        <p:spPr>
+          <a:xfrm>
+            <a:off x="3121525" y="3408121"/>
+            <a:ext cx="293670" cy="369332"/>
+          </a:xfrm>
+          <a:prstGeom prst="rect">
+            <a:avLst/>
+          </a:prstGeom>
+          <a:noFill/>
+        </p:spPr>
+        <p:txBody>
+          <a:bodyPr wrap="none" rtlCol="0">
+            <a:spAutoFit/>
+          </a:bodyPr>
+          <a:lstStyle/>
+          <a:p>
+            <a:r>
+              <a:rPr kumimoji="1" lang="en-US" altLang="ja-JP" dirty="0"/>
+              <a:t>Y</a:t>
+            </a:r>
+            <a:endParaRPr kumimoji="1" lang="ja-JP" altLang="en-US" dirty="0"/>
+          </a:p>
+        </p:txBody>
+      </p:sp>
+      <p:sp>
+        <p:nvSpPr>
+          <p:cNvPr id="22" name="テキスト ボックス 21">
+            <a:extLst>
+              <a:ext uri="{FF2B5EF4-FFF2-40B4-BE49-F238E27FC236}">
+                <a16:creationId xmlns:a16="http://schemas.microsoft.com/office/drawing/2014/main" id="{45A6632A-C841-47E7-9482-79D027A9EA68}"/>
+              </a:ext>
+            </a:extLst>
+          </p:cNvPr>
+          <p:cNvSpPr txBox="1"/>
+          <p:nvPr/>
+        </p:nvSpPr>
+        <p:spPr>
+          <a:xfrm>
+            <a:off x="1640719" y="3904801"/>
+            <a:ext cx="293670" cy="369332"/>
+          </a:xfrm>
+          <a:prstGeom prst="rect">
+            <a:avLst/>
+          </a:prstGeom>
+          <a:noFill/>
+        </p:spPr>
+        <p:txBody>
+          <a:bodyPr wrap="square" rtlCol="0">
+            <a:spAutoFit/>
+          </a:bodyPr>
+          <a:lstStyle/>
+          <a:p>
+            <a:r>
+              <a:rPr kumimoji="1" lang="en-US" altLang="ja-JP" dirty="0"/>
+              <a:t>N</a:t>
+            </a:r>
+          </a:p>
+        </p:txBody>
+      </p:sp>
+      <p:cxnSp>
+        <p:nvCxnSpPr>
+          <p:cNvPr id="23" name="コネクタ: カギ線 22">
+            <a:extLst>
+              <a:ext uri="{FF2B5EF4-FFF2-40B4-BE49-F238E27FC236}">
+                <a16:creationId xmlns:a16="http://schemas.microsoft.com/office/drawing/2014/main" id="{EDF8F05E-2ED9-4A45-B86D-E44E9559CD63}"/>
+              </a:ext>
+            </a:extLst>
+          </p:cNvPr>
+          <p:cNvCxnSpPr>
+            <a:cxnSpLocks/>
+            <a:stCxn id="20" idx="3"/>
+          </p:cNvCxnSpPr>
+          <p:nvPr/>
+        </p:nvCxnSpPr>
+        <p:spPr>
+          <a:xfrm>
+            <a:off x="3268360" y="3695508"/>
+            <a:ext cx="973399" cy="1631181"/>
+          </a:xfrm>
+          <a:prstGeom prst="bentConnector2">
+            <a:avLst/>
+          </a:prstGeom>
+          <a:ln>
+            <a:tailEnd type="triangle"/>
+          </a:ln>
+        </p:spPr>
+        <p:style>
+          <a:lnRef idx="1">
+            <a:schemeClr val="accent1"/>
+          </a:lnRef>
+          <a:fillRef idx="0">
+            <a:schemeClr val="accent1"/>
+          </a:fillRef>
+          <a:effectRef idx="0">
+            <a:schemeClr val="accent1"/>
+          </a:effectRef>
+          <a:fontRef idx="minor">
+            <a:schemeClr val="tx1"/>
+          </a:fontRef>
+        </p:style>
+      </p:cxnSp>
+      <p:sp>
+        <p:nvSpPr>
+          <p:cNvPr id="34" name="フローチャート: 結合子 33">
+            <a:extLst>
+              <a:ext uri="{FF2B5EF4-FFF2-40B4-BE49-F238E27FC236}">
+                <a16:creationId xmlns:a16="http://schemas.microsoft.com/office/drawing/2014/main" id="{6FEBAFB6-8475-40D4-836C-F263137ACEA7}"/>
+              </a:ext>
+            </a:extLst>
+          </p:cNvPr>
+          <p:cNvSpPr/>
+          <p:nvPr/>
+        </p:nvSpPr>
+        <p:spPr>
+          <a:xfrm>
+            <a:off x="1490292" y="6284228"/>
+            <a:ext cx="324000" cy="324000"/>
+          </a:xfrm>
+          <a:prstGeom prst="flowChartConnector">
+            <a:avLst/>
+          </a:prstGeom>
+        </p:spPr>
+        <p:style>
+          <a:lnRef idx="2">
+            <a:schemeClr val="accent1">
+              <a:shade val="50000"/>
+            </a:schemeClr>
+          </a:lnRef>
+          <a:fillRef idx="1">
+            <a:schemeClr val="accent1"/>
+          </a:fillRef>
+          <a:effectRef idx="0">
+            <a:schemeClr val="accent1"/>
+          </a:effectRef>
+          <a:fontRef idx="minor">
+            <a:schemeClr val="lt1"/>
+          </a:fontRef>
+        </p:style>
+        <p:txBody>
+          <a:bodyPr rtlCol="0" anchor="ctr"/>
+          <a:lstStyle/>
+          <a:p>
+            <a:pPr algn="ctr"/>
+            <a:r>
+              <a:rPr kumimoji="1" lang="en-US" altLang="ja-JP" dirty="0"/>
+              <a:t>A</a:t>
+            </a:r>
+            <a:endParaRPr kumimoji="1" lang="ja-JP" altLang="en-US" dirty="0"/>
+          </a:p>
+        </p:txBody>
+      </p:sp>
+      <p:sp>
+        <p:nvSpPr>
+          <p:cNvPr id="35" name="タイトル 1">
+            <a:extLst>
+              <a:ext uri="{FF2B5EF4-FFF2-40B4-BE49-F238E27FC236}">
+                <a16:creationId xmlns:a16="http://schemas.microsoft.com/office/drawing/2014/main" id="{2D070205-28A7-49DC-B86D-288CC640B9EE}"/>
+              </a:ext>
+            </a:extLst>
+          </p:cNvPr>
+          <p:cNvSpPr txBox="1">
+            <a:spLocks/>
+          </p:cNvSpPr>
+          <p:nvPr/>
+        </p:nvSpPr>
+        <p:spPr>
+          <a:xfrm>
+            <a:off x="2903118" y="180016"/>
+            <a:ext cx="10772775" cy="1658198"/>
+          </a:xfrm>
+          <a:prstGeom prst="rect">
+            <a:avLst/>
+          </a:prstGeom>
+        </p:spPr>
+        <p:txBody>
+          <a:bodyPr/>
+          <a:lstStyle>
+            <a:lvl1pPr algn="l" defTabSz="914400" rtl="0" eaLnBrk="1" latinLnBrk="0" hangingPunct="1">
+              <a:lnSpc>
+                <a:spcPct val="85000"/>
+              </a:lnSpc>
+              <a:spcBef>
+                <a:spcPct val="0"/>
+              </a:spcBef>
+              <a:buNone/>
+              <a:defRPr kumimoji="1" sz="5400" kern="1200" spc="-120" baseline="0">
+                <a:solidFill>
+                  <a:schemeClr val="accent1"/>
+                </a:solidFill>
+                <a:latin typeface="+mj-lt"/>
+                <a:ea typeface="+mj-ea"/>
+                <a:cs typeface="+mj-cs"/>
+              </a:defRPr>
+            </a:lvl1pPr>
+          </a:lstStyle>
+          <a:p>
+            <a:r>
+              <a:rPr lang="ja-JP" altLang="en-US" dirty="0"/>
+              <a:t>ゲームの流れ</a:t>
+            </a:r>
+            <a:r>
+              <a:rPr lang="en-US" altLang="ja-JP" dirty="0"/>
+              <a:t>1/3</a:t>
+            </a:r>
+            <a:endParaRPr lang="ja-JP" altLang="en-US" dirty="0"/>
+          </a:p>
+        </p:txBody>
+      </p:sp>
+      <p:sp>
+        <p:nvSpPr>
+          <p:cNvPr id="53" name="フローチャート: データ 52">
+            <a:extLst>
+              <a:ext uri="{FF2B5EF4-FFF2-40B4-BE49-F238E27FC236}">
+                <a16:creationId xmlns:a16="http://schemas.microsoft.com/office/drawing/2014/main" id="{D05734EB-1CBA-4618-BBFA-5CB1A56E1B0E}"/>
+              </a:ext>
+            </a:extLst>
+          </p:cNvPr>
+          <p:cNvSpPr/>
+          <p:nvPr/>
+        </p:nvSpPr>
+        <p:spPr>
+          <a:xfrm>
+            <a:off x="358816" y="4260359"/>
+            <a:ext cx="2498922" cy="428997"/>
+          </a:xfrm>
+          <a:prstGeom prst="flowChartInputOutput">
+            <a:avLst/>
+          </a:prstGeom>
+        </p:spPr>
+        <p:style>
+          <a:lnRef idx="2">
+            <a:schemeClr val="accent1"/>
+          </a:lnRef>
+          <a:fillRef idx="1">
+            <a:schemeClr val="lt1"/>
+          </a:fillRef>
+          <a:effectRef idx="0">
+            <a:schemeClr val="accent1"/>
+          </a:effectRef>
+          <a:fontRef idx="minor">
+            <a:schemeClr val="dk1"/>
+          </a:fontRef>
+        </p:style>
+        <p:txBody>
+          <a:bodyPr rtlCol="0" anchor="ctr"/>
+          <a:lstStyle/>
+          <a:p>
+            <a:pPr algn="ctr"/>
+            <a:r>
+              <a:rPr kumimoji="1" lang="ja-JP" altLang="en-US" sz="1200" dirty="0"/>
+              <a:t>プレイヤーの合計点を表示</a:t>
+            </a:r>
+            <a:endParaRPr kumimoji="1" lang="en-US" altLang="ja-JP" sz="1200" dirty="0"/>
+          </a:p>
+        </p:txBody>
+      </p:sp>
+      <p:sp>
+        <p:nvSpPr>
+          <p:cNvPr id="32" name="フローチャート: 結合子 31">
+            <a:extLst>
+              <a:ext uri="{FF2B5EF4-FFF2-40B4-BE49-F238E27FC236}">
+                <a16:creationId xmlns:a16="http://schemas.microsoft.com/office/drawing/2014/main" id="{0BE25F91-257A-485D-9804-1FACE19F9D6C}"/>
+              </a:ext>
+            </a:extLst>
+          </p:cNvPr>
+          <p:cNvSpPr/>
+          <p:nvPr/>
+        </p:nvSpPr>
+        <p:spPr>
+          <a:xfrm>
+            <a:off x="4079759" y="5336391"/>
+            <a:ext cx="324000" cy="324000"/>
+          </a:xfrm>
+          <a:prstGeom prst="flowChartConnector">
+            <a:avLst/>
+          </a:prstGeom>
+        </p:spPr>
+        <p:style>
+          <a:lnRef idx="2">
+            <a:schemeClr val="accent1">
+              <a:shade val="50000"/>
+            </a:schemeClr>
+          </a:lnRef>
+          <a:fillRef idx="1">
+            <a:schemeClr val="accent1"/>
+          </a:fillRef>
+          <a:effectRef idx="0">
+            <a:schemeClr val="accent1"/>
+          </a:effectRef>
+          <a:fontRef idx="minor">
+            <a:schemeClr val="lt1"/>
+          </a:fontRef>
+        </p:style>
+        <p:txBody>
+          <a:bodyPr rtlCol="0" anchor="ctr"/>
+          <a:lstStyle/>
+          <a:p>
+            <a:pPr algn="ctr"/>
+            <a:r>
+              <a:rPr kumimoji="1" lang="en-US" altLang="ja-JP" dirty="0"/>
+              <a:t>B</a:t>
+            </a:r>
+            <a:endParaRPr kumimoji="1" lang="ja-JP" altLang="en-US" dirty="0"/>
+          </a:p>
+        </p:txBody>
+      </p:sp>
+      <p:sp>
+        <p:nvSpPr>
+          <p:cNvPr id="7" name="吹き出し: 四角形 6">
+            <a:extLst>
+              <a:ext uri="{FF2B5EF4-FFF2-40B4-BE49-F238E27FC236}">
+                <a16:creationId xmlns:a16="http://schemas.microsoft.com/office/drawing/2014/main" id="{C2C2958B-DA5F-4C68-8D60-D1CF147A123C}"/>
+              </a:ext>
+            </a:extLst>
+          </p:cNvPr>
+          <p:cNvSpPr/>
+          <p:nvPr/>
+        </p:nvSpPr>
+        <p:spPr>
+          <a:xfrm>
+            <a:off x="4076362" y="885362"/>
+            <a:ext cx="2754603" cy="1244755"/>
+          </a:xfrm>
+          <a:prstGeom prst="wedgeRectCallout">
+            <a:avLst>
+              <a:gd name="adj1" fmla="val -115957"/>
+              <a:gd name="adj2" fmla="val -6130"/>
+            </a:avLst>
+          </a:prstGeom>
+          <a:solidFill>
+            <a:schemeClr val="accent1">
+              <a:lumMod val="40000"/>
+              <a:lumOff val="60000"/>
+            </a:schemeClr>
+          </a:solidFill>
+        </p:spPr>
+        <p:style>
+          <a:lnRef idx="2">
+            <a:schemeClr val="accent1">
+              <a:shade val="50000"/>
+            </a:schemeClr>
+          </a:lnRef>
+          <a:fillRef idx="1">
+            <a:schemeClr val="accent1"/>
+          </a:fillRef>
+          <a:effectRef idx="0">
+            <a:schemeClr val="accent1"/>
+          </a:effectRef>
+          <a:fontRef idx="minor">
+            <a:schemeClr val="lt1"/>
+          </a:fontRef>
+        </p:style>
+        <p:txBody>
+          <a:bodyPr rtlCol="0" anchor="ctr"/>
+          <a:lstStyle/>
+          <a:p>
+            <a:pPr algn="ctr"/>
+            <a:r>
+              <a:rPr kumimoji="1" lang="ja-JP" altLang="en-US" dirty="0">
+                <a:solidFill>
+                  <a:srgbClr val="FF0000"/>
+                </a:solidFill>
+              </a:rPr>
+              <a:t>ここでいう</a:t>
+            </a:r>
+            <a:r>
+              <a:rPr kumimoji="1" lang="en-US" altLang="ja-JP" dirty="0">
+                <a:solidFill>
+                  <a:srgbClr val="FF0000"/>
+                </a:solidFill>
+              </a:rPr>
+              <a:t>”</a:t>
+            </a:r>
+            <a:r>
+              <a:rPr kumimoji="1" lang="ja-JP" altLang="en-US" dirty="0">
+                <a:solidFill>
+                  <a:srgbClr val="FF0000"/>
+                </a:solidFill>
+              </a:rPr>
+              <a:t>ドロー</a:t>
+            </a:r>
+            <a:r>
+              <a:rPr kumimoji="1" lang="en-US" altLang="ja-JP" dirty="0">
+                <a:solidFill>
+                  <a:srgbClr val="FF0000"/>
+                </a:solidFill>
+              </a:rPr>
+              <a:t>”</a:t>
+            </a:r>
+            <a:r>
+              <a:rPr kumimoji="1" lang="ja-JP" altLang="en-US" dirty="0">
+                <a:solidFill>
+                  <a:srgbClr val="FF0000"/>
+                </a:solidFill>
+              </a:rPr>
+              <a:t>は、</a:t>
+            </a:r>
+            <a:endParaRPr kumimoji="1" lang="en-US" altLang="ja-JP" dirty="0">
+              <a:solidFill>
+                <a:srgbClr val="FF0000"/>
+              </a:solidFill>
+            </a:endParaRPr>
+          </a:p>
+          <a:p>
+            <a:pPr algn="ctr"/>
+            <a:r>
+              <a:rPr lang="en-US" altLang="ja-JP" dirty="0">
+                <a:solidFill>
+                  <a:srgbClr val="FF0000"/>
+                </a:solidFill>
+              </a:rPr>
+              <a:t>『</a:t>
+            </a:r>
+            <a:r>
+              <a:rPr lang="ja-JP" altLang="en-US" dirty="0">
+                <a:solidFill>
+                  <a:srgbClr val="FF0000"/>
+                </a:solidFill>
+              </a:rPr>
+              <a:t>山札から手札へカードを</a:t>
+            </a:r>
+            <a:endParaRPr lang="en-US" altLang="ja-JP" dirty="0">
+              <a:solidFill>
+                <a:srgbClr val="FF0000"/>
+              </a:solidFill>
+            </a:endParaRPr>
+          </a:p>
+          <a:p>
+            <a:pPr algn="ctr"/>
+            <a:r>
+              <a:rPr lang="ja-JP" altLang="en-US" dirty="0">
+                <a:solidFill>
+                  <a:srgbClr val="FF0000"/>
+                </a:solidFill>
+              </a:rPr>
+              <a:t>１枚加えること</a:t>
+            </a:r>
+            <a:r>
+              <a:rPr kumimoji="1" lang="en-US" altLang="ja-JP" dirty="0">
+                <a:solidFill>
+                  <a:srgbClr val="FF0000"/>
+                </a:solidFill>
+              </a:rPr>
+              <a:t>』</a:t>
+            </a:r>
+            <a:r>
+              <a:rPr kumimoji="1" lang="ja-JP" altLang="en-US" dirty="0">
+                <a:solidFill>
+                  <a:srgbClr val="FF0000"/>
+                </a:solidFill>
+              </a:rPr>
+              <a:t>指します</a:t>
+            </a:r>
+            <a:endParaRPr lang="en-US" altLang="ja-JP" dirty="0">
+              <a:solidFill>
+                <a:srgbClr val="FF0000"/>
+              </a:solidFill>
+            </a:endParaRPr>
+          </a:p>
+        </p:txBody>
+      </p:sp>
+      <p:sp>
+        <p:nvSpPr>
+          <p:cNvPr id="16" name="吹き出し: 四角形 15">
+            <a:extLst>
+              <a:ext uri="{FF2B5EF4-FFF2-40B4-BE49-F238E27FC236}">
+                <a16:creationId xmlns:a16="http://schemas.microsoft.com/office/drawing/2014/main" id="{FA219064-0E26-4318-9E7C-EA81EDAF34FE}"/>
+              </a:ext>
+            </a:extLst>
+          </p:cNvPr>
+          <p:cNvSpPr/>
+          <p:nvPr/>
+        </p:nvSpPr>
+        <p:spPr>
+          <a:xfrm>
+            <a:off x="2834438" y="1489046"/>
+            <a:ext cx="946524" cy="358930"/>
+          </a:xfrm>
+          <a:prstGeom prst="wedgeRectCallout">
+            <a:avLst>
+              <a:gd name="adj1" fmla="val -97686"/>
+              <a:gd name="adj2" fmla="val -36892"/>
+            </a:avLst>
+          </a:prstGeom>
+          <a:solidFill>
+            <a:schemeClr val="accent1">
+              <a:lumMod val="40000"/>
+              <a:lumOff val="60000"/>
+            </a:schemeClr>
+          </a:solidFill>
+        </p:spPr>
+        <p:style>
+          <a:lnRef idx="2">
+            <a:schemeClr val="accent6"/>
+          </a:lnRef>
+          <a:fillRef idx="1">
+            <a:schemeClr val="lt1"/>
+          </a:fillRef>
+          <a:effectRef idx="0">
+            <a:schemeClr val="accent6"/>
+          </a:effectRef>
+          <a:fontRef idx="minor">
+            <a:schemeClr val="dk1"/>
+          </a:fontRef>
+        </p:style>
+        <p:txBody>
+          <a:bodyPr rtlCol="0" anchor="ctr"/>
+          <a:lstStyle/>
+          <a:p>
+            <a:pPr algn="ctr"/>
+            <a:r>
+              <a:rPr kumimoji="1" lang="ja-JP" altLang="en-US" sz="1400" dirty="0"/>
+              <a:t>二回行う。</a:t>
+            </a:r>
+            <a:endParaRPr kumimoji="1" lang="en-US" altLang="ja-JP" sz="1400" dirty="0"/>
+          </a:p>
+        </p:txBody>
+      </p:sp>
+    </p:spTree>
+    <p:extLst>
+      <p:ext uri="{BB962C8B-B14F-4D97-AF65-F5344CB8AC3E}">
+        <p14:creationId xmlns:p14="http://schemas.microsoft.com/office/powerpoint/2010/main" val="3141983456"/>
+      </p:ext>
+    </p:extLst>
+  </p:cSld>
+  <p:clrMapOvr>
+    <a:masterClrMapping/>
+  </p:clrMapOvr>
+</p:sld>
+</file>
+
+<file path=ppt/slides/slide11.xml><?xml version="1.0" encoding="utf-8"?>
 <p:sld xmlns:a="http://schemas.openxmlformats.org/drawingml/2006/main" xmlns:r="http://schemas.openxmlformats.org/officeDocument/2006/relationships" xmlns:p="http://schemas.openxmlformats.org/presentationml/2006/main">
   <p:cSld>
     <p:spTree>
@@ -5018,7 +6554,7 @@
 </p:sld>
 </file>
 
-<file path=ppt/slides/slide11.xml><?xml version="1.0" encoding="utf-8"?>
+<file path=ppt/slides/slide12.xml><?xml version="1.0" encoding="utf-8"?>
 <p:sld xmlns:a="http://schemas.openxmlformats.org/drawingml/2006/main" xmlns:r="http://schemas.openxmlformats.org/officeDocument/2006/relationships" xmlns:p="http://schemas.openxmlformats.org/presentationml/2006/main">
   <p:cSld>
     <p:spTree>
@@ -5258,23 +6794,43 @@
           <a:p>
             <a:pPr algn="ctr"/>
             <a:r>
-              <a:rPr kumimoji="1" lang="ja-JP" altLang="en-US" sz="1200" dirty="0"/>
+              <a:rPr kumimoji="1" lang="ja-JP" altLang="en-US" sz="1200" dirty="0">
+                <a:solidFill>
+                  <a:srgbClr val="FF0000"/>
+                </a:solidFill>
+              </a:rPr>
               <a:t>ディーラーの</a:t>
             </a:r>
-            <a:endParaRPr kumimoji="1" lang="en-US" altLang="ja-JP" sz="1200" dirty="0"/>
+            <a:endParaRPr kumimoji="1" lang="en-US" altLang="ja-JP" sz="1200" dirty="0">
+              <a:solidFill>
+                <a:srgbClr val="FF0000"/>
+              </a:solidFill>
+            </a:endParaRPr>
           </a:p>
           <a:p>
             <a:pPr algn="ctr"/>
             <a:r>
-              <a:rPr kumimoji="1" lang="ja-JP" altLang="en-US" sz="1200" dirty="0"/>
+              <a:rPr kumimoji="1" lang="ja-JP" altLang="en-US" sz="1200" dirty="0">
+                <a:solidFill>
+                  <a:srgbClr val="FF0000"/>
+                </a:solidFill>
+              </a:rPr>
               <a:t>合計が</a:t>
             </a:r>
             <a:r>
-              <a:rPr kumimoji="1" lang="en-US" altLang="ja-JP" sz="1200" dirty="0"/>
-              <a:t>16</a:t>
-            </a:r>
-            <a:r>
-              <a:rPr kumimoji="1" lang="ja-JP" altLang="en-US" sz="1200" dirty="0"/>
+              <a:rPr kumimoji="1" lang="en-US" altLang="ja-JP" sz="1200" dirty="0">
+                <a:solidFill>
+                  <a:srgbClr val="FF0000"/>
+                </a:solidFill>
+              </a:rPr>
+              <a:t>17</a:t>
+            </a:r>
+            <a:r>
+              <a:rPr kumimoji="1" lang="ja-JP" altLang="en-US" sz="1200" dirty="0">
+                <a:solidFill>
+                  <a:srgbClr val="FF0000"/>
+                </a:solidFill>
+              </a:rPr>
               <a:t>点未満</a:t>
             </a:r>
           </a:p>
@@ -5710,49 +7266,6 @@
           </a:p>
         </p:txBody>
       </p:sp>
-      <p:cxnSp>
-        <p:nvCxnSpPr>
-          <p:cNvPr id="66" name="コネクタ: カギ線 65">
-            <a:extLst>
-              <a:ext uri="{FF2B5EF4-FFF2-40B4-BE49-F238E27FC236}">
-                <a16:creationId xmlns:a16="http://schemas.microsoft.com/office/drawing/2014/main" id="{669BE079-66F9-4632-940F-E3B7C8588476}"/>
-              </a:ext>
-            </a:extLst>
-          </p:cNvPr>
-          <p:cNvCxnSpPr>
-            <a:cxnSpLocks/>
-          </p:cNvCxnSpPr>
-          <p:nvPr/>
-        </p:nvCxnSpPr>
-        <p:spPr>
-          <a:xfrm rot="10800000" flipV="1">
-            <a:off x="1635540" y="4548294"/>
-            <a:ext cx="1283874" cy="493606"/>
-          </a:xfrm>
-          <a:prstGeom prst="bentConnector3">
-            <a:avLst>
-              <a:gd name="adj1" fmla="val 2519"/>
-            </a:avLst>
-          </a:prstGeom>
-          <a:ln>
-            <a:tailEnd type="triangle"/>
-          </a:ln>
-        </p:spPr>
-        <p:style>
-          <a:lnRef idx="1">
-            <a:schemeClr val="accent1"/>
-          </a:lnRef>
-          <a:fillRef idx="0">
-            <a:schemeClr val="accent1"/>
-          </a:fillRef>
-          <a:effectRef idx="0">
-            <a:schemeClr val="accent1"/>
-          </a:effectRef>
-          <a:fontRef idx="minor">
-            <a:schemeClr val="tx1"/>
-          </a:fontRef>
-        </p:style>
-      </p:cxnSp>
       <p:sp>
         <p:nvSpPr>
           <p:cNvPr id="71" name="テキスト ボックス 70">
@@ -6102,187 +7615,6 @@
           </a:p>
         </p:txBody>
       </p:sp>
-      <p:sp>
-        <p:nvSpPr>
-          <p:cNvPr id="24" name="吹き出し: 四角形 23">
-            <a:extLst>
-              <a:ext uri="{FF2B5EF4-FFF2-40B4-BE49-F238E27FC236}">
-                <a16:creationId xmlns:a16="http://schemas.microsoft.com/office/drawing/2014/main" id="{D5AE48C0-4BB1-4817-AEF2-60A5DF4FDF91}"/>
-              </a:ext>
-            </a:extLst>
-          </p:cNvPr>
-          <p:cNvSpPr/>
-          <p:nvPr/>
-        </p:nvSpPr>
-        <p:spPr>
-          <a:xfrm>
-            <a:off x="7346110" y="1584357"/>
-            <a:ext cx="3550361" cy="718600"/>
-          </a:xfrm>
-          <a:prstGeom prst="wedgeRectCallout">
-            <a:avLst>
-              <a:gd name="adj1" fmla="val -56062"/>
-              <a:gd name="adj2" fmla="val 71309"/>
-            </a:avLst>
-          </a:prstGeom>
-          <a:solidFill>
-            <a:schemeClr val="accent1">
-              <a:lumMod val="40000"/>
-              <a:lumOff val="60000"/>
-            </a:schemeClr>
-          </a:solidFill>
-        </p:spPr>
-        <p:style>
-          <a:lnRef idx="2">
-            <a:schemeClr val="accent6"/>
-          </a:lnRef>
-          <a:fillRef idx="1">
-            <a:schemeClr val="lt1"/>
-          </a:fillRef>
-          <a:effectRef idx="0">
-            <a:schemeClr val="accent6"/>
-          </a:effectRef>
-          <a:fontRef idx="minor">
-            <a:schemeClr val="dk1"/>
-          </a:fontRef>
-        </p:style>
-        <p:txBody>
-          <a:bodyPr rtlCol="0" anchor="ctr"/>
-          <a:lstStyle/>
-          <a:p>
-            <a:pPr algn="ctr"/>
-            <a:endParaRPr kumimoji="1" lang="en-US" altLang="ja-JP" sz="1400" dirty="0"/>
-          </a:p>
-          <a:p>
-            <a:pPr algn="ctr"/>
-            <a:r>
-              <a:rPr kumimoji="1" lang="ja-JP" altLang="en-US" sz="1400" dirty="0"/>
-              <a:t>　　　　　　　　　　ルートの場合は</a:t>
-            </a:r>
-            <a:endParaRPr kumimoji="1" lang="en-US" altLang="ja-JP" sz="1400" dirty="0"/>
-          </a:p>
-          <a:p>
-            <a:pPr algn="ctr"/>
-            <a:r>
-              <a:rPr kumimoji="1" lang="en-US" altLang="ja-JP" sz="1400" dirty="0"/>
-              <a:t>“</a:t>
-            </a:r>
-            <a:r>
-              <a:rPr kumimoji="1" lang="ja-JP" altLang="en-US" sz="1400" dirty="0"/>
-              <a:t>ディーラー合計 </a:t>
-            </a:r>
-            <a:r>
-              <a:rPr kumimoji="1" lang="en-US" altLang="ja-JP" sz="1400" dirty="0"/>
-              <a:t>: xx“</a:t>
-            </a:r>
-            <a:r>
-              <a:rPr kumimoji="1" lang="ja-JP" altLang="en-US" sz="1400" dirty="0"/>
-              <a:t>から最後まで表示</a:t>
-            </a:r>
-            <a:endParaRPr kumimoji="1" lang="en-US" altLang="ja-JP" sz="1400" dirty="0"/>
-          </a:p>
-        </p:txBody>
-      </p:sp>
-      <p:sp>
-        <p:nvSpPr>
-          <p:cNvPr id="27" name="フローチャート: 結合子 26">
-            <a:extLst>
-              <a:ext uri="{FF2B5EF4-FFF2-40B4-BE49-F238E27FC236}">
-                <a16:creationId xmlns:a16="http://schemas.microsoft.com/office/drawing/2014/main" id="{796C3CA1-8429-4278-B9E8-739AC17EEE8F}"/>
-              </a:ext>
-            </a:extLst>
-          </p:cNvPr>
-          <p:cNvSpPr/>
-          <p:nvPr/>
-        </p:nvSpPr>
-        <p:spPr>
-          <a:xfrm>
-            <a:off x="2731002" y="4247241"/>
-            <a:ext cx="324000" cy="324000"/>
-          </a:xfrm>
-          <a:prstGeom prst="flowChartConnector">
-            <a:avLst/>
-          </a:prstGeom>
-        </p:spPr>
-        <p:style>
-          <a:lnRef idx="2">
-            <a:schemeClr val="accent1">
-              <a:shade val="50000"/>
-            </a:schemeClr>
-          </a:lnRef>
-          <a:fillRef idx="1">
-            <a:schemeClr val="accent1"/>
-          </a:fillRef>
-          <a:effectRef idx="0">
-            <a:schemeClr val="accent1"/>
-          </a:effectRef>
-          <a:fontRef idx="minor">
-            <a:schemeClr val="lt1"/>
-          </a:fontRef>
-        </p:style>
-        <p:txBody>
-          <a:bodyPr rtlCol="0" anchor="ctr"/>
-          <a:lstStyle/>
-          <a:p>
-            <a:pPr algn="ctr"/>
-            <a:r>
-              <a:rPr kumimoji="1" lang="en-US" altLang="ja-JP" dirty="0"/>
-              <a:t>C</a:t>
-            </a:r>
-            <a:endParaRPr kumimoji="1" lang="ja-JP" altLang="en-US" dirty="0"/>
-          </a:p>
-        </p:txBody>
-      </p:sp>
-      <p:sp>
-        <p:nvSpPr>
-          <p:cNvPr id="28" name="フローチャート: 結合子 27">
-            <a:extLst>
-              <a:ext uri="{FF2B5EF4-FFF2-40B4-BE49-F238E27FC236}">
-                <a16:creationId xmlns:a16="http://schemas.microsoft.com/office/drawing/2014/main" id="{4BD54989-26F7-43DC-B7C8-7EBB73EA09A7}"/>
-              </a:ext>
-            </a:extLst>
-          </p:cNvPr>
-          <p:cNvSpPr/>
-          <p:nvPr/>
-        </p:nvSpPr>
-        <p:spPr>
-          <a:xfrm>
-            <a:off x="8648758" y="1696998"/>
-            <a:ext cx="324000" cy="324000"/>
-          </a:xfrm>
-          <a:prstGeom prst="flowChartConnector">
-            <a:avLst/>
-          </a:prstGeom>
-        </p:spPr>
-        <p:style>
-          <a:lnRef idx="2">
-            <a:schemeClr val="accent1">
-              <a:shade val="50000"/>
-            </a:schemeClr>
-          </a:lnRef>
-          <a:fillRef idx="1">
-            <a:schemeClr val="accent1"/>
-          </a:fillRef>
-          <a:effectRef idx="0">
-            <a:schemeClr val="accent1"/>
-          </a:effectRef>
-          <a:fontRef idx="minor">
-            <a:schemeClr val="lt1"/>
-          </a:fontRef>
-        </p:style>
-        <p:txBody>
-          <a:bodyPr rtlCol="0" anchor="ctr"/>
-          <a:lstStyle/>
-          <a:p>
-            <a:pPr algn="ctr"/>
-            <a:r>
-              <a:rPr kumimoji="1" lang="en-US" altLang="ja-JP" dirty="0"/>
-              <a:t>C</a:t>
-            </a:r>
-            <a:endParaRPr kumimoji="1" lang="ja-JP" altLang="en-US" dirty="0"/>
-          </a:p>
-        </p:txBody>
-      </p:sp>
     </p:spTree>
     <p:extLst>
       <p:ext uri="{BB962C8B-B14F-4D97-AF65-F5344CB8AC3E}">
@@ -6381,14 +7713,14 @@
           <p:nvPr>
             <p:extLst>
               <p:ext uri="{D42A27DB-BD31-4B8C-83A1-F6EECF244321}">
-                <p14:modId xmlns:p14="http://schemas.microsoft.com/office/powerpoint/2010/main" val="2235911067"/>
+                <p14:modId xmlns:p14="http://schemas.microsoft.com/office/powerpoint/2010/main" val="3179761478"/>
               </p:ext>
             </p:extLst>
           </p:nvPr>
         </p:nvGraphicFramePr>
         <p:xfrm>
-          <a:off x="466696" y="696350"/>
-          <a:ext cx="11258608" cy="6044958"/>
+          <a:off x="328598" y="829099"/>
+          <a:ext cx="11534804" cy="5760720"/>
         </p:xfrm>
         <a:graphic>
           <a:graphicData uri="http://schemas.openxmlformats.org/drawingml/2006/table">
@@ -6397,21 +7729,21 @@
                 <a:tableStyleId>{5C22544A-7EE6-4342-B048-85BDC9FD1C3A}</a:tableStyleId>
               </a:tblPr>
               <a:tblGrid>
-                <a:gridCol w="5629304">
+                <a:gridCol w="9463102">
                   <a:extLst>
                     <a:ext uri="{9D8B030D-6E8A-4147-A177-3AD203B41FA5}">
                       <a16:colId xmlns:a16="http://schemas.microsoft.com/office/drawing/2014/main" val="3694169288"/>
                     </a:ext>
                   </a:extLst>
                 </a:gridCol>
-                <a:gridCol w="2814652">
+                <a:gridCol w="939800">
                   <a:extLst>
                     <a:ext uri="{9D8B030D-6E8A-4147-A177-3AD203B41FA5}">
                       <a16:colId xmlns:a16="http://schemas.microsoft.com/office/drawing/2014/main" val="1607256298"/>
                     </a:ext>
                   </a:extLst>
                 </a:gridCol>
-                <a:gridCol w="2814652">
+                <a:gridCol w="1131902">
                   <a:extLst>
                     <a:ext uri="{9D8B030D-6E8A-4147-A177-3AD203B41FA5}">
                       <a16:colId xmlns:a16="http://schemas.microsoft.com/office/drawing/2014/main" val="1689748442"/>
@@ -6419,65 +7751,7 @@
                   </a:extLst>
                 </a:gridCol>
               </a:tblGrid>
-              <a:tr h="375678">
-                <a:tc gridSpan="3">
-                  <a:txBody>
-                    <a:bodyPr/>
-                    <a:lstStyle/>
-                    <a:p>
-                      <a:pPr marL="0" marR="0" lvl="0" indent="0" algn="l" defTabSz="914400" rtl="0" eaLnBrk="1" fontAlgn="auto" latinLnBrk="0" hangingPunct="1">
-                        <a:lnSpc>
-                          <a:spcPct val="100000"/>
-                        </a:lnSpc>
-                        <a:spcBef>
-                          <a:spcPts val="0"/>
-                        </a:spcBef>
-                        <a:spcAft>
-                          <a:spcPts val="0"/>
-                        </a:spcAft>
-                        <a:buClrTx/>
-                        <a:buSzTx/>
-                        <a:buFontTx/>
-                        <a:buNone/>
-                        <a:tabLst/>
-                        <a:defRPr/>
-                      </a:pPr>
-                      <a:r>
-                        <a:rPr kumimoji="1" lang="ja-JP" altLang="en-US" dirty="0"/>
-                        <a:t>ルールの定義</a:t>
-                      </a:r>
-                      <a:endParaRPr kumimoji="1" lang="en-US" altLang="ja-JP" dirty="0"/>
-                    </a:p>
-                  </a:txBody>
-                  <a:tcPr/>
-                </a:tc>
-                <a:tc hMerge="1">
-                  <a:txBody>
-                    <a:bodyPr/>
-                    <a:lstStyle/>
-                    <a:p>
-                      <a:endParaRPr kumimoji="1" lang="ja-JP" altLang="en-US"/>
-                    </a:p>
-                  </a:txBody>
-                  <a:tcPr/>
-                </a:tc>
-                <a:tc hMerge="1">
-                  <a:txBody>
-                    <a:bodyPr/>
-                    <a:lstStyle/>
-                    <a:p>
-                      <a:endParaRPr kumimoji="1" lang="ja-JP" altLang="en-US"/>
-                    </a:p>
-                  </a:txBody>
-                  <a:tcPr/>
-                </a:tc>
-                <a:extLst>
-                  <a:ext uri="{0D108BD9-81ED-4DB2-BD59-A6C34878D82A}">
-                    <a16:rowId xmlns:a16="http://schemas.microsoft.com/office/drawing/2014/main" val="2085874761"/>
-                  </a:ext>
-                </a:extLst>
-              </a:tr>
-              <a:tr h="292969">
+              <a:tr h="321332">
                 <a:tc>
                   <a:txBody>
                     <a:bodyPr/>
@@ -6501,10 +7775,108 @@
                         <a:defRPr/>
                       </a:pPr>
                       <a:r>
-                        <a:rPr kumimoji="1" lang="ja-JP" altLang="en-US" dirty="0"/>
-                        <a:t>ドキュメント作成</a:t>
-                      </a:r>
-                      <a:endParaRPr kumimoji="1" lang="en-US" altLang="ja-JP" dirty="0"/>
+                        <a:rPr kumimoji="1" lang="ja-JP" altLang="en-US" dirty="0">
+                          <a:solidFill>
+                            <a:srgbClr val="FF0000"/>
+                          </a:solidFill>
+                        </a:rPr>
+                        <a:t>変更点</a:t>
+                      </a:r>
+                      <a:endParaRPr kumimoji="1" lang="en-US" altLang="ja-JP" dirty="0">
+                        <a:solidFill>
+                          <a:srgbClr val="FF0000"/>
+                        </a:solidFill>
+                      </a:endParaRPr>
+                    </a:p>
+                  </a:txBody>
+                  <a:tcPr/>
+                </a:tc>
+                <a:tc>
+                  <a:txBody>
+                    <a:bodyPr/>
+                    <a:lstStyle/>
+                    <a:p>
+                      <a:r>
+                        <a:rPr kumimoji="1" lang="en-US" altLang="ja-JP" dirty="0">
+                          <a:solidFill>
+                            <a:srgbClr val="FF0000"/>
+                          </a:solidFill>
+                        </a:rPr>
+                        <a:t>Version</a:t>
+                      </a:r>
+                      <a:endParaRPr kumimoji="1" lang="ja-JP" altLang="en-US" dirty="0">
+                        <a:solidFill>
+                          <a:srgbClr val="FF0000"/>
+                        </a:solidFill>
+                      </a:endParaRPr>
+                    </a:p>
+                  </a:txBody>
+                  <a:tcPr/>
+                </a:tc>
+                <a:tc>
+                  <a:txBody>
+                    <a:bodyPr/>
+                    <a:lstStyle/>
+                    <a:p>
+                      <a:r>
+                        <a:rPr kumimoji="1" lang="en-US" altLang="ja-JP" dirty="0">
+                          <a:solidFill>
+                            <a:srgbClr val="FF0000"/>
+                          </a:solidFill>
+                        </a:rPr>
+                        <a:t>data</a:t>
+                      </a:r>
+                      <a:endParaRPr kumimoji="1" lang="ja-JP" altLang="en-US" dirty="0">
+                        <a:solidFill>
+                          <a:srgbClr val="FF0000"/>
+                        </a:solidFill>
+                      </a:endParaRPr>
+                    </a:p>
+                  </a:txBody>
+                  <a:tcPr/>
+                </a:tc>
+                <a:extLst>
+                  <a:ext uri="{0D108BD9-81ED-4DB2-BD59-A6C34878D82A}">
+                    <a16:rowId xmlns:a16="http://schemas.microsoft.com/office/drawing/2014/main" val="2085874761"/>
+                  </a:ext>
+                </a:extLst>
+              </a:tr>
+              <a:tr h="316631">
+                <a:tc>
+                  <a:txBody>
+                    <a:bodyPr/>
+                    <a:lstStyle/>
+                    <a:p>
+                      <a:pPr marL="0" marR="0" lvl="0" indent="0" algn="l" defTabSz="914400" rtl="0" eaLnBrk="1" fontAlgn="auto" latinLnBrk="0" hangingPunct="1">
+                        <a:lnSpc>
+                          <a:spcPct val="100000"/>
+                        </a:lnSpc>
+                        <a:spcBef>
+                          <a:spcPts val="0"/>
+                        </a:spcBef>
+                        <a:spcAft>
+                          <a:spcPts val="0"/>
+                        </a:spcAft>
+                        <a:buClrTx/>
+                        <a:buSzTx/>
+                        <a:buFontTx/>
+                        <a:buNone/>
+                        <a:tabLst/>
+                        <a:defRPr/>
+                      </a:pPr>
+                      <a:r>
+                        <a:rPr kumimoji="1" lang="ja-JP" altLang="en-US" dirty="0">
+                          <a:solidFill>
+                            <a:srgbClr val="FF0000"/>
+                          </a:solidFill>
+                        </a:rPr>
+                        <a:t>新規作成</a:t>
+                      </a:r>
+                      <a:endParaRPr kumimoji="1" lang="en-US" altLang="ja-JP" dirty="0">
+                        <a:solidFill>
+                          <a:srgbClr val="FF0000"/>
+                        </a:solidFill>
+                      </a:endParaRPr>
                     </a:p>
                   </a:txBody>
                   <a:tcPr/>
@@ -6532,8 +7904,12 @@
                         <a:defRPr/>
                       </a:pPr>
                       <a:r>
-                        <a:rPr kumimoji="1" lang="en-US" altLang="ja-JP" dirty="0"/>
-                        <a:t>1.0</a:t>
+                        <a:rPr kumimoji="1" lang="en-US" altLang="ja-JP" dirty="0">
+                          <a:solidFill>
+                            <a:srgbClr val="FF0000"/>
+                          </a:solidFill>
+                        </a:rPr>
+                        <a:t>0.01</a:t>
                       </a:r>
                     </a:p>
                   </a:txBody>
@@ -6575,7 +7951,7 @@
                   </a:ext>
                 </a:extLst>
               </a:tr>
-              <a:tr h="732421">
+              <a:tr h="791577">
                 <a:tc>
                   <a:txBody>
                     <a:bodyPr/>
@@ -6599,8 +7975,28 @@
                         <a:defRPr/>
                       </a:pPr>
                       <a:r>
-                        <a:rPr kumimoji="1" lang="en-US" altLang="ja-JP" dirty="0"/>
-                        <a:t>p5 </a:t>
+                        <a:rPr lang="en-US" altLang="ja-JP" dirty="0">
+                          <a:solidFill>
+                            <a:srgbClr val="FF0000"/>
+                          </a:solidFill>
+                        </a:rPr>
+                        <a:t>1.</a:t>
+                      </a:r>
+                      <a:r>
+                        <a:rPr lang="ja-JP" altLang="en-US" dirty="0">
+                          <a:solidFill>
+                            <a:srgbClr val="FF0000"/>
+                          </a:solidFill>
+                        </a:rPr>
+                        <a:t>参考文献 </a:t>
+                      </a:r>
+                      <a:r>
+                        <a:rPr kumimoji="1" lang="en-US" altLang="ja-JP" dirty="0">
+                          <a:solidFill>
+                            <a:srgbClr val="FF0000"/>
+                          </a:solidFill>
+                        </a:rPr>
+                        <a:t> </a:t>
                       </a:r>
                       <a:r>
                         <a:rPr kumimoji="1" lang="ja-JP" altLang="en-US" dirty="0"/>
@@ -6624,7 +8020,15 @@
                       </a:r>
                       <a:r>
                         <a:rPr kumimoji="1" lang="en-US" altLang="ja-JP" dirty="0"/>
-                        <a:t>blog”</a:t>
+                        <a:t>blog” </a:t>
+                      </a:r>
+                      <a:r>
+                        <a:rPr kumimoji="1" lang="en-US" altLang="ja-JP" dirty="0">
+                          <a:solidFill>
+                            <a:srgbClr val="FF0000"/>
+                          </a:solidFill>
+                        </a:rPr>
+                        <a:t>-P6</a:t>
                       </a:r>
                     </a:p>
                     <a:p>
@@ -6646,14 +8050,41 @@
                         <a:defRPr/>
                       </a:pPr>
                       <a:r>
-                        <a:rPr kumimoji="1" lang="en-US" altLang="ja-JP" dirty="0"/>
-                        <a:t>p7 </a:t>
+                        <a:rPr lang="en-US" altLang="ja-JP" dirty="0">
+                          <a:solidFill>
+                            <a:srgbClr val="FF0000"/>
+                          </a:solidFill>
+                        </a:rPr>
+                        <a:t>2.</a:t>
+                      </a:r>
+                      <a:r>
+                        <a:rPr lang="ja-JP" altLang="en-US" dirty="0">
+                          <a:solidFill>
+                            <a:srgbClr val="FF0000"/>
+                          </a:solidFill>
+                        </a:rPr>
+                        <a:t>ゲームのルール定義 </a:t>
+                      </a:r>
+                      <a:r>
+                        <a:rPr kumimoji="1" lang="en-US" altLang="ja-JP" dirty="0">
+                          <a:solidFill>
+                            <a:srgbClr val="FF0000"/>
+                          </a:solidFill>
+                        </a:rPr>
+                        <a:t> </a:t>
                       </a:r>
                       <a:r>
                         <a:rPr kumimoji="1" lang="ja-JP" altLang="en-US" dirty="0"/>
-                        <a:t>ナチュラルブラックジャックの説明を追加</a:t>
-                      </a:r>
-                      <a:endParaRPr kumimoji="1" lang="en-US" altLang="ja-JP" dirty="0"/>
+                        <a:t>ナチュラルブラックジャックの説明を追加 </a:t>
+                      </a:r>
+                      <a:r>
+                        <a:rPr kumimoji="1" lang="en-US" altLang="ja-JP" dirty="0">
+                          <a:solidFill>
+                            <a:srgbClr val="FF0000"/>
+                          </a:solidFill>
+                        </a:rPr>
+                        <a:t>-P8</a:t>
+                      </a:r>
                     </a:p>
                     <a:p>
                       <a:pPr marL="0" marR="0" lvl="0" indent="0" algn="l" defTabSz="914400" rtl="0" eaLnBrk="1" fontAlgn="auto" latinLnBrk="0" hangingPunct="1">
@@ -6674,14 +8105,33 @@
                         <a:defRPr/>
                       </a:pPr>
                       <a:r>
-                        <a:rPr kumimoji="1" lang="en-US" altLang="ja-JP" dirty="0"/>
-                        <a:t>p9 </a:t>
+                        <a:rPr lang="en-US" altLang="ja-JP" dirty="0">
+                          <a:solidFill>
+                            <a:srgbClr val="FF0000"/>
+                          </a:solidFill>
+                        </a:rPr>
+                        <a:t>3.</a:t>
+                      </a:r>
+                      <a:r>
+                        <a:rPr lang="ja-JP" altLang="en-US" dirty="0">
+                          <a:solidFill>
+                            <a:srgbClr val="FF0000"/>
+                          </a:solidFill>
+                        </a:rPr>
+                        <a:t>ゲームの流れ  </a:t>
                       </a:r>
                       <a:r>
                         <a:rPr kumimoji="1" lang="ja-JP" altLang="en-US" dirty="0"/>
-                        <a:t>山札を作成、山札をシャッフルのフローを追加</a:t>
-                      </a:r>
-                      <a:endParaRPr kumimoji="1" lang="en-US" altLang="ja-JP" dirty="0"/>
+                        <a:t>山札を作成、山札をシャッフルのフローを追加 </a:t>
+                      </a:r>
+                      <a:r>
+                        <a:rPr kumimoji="1" lang="en-US" altLang="ja-JP" dirty="0">
+                          <a:solidFill>
+                            <a:srgbClr val="FF0000"/>
+                          </a:solidFill>
+                        </a:rPr>
+                        <a:t>-P10</a:t>
+                      </a:r>
                     </a:p>
                   </a:txBody>
                   <a:tcPr/>
@@ -6709,8 +8159,12 @@
                         <a:defRPr/>
                       </a:pPr>
                       <a:r>
-                        <a:rPr kumimoji="1" lang="en-US" altLang="ja-JP" dirty="0"/>
-                        <a:t>1.1</a:t>
+                        <a:rPr kumimoji="1" lang="en-US" altLang="ja-JP" dirty="0">
+                          <a:solidFill>
+                            <a:srgbClr val="FF0000"/>
+                          </a:solidFill>
+                        </a:rPr>
+                        <a:t>0.02</a:t>
                       </a:r>
                     </a:p>
                   </a:txBody>
@@ -6752,7 +8206,7 @@
                   </a:ext>
                 </a:extLst>
               </a:tr>
-              <a:tr h="1831054">
+              <a:tr h="1741468">
                 <a:tc>
                   <a:txBody>
                     <a:bodyPr/>
@@ -6776,8 +8230,28 @@
                         <a:defRPr/>
                       </a:pPr>
                       <a:r>
-                        <a:rPr kumimoji="1" lang="en-US" altLang="ja-JP" dirty="0"/>
-                        <a:t>p5 </a:t>
+                        <a:rPr lang="en-US" altLang="ja-JP" dirty="0">
+                          <a:solidFill>
+                            <a:srgbClr val="FF0000"/>
+                          </a:solidFill>
+                        </a:rPr>
+                        <a:t>1.</a:t>
+                      </a:r>
+                      <a:r>
+                        <a:rPr lang="ja-JP" altLang="en-US" dirty="0">
+                          <a:solidFill>
+                            <a:srgbClr val="FF0000"/>
+                          </a:solidFill>
+                        </a:rPr>
+                        <a:t>参考文献</a:t>
+                      </a:r>
+                      <a:r>
+                        <a:rPr kumimoji="1" lang="en-US" altLang="ja-JP" dirty="0">
+                          <a:solidFill>
+                            <a:srgbClr val="FF0000"/>
+                          </a:solidFill>
+                        </a:rPr>
+                        <a:t>  </a:t>
                       </a:r>
                       <a:r>
                         <a:rPr kumimoji="1" lang="ja-JP" altLang="en-US" dirty="0"/>
@@ -6801,7 +8275,15 @@
                       </a:r>
                       <a:r>
                         <a:rPr kumimoji="1" lang="en-US" altLang="ja-JP" dirty="0"/>
-                        <a:t>blog”</a:t>
+                        <a:t>blog” </a:t>
+                      </a:r>
+                      <a:r>
+                        <a:rPr kumimoji="1" lang="en-US" altLang="ja-JP" dirty="0">
+                          <a:solidFill>
+                            <a:srgbClr val="FF0000"/>
+                          </a:solidFill>
+                        </a:rPr>
+                        <a:t>-P6</a:t>
                       </a:r>
                     </a:p>
                     <a:p>
@@ -6823,14 +8305,33 @@
                         <a:defRPr/>
                       </a:pPr>
                       <a:r>
-                        <a:rPr kumimoji="1" lang="en-US" altLang="ja-JP" dirty="0"/>
-                        <a:t>p7 </a:t>
+                        <a:rPr lang="en-US" altLang="ja-JP" dirty="0">
+                          <a:solidFill>
+                            <a:srgbClr val="FF0000"/>
+                          </a:solidFill>
+                        </a:rPr>
+                        <a:t>2.</a:t>
+                      </a:r>
+                      <a:r>
+                        <a:rPr lang="ja-JP" altLang="en-US" dirty="0">
+                          <a:solidFill>
+                            <a:srgbClr val="FF0000"/>
+                          </a:solidFill>
+                        </a:rPr>
+                        <a:t>ゲームのルール定義  </a:t>
                       </a:r>
                       <a:r>
                         <a:rPr kumimoji="1" lang="ja-JP" altLang="en-US" dirty="0"/>
-                        <a:t>仕様を変更</a:t>
-                      </a:r>
-                      <a:endParaRPr kumimoji="1" lang="en-US" altLang="ja-JP" dirty="0"/>
+                        <a:t>仕様を下記のように変更</a:t>
+                      </a:r>
+                      <a:r>
+                        <a:rPr kumimoji="1" lang="en-US" altLang="ja-JP" dirty="0">
+                          <a:solidFill>
+                            <a:srgbClr val="FF0000"/>
+                          </a:solidFill>
+                        </a:rPr>
+                        <a:t>-P8</a:t>
+                      </a:r>
                     </a:p>
                     <a:p>
                       <a:pPr marL="0" marR="0" lvl="0" indent="0" algn="l" defTabSz="914400" rtl="0" eaLnBrk="1" fontAlgn="auto" latinLnBrk="0" hangingPunct="1">
@@ -6856,7 +8357,7 @@
                             <a:schemeClr val="tx1"/>
                           </a:solidFill>
                         </a:rPr>
-                        <a:t>      両者の合計点が等しい場合は全て引き分けとする。</a:t>
+                        <a:t>      ・両者の合計点が等しい場合は全て引き分けとする。</a:t>
                       </a:r>
                       <a:endParaRPr kumimoji="1" lang="en-US" altLang="ja-JP" dirty="0">
                         <a:solidFill>
@@ -6896,7 +8397,7 @@
                             <a:schemeClr val="tx1"/>
                           </a:solidFill>
                         </a:rPr>
-                        <a:t>文言の修正</a:t>
+                        <a:t>・文言の修正</a:t>
                       </a:r>
                       <a:r>
                         <a:rPr kumimoji="1" lang="en-US" altLang="ja-JP" dirty="0">
@@ -6942,12 +8443,20 @@
                         <a:defRPr/>
                       </a:pPr>
                       <a:r>
-                        <a:rPr kumimoji="1" lang="en-US" altLang="ja-JP" dirty="0">
+                        <a:rPr lang="en-US" altLang="ja-JP" dirty="0">
                           <a:solidFill>
-                            <a:schemeClr val="tx1"/>
+                            <a:srgbClr val="FF0000"/>
                           </a:solidFill>
                         </a:rPr>
-                        <a:t>p9,11  </a:t>
+                        <a:t>3.</a:t>
+                      </a:r>
+                      <a:r>
+                        <a:rPr lang="ja-JP" altLang="en-US" dirty="0">
+                          <a:solidFill>
+                            <a:srgbClr val="FF0000"/>
+                          </a:solidFill>
+                        </a:rPr>
+                        <a:t>ゲームの流れ  </a:t>
                       </a:r>
                       <a:r>
                         <a:rPr kumimoji="1" lang="ja-JP" altLang="en-US" dirty="0">
@@ -6971,23 +8480,7 @@
                             <a:schemeClr val="tx1"/>
                           </a:solidFill>
                         </a:rPr>
-                        <a:t>点ならば、勝敗判定に飛 </a:t>
-                      </a:r>
-                      <a:r>
-                        <a:rPr kumimoji="1" lang="ja-JP" altLang="en-US" dirty="0" err="1">
-                          <a:solidFill>
-                            <a:schemeClr val="tx1"/>
-                          </a:solidFill>
-                        </a:rPr>
-                        <a:t>ぶよう</a:t>
-                      </a:r>
-                      <a:r>
-                        <a:rPr kumimoji="1" lang="ja-JP" altLang="en-US" dirty="0">
-                          <a:solidFill>
-                            <a:schemeClr val="tx1"/>
-                          </a:solidFill>
-                        </a:rPr>
-                        <a:t>フローを修正しました。</a:t>
+                        <a:t>点ならば、</a:t>
                       </a:r>
                       <a:endParaRPr kumimoji="1" lang="en-US" altLang="ja-JP" dirty="0">
                         <a:solidFill>
@@ -7019,7 +8512,7 @@
                             <a:schemeClr val="tx1"/>
                           </a:solidFill>
                         </a:rPr>
-                        <a:t>  p9,10,11 </a:t>
+                        <a:t>                             </a:t>
                       </a:r>
                       <a:r>
                         <a:rPr kumimoji="1" lang="ja-JP" altLang="en-US" dirty="0">
@@ -7027,9 +8520,67 @@
                             <a:schemeClr val="tx1"/>
                           </a:solidFill>
                         </a:rPr>
-                        <a:t>表示のフローを追加、修正し、表示例を記載しました。</a:t>
-                      </a:r>
-                      <a:endParaRPr kumimoji="1" lang="en-US" altLang="ja-JP" dirty="0"/>
+                        <a:t>    </a:t>
+                      </a:r>
+                      <a:r>
+                        <a:rPr kumimoji="1" lang="en-US" altLang="ja-JP" dirty="0">
+                          <a:solidFill>
+                            <a:schemeClr val="tx1"/>
+                          </a:solidFill>
+                        </a:rPr>
+                        <a:t> </a:t>
+                      </a:r>
+                      <a:r>
+                        <a:rPr kumimoji="1" lang="ja-JP" altLang="en-US" dirty="0">
+                          <a:solidFill>
+                            <a:schemeClr val="tx1"/>
+                          </a:solidFill>
+                        </a:rPr>
+                        <a:t>勝敗判定に飛ぶようフローを修正しました。 </a:t>
+                      </a:r>
+                      <a:r>
+                        <a:rPr kumimoji="1" lang="en-US" altLang="ja-JP" dirty="0">
+                          <a:solidFill>
+                            <a:srgbClr val="FF0000"/>
+                          </a:solidFill>
+                        </a:rPr>
+                        <a:t>-P10,12 </a:t>
+                      </a:r>
+                    </a:p>
+                    <a:p>
+                      <a:pPr marL="0" marR="0" lvl="0" indent="0" algn="l" defTabSz="914400" rtl="0" eaLnBrk="1" fontAlgn="auto" latinLnBrk="0" hangingPunct="1">
+                        <a:lnSpc>
+                          <a:spcPct val="100000"/>
+                        </a:lnSpc>
+                        <a:spcBef>
+                          <a:spcPts val="0"/>
+                        </a:spcBef>
+                        <a:spcAft>
+                          <a:spcPts val="0"/>
+                        </a:spcAft>
+                        <a:buClrTx/>
+                        <a:buSzTx/>
+                        <a:buFontTx/>
+                        <a:buNone/>
+                        <a:tabLst/>
+                        <a:defRPr/>
+                      </a:pPr>
+                      <a:r>
+                        <a:rPr kumimoji="1" lang="ja-JP" altLang="en-US" dirty="0">
+                          <a:solidFill>
+                            <a:schemeClr val="tx1"/>
+                          </a:solidFill>
+                        </a:rPr>
+                        <a:t>                              表示のフローを追加、修正し、表示例を記載しました。 </a:t>
+                      </a:r>
+                      <a:r>
+                        <a:rPr kumimoji="1" lang="en-US" altLang="ja-JP" dirty="0">
+                          <a:solidFill>
+                            <a:srgbClr val="FF0000"/>
+                          </a:solidFill>
+                        </a:rPr>
+                        <a:t>-P9,10,11</a:t>
+                      </a:r>
                     </a:p>
                   </a:txBody>
                   <a:tcPr/>
@@ -7057,8 +8608,12 @@
                         <a:defRPr/>
                       </a:pPr>
                       <a:r>
-                        <a:rPr kumimoji="1" lang="en-US" altLang="ja-JP" dirty="0"/>
-                        <a:t>1.2</a:t>
+                        <a:rPr kumimoji="1" lang="en-US" altLang="ja-JP" dirty="0">
+                          <a:solidFill>
+                            <a:srgbClr val="FF0000"/>
+                          </a:solidFill>
+                        </a:rPr>
+                        <a:t>0.03</a:t>
                       </a:r>
                     </a:p>
                   </a:txBody>
@@ -7100,7 +8655,7 @@
                   </a:ext>
                 </a:extLst>
               </a:tr>
-              <a:tr h="1171874">
+              <a:tr h="1202677">
                 <a:tc>
                   <a:txBody>
                     <a:bodyPr/>
@@ -7124,119 +8679,24 @@
                         <a:defRPr/>
                       </a:pPr>
                       <a:r>
-                        <a:rPr kumimoji="1" lang="en-US" altLang="ja-JP" dirty="0"/>
-                        <a:t>p7 </a:t>
+                        <a:rPr lang="en-US" altLang="ja-JP" dirty="0">
+                          <a:solidFill>
+                            <a:srgbClr val="FF0000"/>
+                          </a:solidFill>
+                        </a:rPr>
+                        <a:t>2.</a:t>
+                      </a:r>
+                      <a:r>
+                        <a:rPr lang="ja-JP" altLang="en-US" dirty="0">
+                          <a:solidFill>
+                            <a:srgbClr val="FF0000"/>
+                          </a:solidFill>
+                        </a:rPr>
+                        <a:t>ゲームのルール定義  </a:t>
                       </a:r>
                       <a:r>
                         <a:rPr kumimoji="1" lang="ja-JP" altLang="en-US" dirty="0"/>
                         <a:t>ルールの追加 </a:t>
-                      </a:r>
-                      <a:r>
-                        <a:rPr kumimoji="1" lang="en-US" altLang="ja-JP" dirty="0"/>
-                        <a:t>“</a:t>
-                      </a:r>
-                      <a:r>
-                        <a:rPr kumimoji="1" lang="ja-JP" altLang="en-US" dirty="0">
-                          <a:solidFill>
-                            <a:schemeClr val="tx1"/>
-                          </a:solidFill>
-                        </a:rPr>
-                        <a:t>両者が</a:t>
-                      </a:r>
-                      <a:r>
-                        <a:rPr kumimoji="1" lang="en-US" altLang="ja-JP" dirty="0">
-                          <a:solidFill>
-                            <a:schemeClr val="tx1"/>
-                          </a:solidFill>
-                        </a:rPr>
-                        <a:t>21</a:t>
-                      </a:r>
-                      <a:r>
-                        <a:rPr kumimoji="1" lang="ja-JP" altLang="en-US" dirty="0">
-                          <a:solidFill>
-                            <a:schemeClr val="tx1"/>
-                          </a:solidFill>
-                        </a:rPr>
-                        <a:t>点を超えた場合はプレイヤーの負けとします。</a:t>
-                      </a:r>
-                      <a:r>
-                        <a:rPr kumimoji="1" lang="en-US" altLang="ja-JP" dirty="0">
-                          <a:solidFill>
-                            <a:schemeClr val="tx1"/>
-                          </a:solidFill>
-                        </a:rPr>
-                        <a:t>”</a:t>
-                      </a:r>
-                    </a:p>
-                    <a:p>
-                      <a:pPr marL="0" marR="0" lvl="0" indent="0" algn="l" defTabSz="914400" rtl="0" eaLnBrk="1" fontAlgn="auto" latinLnBrk="0" hangingPunct="1">
-                        <a:lnSpc>
-                          <a:spcPct val="100000"/>
-                        </a:lnSpc>
-                        <a:spcBef>
-                          <a:spcPts val="0"/>
-                        </a:spcBef>
-                        <a:spcAft>
-                          <a:spcPts val="0"/>
-                        </a:spcAft>
-                        <a:buClrTx/>
-                        <a:buSzTx/>
-                        <a:buFontTx/>
-                        <a:buNone/>
-                        <a:tabLst/>
-                        <a:defRPr/>
-                      </a:pPr>
-                      <a:r>
-                        <a:rPr kumimoji="1" lang="en-US" altLang="ja-JP" dirty="0"/>
-                        <a:t>p9 </a:t>
-                      </a:r>
-                      <a:r>
-                        <a:rPr kumimoji="1" lang="ja-JP" altLang="en-US" dirty="0"/>
-                        <a:t>フローの修正</a:t>
-                      </a:r>
-                      <a:r>
-                        <a:rPr kumimoji="1" lang="en-US" altLang="ja-JP" dirty="0"/>
-                        <a:t>”</a:t>
-                      </a:r>
-                      <a:r>
-                        <a:rPr kumimoji="1" lang="ja-JP" altLang="en-US" sz="1800" dirty="0"/>
-                        <a:t>プレイヤーかディーラーの合計点が</a:t>
-                      </a:r>
-                      <a:r>
-                        <a:rPr kumimoji="1" lang="en-US" altLang="ja-JP" sz="1800" dirty="0"/>
-                        <a:t>21</a:t>
-                      </a:r>
-                      <a:r>
-                        <a:rPr kumimoji="1" lang="ja-JP" altLang="en-US" sz="1800" dirty="0"/>
-                        <a:t>点</a:t>
-                      </a:r>
-                      <a:r>
-                        <a:rPr kumimoji="1" lang="en-US" altLang="ja-JP" dirty="0"/>
-                        <a:t>”</a:t>
-                      </a:r>
-                      <a:r>
-                        <a:rPr kumimoji="1" lang="ja-JP" altLang="en-US" dirty="0"/>
-                        <a:t>⇒</a:t>
-                      </a:r>
-                      <a:r>
-                        <a:rPr kumimoji="1" lang="en-US" altLang="ja-JP" dirty="0"/>
-                        <a:t>”</a:t>
-                      </a:r>
-                      <a:r>
-                        <a:rPr kumimoji="1" lang="ja-JP" altLang="en-US" sz="1800" dirty="0"/>
-                        <a:t>プレイヤーの合計点が</a:t>
-                      </a:r>
-                      <a:r>
-                        <a:rPr kumimoji="1" lang="en-US" altLang="ja-JP" sz="1800" dirty="0"/>
-                        <a:t>21</a:t>
-                      </a:r>
-                      <a:r>
-                        <a:rPr kumimoji="1" lang="ja-JP" altLang="en-US" sz="1800" dirty="0"/>
-                        <a:t>点</a:t>
-                      </a:r>
-                      <a:r>
-                        <a:rPr kumimoji="1" lang="en-US" altLang="ja-JP" sz="1800" dirty="0"/>
-                        <a:t>”</a:t>
                       </a:r>
                       <a:endParaRPr kumimoji="1" lang="en-US" altLang="ja-JP" dirty="0"/>
                     </a:p>
@@ -7259,8 +8719,202 @@
                         <a:defRPr/>
                       </a:pPr>
                       <a:r>
+                        <a:rPr kumimoji="1" lang="ja-JP" altLang="en-US" dirty="0"/>
+                        <a:t>                                                </a:t>
+                      </a:r>
+                      <a:r>
                         <a:rPr kumimoji="1" lang="en-US" altLang="ja-JP" dirty="0"/>
-                        <a:t>p9,11 </a:t>
+                        <a:t>“</a:t>
+                      </a:r>
+                      <a:r>
+                        <a:rPr kumimoji="1" lang="ja-JP" altLang="en-US" dirty="0">
+                          <a:solidFill>
+                            <a:schemeClr val="tx1"/>
+                          </a:solidFill>
+                        </a:rPr>
+                        <a:t>両者が</a:t>
+                      </a:r>
+                      <a:r>
+                        <a:rPr kumimoji="1" lang="en-US" altLang="ja-JP" dirty="0">
+                          <a:solidFill>
+                            <a:schemeClr val="tx1"/>
+                          </a:solidFill>
+                        </a:rPr>
+                        <a:t>21</a:t>
+                      </a:r>
+                      <a:r>
+                        <a:rPr kumimoji="1" lang="ja-JP" altLang="en-US" dirty="0">
+                          <a:solidFill>
+                            <a:schemeClr val="tx1"/>
+                          </a:solidFill>
+                        </a:rPr>
+                        <a:t>点を超えた場合はプレイヤーの負けとします。</a:t>
+                      </a:r>
+                      <a:r>
+                        <a:rPr kumimoji="1" lang="en-US" altLang="ja-JP" dirty="0">
+                          <a:solidFill>
+                            <a:schemeClr val="tx1"/>
+                          </a:solidFill>
+                        </a:rPr>
+                        <a:t>”</a:t>
+                      </a:r>
+                      <a:r>
+                        <a:rPr kumimoji="1" lang="ja-JP" altLang="en-US" dirty="0">
+                          <a:solidFill>
+                            <a:srgbClr val="FF0000"/>
+                          </a:solidFill>
+                        </a:rPr>
+                        <a:t> </a:t>
+                      </a:r>
+                      <a:r>
+                        <a:rPr kumimoji="1" lang="en-US" altLang="ja-JP" dirty="0">
+                          <a:solidFill>
+                            <a:srgbClr val="FF0000"/>
+                          </a:solidFill>
+                        </a:rPr>
+                        <a:t>-P8</a:t>
+                      </a:r>
+                    </a:p>
+                    <a:p>
+                      <a:pPr marL="0" marR="0" lvl="0" indent="0" algn="l" defTabSz="914400" rtl="0" eaLnBrk="1" fontAlgn="auto" latinLnBrk="0" hangingPunct="1">
+                        <a:lnSpc>
+                          <a:spcPct val="100000"/>
+                        </a:lnSpc>
+                        <a:spcBef>
+                          <a:spcPts val="0"/>
+                        </a:spcBef>
+                        <a:spcAft>
+                          <a:spcPts val="0"/>
+                        </a:spcAft>
+                        <a:buClrTx/>
+                        <a:buSzTx/>
+                        <a:buFontTx/>
+                        <a:buNone/>
+                        <a:tabLst/>
+                        <a:defRPr/>
+                      </a:pPr>
+                      <a:r>
+                        <a:rPr lang="en-US" altLang="ja-JP" dirty="0">
+                          <a:solidFill>
+                            <a:srgbClr val="FF0000"/>
+                          </a:solidFill>
+                        </a:rPr>
+                        <a:t>3.</a:t>
+                      </a:r>
+                      <a:r>
+                        <a:rPr lang="ja-JP" altLang="en-US" dirty="0">
+                          <a:solidFill>
+                            <a:srgbClr val="FF0000"/>
+                          </a:solidFill>
+                        </a:rPr>
+                        <a:t>ゲームの流れ  </a:t>
+                      </a:r>
+                      <a:r>
+                        <a:rPr kumimoji="1" lang="ja-JP" altLang="en-US" dirty="0"/>
+                        <a:t>フローの修正 </a:t>
+                      </a:r>
+                      <a:r>
+                        <a:rPr kumimoji="1" lang="en-US" altLang="ja-JP" dirty="0"/>
+                        <a:t>”</a:t>
+                      </a:r>
+                      <a:r>
+                        <a:rPr kumimoji="1" lang="ja-JP" altLang="en-US" sz="1800" dirty="0"/>
+                        <a:t>プレイヤーかディーラーの合計点が</a:t>
+                      </a:r>
+                      <a:r>
+                        <a:rPr kumimoji="1" lang="en-US" altLang="ja-JP" sz="1800" dirty="0"/>
+                        <a:t>21</a:t>
+                      </a:r>
+                      <a:r>
+                        <a:rPr kumimoji="1" lang="ja-JP" altLang="en-US" sz="1800" dirty="0"/>
+                        <a:t>点</a:t>
+                      </a:r>
+                      <a:r>
+                        <a:rPr kumimoji="1" lang="en-US" altLang="ja-JP" dirty="0"/>
+                        <a:t>”</a:t>
+                      </a:r>
+                    </a:p>
+                    <a:p>
+                      <a:pPr marL="0" marR="0" lvl="0" indent="0" algn="l" defTabSz="914400" rtl="0" eaLnBrk="1" fontAlgn="auto" latinLnBrk="0" hangingPunct="1">
+                        <a:lnSpc>
+                          <a:spcPct val="100000"/>
+                        </a:lnSpc>
+                        <a:spcBef>
+                          <a:spcPts val="0"/>
+                        </a:spcBef>
+                        <a:spcAft>
+                          <a:spcPts val="0"/>
+                        </a:spcAft>
+                        <a:buClrTx/>
+                        <a:buSzTx/>
+                        <a:buFontTx/>
+                        <a:buNone/>
+                        <a:tabLst/>
+                        <a:defRPr/>
+                      </a:pPr>
+                      <a:r>
+                        <a:rPr kumimoji="1" lang="en-US" altLang="ja-JP" dirty="0"/>
+                        <a:t>                                  </a:t>
+                      </a:r>
+                      <a:r>
+                        <a:rPr kumimoji="1" lang="ja-JP" altLang="en-US" dirty="0"/>
+                        <a:t>⇒</a:t>
+                      </a:r>
+                      <a:r>
+                        <a:rPr kumimoji="1" lang="en-US" altLang="ja-JP" dirty="0"/>
+                        <a:t>”</a:t>
+                      </a:r>
+                      <a:r>
+                        <a:rPr kumimoji="1" lang="ja-JP" altLang="en-US" sz="1800" dirty="0"/>
+                        <a:t>プレイヤーの合計点が</a:t>
+                      </a:r>
+                      <a:r>
+                        <a:rPr kumimoji="1" lang="en-US" altLang="ja-JP" sz="1800" dirty="0"/>
+                        <a:t>21</a:t>
+                      </a:r>
+                      <a:r>
+                        <a:rPr kumimoji="1" lang="ja-JP" altLang="en-US" sz="1800" dirty="0"/>
+                        <a:t>点</a:t>
+                      </a:r>
+                      <a:r>
+                        <a:rPr kumimoji="1" lang="en-US" altLang="ja-JP" sz="1800" dirty="0"/>
+                        <a:t>” </a:t>
+                      </a:r>
+                      <a:r>
+                        <a:rPr kumimoji="1" lang="en-US" altLang="ja-JP" sz="1800" dirty="0">
+                          <a:solidFill>
+                            <a:srgbClr val="FF0000"/>
+                          </a:solidFill>
+                        </a:rPr>
+                        <a:t>-P10</a:t>
+                      </a:r>
+                      <a:endParaRPr kumimoji="1" lang="en-US" altLang="ja-JP" dirty="0">
+                        <a:solidFill>
+                          <a:srgbClr val="FF0000"/>
+                        </a:solidFill>
+                      </a:endParaRPr>
+                    </a:p>
+                    <a:p>
+                      <a:pPr marL="0" marR="0" lvl="0" indent="0" algn="l" defTabSz="914400" rtl="0" eaLnBrk="1" fontAlgn="auto" latinLnBrk="0" hangingPunct="1">
+                        <a:lnSpc>
+                          <a:spcPct val="100000"/>
+                        </a:lnSpc>
+                        <a:spcBef>
+                          <a:spcPts val="0"/>
+                        </a:spcBef>
+                        <a:spcAft>
+                          <a:spcPts val="0"/>
+                        </a:spcAft>
+                        <a:buClrTx/>
+                        <a:buSzTx/>
+                        <a:buFontTx/>
+                        <a:buNone/>
+                        <a:tabLst/>
+                        <a:defRPr/>
+                      </a:pPr>
+                      <a:r>
+                        <a:rPr lang="en-US" altLang="ja-JP" dirty="0"/>
+                        <a:t>                              </a:t>
                       </a:r>
                       <a:r>
                         <a:rPr kumimoji="1" lang="ja-JP" altLang="en-US" dirty="0"/>
@@ -7280,9 +8934,16 @@
                       </a:r>
                       <a:r>
                         <a:rPr kumimoji="1" lang="ja-JP" altLang="en-US" dirty="0"/>
-                        <a:t>と合わせました。</a:t>
-                      </a:r>
-                      <a:endParaRPr kumimoji="1" lang="en-US" altLang="ja-JP" dirty="0"/>
+                        <a:t>と合わせました。 </a:t>
+                      </a:r>
+                      <a:r>
+                        <a:rPr kumimoji="1" lang="en-US" altLang="ja-JP" dirty="0">
+                          <a:solidFill>
+                            <a:srgbClr val="FF0000"/>
+                          </a:solidFill>
+                        </a:rPr>
+                        <a:t>-P10,12</a:t>
+                      </a:r>
                     </a:p>
                   </a:txBody>
                   <a:tcPr/>
@@ -7310,8 +8971,12 @@
                         <a:defRPr/>
                       </a:pPr>
                       <a:r>
-                        <a:rPr kumimoji="1" lang="en-US" altLang="ja-JP" dirty="0"/>
-                        <a:t>1.3</a:t>
+                        <a:rPr kumimoji="1" lang="en-US" altLang="ja-JP" dirty="0">
+                          <a:solidFill>
+                            <a:srgbClr val="FF0000"/>
+                          </a:solidFill>
+                        </a:rPr>
+                        <a:t>0.04</a:t>
                       </a:r>
                     </a:p>
                   </a:txBody>
@@ -7353,7 +9018,7 @@
                   </a:ext>
                 </a:extLst>
               </a:tr>
-              <a:tr h="639272">
+              <a:tr h="554103">
                 <a:tc>
                   <a:txBody>
                     <a:bodyPr/>
@@ -7377,8 +9042,20 @@
                         <a:defRPr/>
                       </a:pPr>
                       <a:r>
-                        <a:rPr kumimoji="1" lang="en-US" altLang="ja-JP" dirty="0"/>
-                        <a:t>p9 </a:t>
+                        <a:rPr lang="en-US" altLang="ja-JP" dirty="0">
+                          <a:solidFill>
+                            <a:srgbClr val="FF0000"/>
+                          </a:solidFill>
+                        </a:rPr>
+                        <a:t>3.</a:t>
+                      </a:r>
+                      <a:r>
+                        <a:rPr lang="ja-JP" altLang="en-US" dirty="0">
+                          <a:solidFill>
+                            <a:srgbClr val="FF0000"/>
+                          </a:solidFill>
+                        </a:rPr>
+                        <a:t>ゲームの流れ  </a:t>
                       </a:r>
                       <a:r>
                         <a:rPr kumimoji="1" lang="ja-JP" altLang="en-US" sz="1800" dirty="0"/>
@@ -7390,9 +9067,21 @@
                       </a:r>
                       <a:r>
                         <a:rPr kumimoji="1" lang="ja-JP" altLang="en-US" sz="1800" dirty="0"/>
-                        <a:t>点だったときのフローを変更</a:t>
-                      </a:r>
-                      <a:endParaRPr kumimoji="1" lang="en-US" altLang="ja-JP" dirty="0"/>
+                        <a:t>点だったときのフローを変更 </a:t>
+                      </a:r>
+                      <a:r>
+                        <a:rPr kumimoji="1" lang="en-US" altLang="ja-JP" sz="1800" dirty="0">
+                          <a:solidFill>
+                            <a:srgbClr val="FF0000"/>
+                          </a:solidFill>
+                        </a:rPr>
+                        <a:t>-P10</a:t>
+                      </a:r>
+                      <a:endParaRPr kumimoji="1" lang="en-US" altLang="ja-JP" dirty="0">
+                        <a:solidFill>
+                          <a:srgbClr val="FF0000"/>
+                        </a:solidFill>
+                      </a:endParaRPr>
                     </a:p>
                     <a:p>
                       <a:pPr marL="0" marR="0" lvl="0" indent="0" algn="l" defTabSz="914400" rtl="0" eaLnBrk="1" fontAlgn="auto" latinLnBrk="0" hangingPunct="1">
@@ -7413,14 +9102,21 @@
                         <a:defRPr/>
                       </a:pPr>
                       <a:r>
-                        <a:rPr kumimoji="1" lang="en-US" altLang="ja-JP" dirty="0"/>
-                        <a:t>p10,11 </a:t>
+                        <a:rPr lang="en-US" altLang="ja-JP" dirty="0"/>
+                        <a:t>                               </a:t>
                       </a:r>
                       <a:r>
                         <a:rPr kumimoji="1" lang="ja-JP" altLang="en-US" dirty="0"/>
-                        <a:t>不要な文字の削除</a:t>
-                      </a:r>
-                      <a:endParaRPr kumimoji="1" lang="en-US" altLang="ja-JP" dirty="0"/>
+                        <a:t>不要な文字の削除 </a:t>
+                      </a:r>
+                      <a:r>
+                        <a:rPr kumimoji="1" lang="en-US" altLang="ja-JP" dirty="0">
+                          <a:solidFill>
+                            <a:srgbClr val="FF0000"/>
+                          </a:solidFill>
+                        </a:rPr>
+                        <a:t>-P11,12</a:t>
+                      </a:r>
                     </a:p>
                   </a:txBody>
                   <a:tcPr/>
@@ -7448,8 +9144,12 @@
                         <a:defRPr/>
                       </a:pPr>
                       <a:r>
-                        <a:rPr kumimoji="1" lang="en-US" altLang="ja-JP" dirty="0"/>
-                        <a:t>1.4</a:t>
+                        <a:rPr kumimoji="1" lang="en-US" altLang="ja-JP" dirty="0">
+                          <a:solidFill>
+                            <a:srgbClr val="FF0000"/>
+                          </a:solidFill>
+                        </a:rPr>
+                        <a:t>0.05</a:t>
                       </a:r>
                     </a:p>
                   </a:txBody>
@@ -7530,95 +9230,796 @@
           <p:cNvPr id="2" name="タイトル 1">
             <a:extLst>
               <a:ext uri="{FF2B5EF4-FFF2-40B4-BE49-F238E27FC236}">
-                <a16:creationId xmlns:a16="http://schemas.microsoft.com/office/drawing/2014/main" id="{4E8BA697-FFFB-401E-840E-DC03E21DA011}"/>
+                <a16:creationId xmlns:a16="http://schemas.microsoft.com/office/drawing/2014/main" id="{85E8029D-505A-445D-8FA3-A51721A0E212}"/>
               </a:ext>
             </a:extLst>
           </p:cNvPr>
-          <p:cNvSpPr>
-            <a:spLocks noGrp="1"/>
+          <p:cNvSpPr txBox="1">
+            <a:spLocks/>
           </p:cNvSpPr>
-          <p:nvPr>
-            <p:ph type="title"/>
-          </p:nvPr>
-        </p:nvSpPr>
-        <p:spPr/>
+          <p:nvPr/>
+        </p:nvSpPr>
+        <p:spPr>
+          <a:xfrm>
+            <a:off x="431408" y="0"/>
+            <a:ext cx="10772775" cy="1658198"/>
+          </a:xfrm>
+          <a:prstGeom prst="rect">
+            <a:avLst/>
+          </a:prstGeom>
+        </p:spPr>
         <p:txBody>
           <a:bodyPr/>
-          <a:lstStyle/>
-          <a:p>
-            <a:r>
-              <a:rPr lang="ja-JP" altLang="en-US" dirty="0"/>
-              <a:t>目次</a:t>
-            </a:r>
-            <a:endParaRPr kumimoji="1" lang="ja-JP" altLang="en-US" dirty="0"/>
-          </a:p>
-        </p:txBody>
-      </p:sp>
-      <p:sp>
-        <p:nvSpPr>
-          <p:cNvPr id="3" name="コンテンツ プレースホルダー 2">
+          <a:lstStyle>
+            <a:lvl1pPr algn="l" defTabSz="914400" rtl="0" eaLnBrk="1" latinLnBrk="0" hangingPunct="1">
+              <a:lnSpc>
+                <a:spcPct val="85000"/>
+              </a:lnSpc>
+              <a:spcBef>
+                <a:spcPct val="0"/>
+              </a:spcBef>
+              <a:buNone/>
+              <a:defRPr kumimoji="1" sz="5400" kern="1200" spc="-120" baseline="0">
+                <a:solidFill>
+                  <a:schemeClr val="accent1"/>
+                </a:solidFill>
+                <a:latin typeface="+mj-lt"/>
+                <a:ea typeface="+mj-ea"/>
+                <a:cs typeface="+mj-cs"/>
+              </a:defRPr>
+            </a:lvl1pPr>
+          </a:lstStyle>
+          <a:p>
+            <a:r>
+              <a:rPr lang="en-US" altLang="ja-JP" dirty="0"/>
+              <a:t>History</a:t>
+            </a:r>
+            <a:endParaRPr lang="ja-JP" altLang="en-US" dirty="0"/>
+          </a:p>
+        </p:txBody>
+      </p:sp>
+      <p:graphicFrame>
+        <p:nvGraphicFramePr>
+          <p:cNvPr id="3" name="表 2">
             <a:extLst>
               <a:ext uri="{FF2B5EF4-FFF2-40B4-BE49-F238E27FC236}">
-                <a16:creationId xmlns:a16="http://schemas.microsoft.com/office/drawing/2014/main" id="{2E54D44B-43AE-430B-8733-5831499718B8}"/>
+                <a16:creationId xmlns:a16="http://schemas.microsoft.com/office/drawing/2014/main" id="{83F25FDB-CA5C-471A-AE77-D060F1982039}"/>
               </a:ext>
             </a:extLst>
           </p:cNvPr>
-          <p:cNvSpPr>
-            <a:spLocks noGrp="1"/>
-          </p:cNvSpPr>
+          <p:cNvGraphicFramePr>
+            <a:graphicFrameLocks noGrp="1"/>
+          </p:cNvGraphicFramePr>
           <p:nvPr>
-            <p:ph idx="1"/>
+            <p:extLst>
+              <p:ext uri="{D42A27DB-BD31-4B8C-83A1-F6EECF244321}">
+                <p14:modId xmlns:p14="http://schemas.microsoft.com/office/powerpoint/2010/main" val="2023978435"/>
+              </p:ext>
+            </p:extLst>
           </p:nvPr>
-        </p:nvSpPr>
-        <p:spPr/>
-        <p:txBody>
-          <a:bodyPr/>
-          <a:lstStyle/>
-          <a:p>
-            <a:endParaRPr kumimoji="1" lang="en-US" altLang="ja-JP" dirty="0"/>
-          </a:p>
-          <a:p>
-            <a:r>
-              <a:rPr lang="en-US" altLang="ja-JP" dirty="0"/>
-              <a:t>p4 </a:t>
-            </a:r>
-            <a:r>
-              <a:rPr lang="ja-JP" altLang="en-US" dirty="0"/>
-              <a:t>参考文献</a:t>
-            </a:r>
-            <a:endParaRPr lang="en-US" altLang="ja-JP" dirty="0"/>
-          </a:p>
-          <a:p>
-            <a:r>
-              <a:rPr lang="en-US" altLang="ja-JP" dirty="0"/>
-              <a:t>p6 </a:t>
-            </a:r>
-            <a:r>
-              <a:rPr lang="ja-JP" altLang="en-US" dirty="0"/>
-              <a:t>ゲームのルール定義</a:t>
-            </a:r>
-            <a:endParaRPr lang="en-US" altLang="ja-JP" dirty="0"/>
-          </a:p>
-          <a:p>
-            <a:r>
-              <a:rPr lang="en-US" altLang="ja-JP" dirty="0"/>
-              <a:t>p8 </a:t>
-            </a:r>
-            <a:r>
-              <a:rPr lang="ja-JP" altLang="en-US" dirty="0"/>
-              <a:t>ゲームの流れ</a:t>
-            </a:r>
-            <a:endParaRPr lang="en-US" altLang="ja-JP" dirty="0"/>
-          </a:p>
-          <a:p>
-            <a:endParaRPr kumimoji="1" lang="ja-JP" altLang="en-US" dirty="0"/>
-          </a:p>
-        </p:txBody>
-      </p:sp>
+        </p:nvGraphicFramePr>
+        <p:xfrm>
+          <a:off x="328598" y="829099"/>
+          <a:ext cx="11534804" cy="3291840"/>
+        </p:xfrm>
+        <a:graphic>
+          <a:graphicData uri="http://schemas.openxmlformats.org/drawingml/2006/table">
+            <a:tbl>
+              <a:tblPr firstRow="1" bandRow="1">
+                <a:tableStyleId>{5C22544A-7EE6-4342-B048-85BDC9FD1C3A}</a:tableStyleId>
+              </a:tblPr>
+              <a:tblGrid>
+                <a:gridCol w="9463102">
+                  <a:extLst>
+                    <a:ext uri="{9D8B030D-6E8A-4147-A177-3AD203B41FA5}">
+                      <a16:colId xmlns:a16="http://schemas.microsoft.com/office/drawing/2014/main" val="3694169288"/>
+                    </a:ext>
+                  </a:extLst>
+                </a:gridCol>
+                <a:gridCol w="939800">
+                  <a:extLst>
+                    <a:ext uri="{9D8B030D-6E8A-4147-A177-3AD203B41FA5}">
+                      <a16:colId xmlns:a16="http://schemas.microsoft.com/office/drawing/2014/main" val="1607256298"/>
+                    </a:ext>
+                  </a:extLst>
+                </a:gridCol>
+                <a:gridCol w="1131902">
+                  <a:extLst>
+                    <a:ext uri="{9D8B030D-6E8A-4147-A177-3AD203B41FA5}">
+                      <a16:colId xmlns:a16="http://schemas.microsoft.com/office/drawing/2014/main" val="1689748442"/>
+                    </a:ext>
+                  </a:extLst>
+                </a:gridCol>
+              </a:tblGrid>
+              <a:tr h="321332">
+                <a:tc>
+                  <a:txBody>
+                    <a:bodyPr/>
+                    <a:lstStyle/>
+                    <a:p>
+                      <a:pPr marL="0" marR="0" lvl="0" indent="0" algn="l" defTabSz="914400" rtl="0" eaLnBrk="1" fontAlgn="auto" latinLnBrk="0" hangingPunct="1">
+                        <a:lnSpc>
+                          <a:spcPct val="100000"/>
+                        </a:lnSpc>
+                        <a:spcBef>
+                          <a:spcPts val="0"/>
+                        </a:spcBef>
+                        <a:spcAft>
+                          <a:spcPts val="0"/>
+                        </a:spcAft>
+                        <a:buClrTx/>
+                        <a:buSzTx/>
+                        <a:buFontTx/>
+                        <a:buNone/>
+                        <a:tabLst/>
+                        <a:defRPr/>
+                      </a:pPr>
+                      <a:r>
+                        <a:rPr kumimoji="1" lang="ja-JP" altLang="en-US" dirty="0">
+                          <a:solidFill>
+                            <a:srgbClr val="FF0000"/>
+                          </a:solidFill>
+                        </a:rPr>
+                        <a:t>変更点</a:t>
+                      </a:r>
+                      <a:endParaRPr kumimoji="1" lang="en-US" altLang="ja-JP" dirty="0">
+                        <a:solidFill>
+                          <a:srgbClr val="FF0000"/>
+                        </a:solidFill>
+                      </a:endParaRPr>
+                    </a:p>
+                  </a:txBody>
+                  <a:tcPr/>
+                </a:tc>
+                <a:tc>
+                  <a:txBody>
+                    <a:bodyPr/>
+                    <a:lstStyle/>
+                    <a:p>
+                      <a:r>
+                        <a:rPr kumimoji="1" lang="en-US" altLang="ja-JP" dirty="0">
+                          <a:solidFill>
+                            <a:srgbClr val="FF0000"/>
+                          </a:solidFill>
+                        </a:rPr>
+                        <a:t>Version</a:t>
+                      </a:r>
+                      <a:endParaRPr kumimoji="1" lang="ja-JP" altLang="en-US" dirty="0">
+                        <a:solidFill>
+                          <a:srgbClr val="FF0000"/>
+                        </a:solidFill>
+                      </a:endParaRPr>
+                    </a:p>
+                  </a:txBody>
+                  <a:tcPr/>
+                </a:tc>
+                <a:tc>
+                  <a:txBody>
+                    <a:bodyPr/>
+                    <a:lstStyle/>
+                    <a:p>
+                      <a:r>
+                        <a:rPr kumimoji="1" lang="en-US" altLang="ja-JP" dirty="0">
+                          <a:solidFill>
+                            <a:srgbClr val="FF0000"/>
+                          </a:solidFill>
+                        </a:rPr>
+                        <a:t>data</a:t>
+                      </a:r>
+                      <a:endParaRPr kumimoji="1" lang="ja-JP" altLang="en-US" dirty="0">
+                        <a:solidFill>
+                          <a:srgbClr val="FF0000"/>
+                        </a:solidFill>
+                      </a:endParaRPr>
+                    </a:p>
+                  </a:txBody>
+                  <a:tcPr/>
+                </a:tc>
+                <a:extLst>
+                  <a:ext uri="{0D108BD9-81ED-4DB2-BD59-A6C34878D82A}">
+                    <a16:rowId xmlns:a16="http://schemas.microsoft.com/office/drawing/2014/main" val="2085874761"/>
+                  </a:ext>
+                </a:extLst>
+              </a:tr>
+              <a:tr h="316631">
+                <a:tc>
+                  <a:txBody>
+                    <a:bodyPr/>
+                    <a:lstStyle/>
+                    <a:p>
+                      <a:pPr marL="0" marR="0" lvl="0" indent="0" algn="l" defTabSz="914400" rtl="0" eaLnBrk="1" fontAlgn="auto" latinLnBrk="0" hangingPunct="1">
+                        <a:lnSpc>
+                          <a:spcPct val="100000"/>
+                        </a:lnSpc>
+                        <a:spcBef>
+                          <a:spcPts val="0"/>
+                        </a:spcBef>
+                        <a:spcAft>
+                          <a:spcPts val="0"/>
+                        </a:spcAft>
+                        <a:buClrTx/>
+                        <a:buSzTx/>
+                        <a:buFontTx/>
+                        <a:buNone/>
+                        <a:tabLst/>
+                        <a:defRPr/>
+                      </a:pPr>
+                      <a:r>
+                        <a:rPr kumimoji="1" lang="ja-JP" altLang="en-US" dirty="0">
+                          <a:solidFill>
+                            <a:srgbClr val="FF0000"/>
+                          </a:solidFill>
+                        </a:rPr>
+                        <a:t>内部レビュー完了</a:t>
+                      </a:r>
+                      <a:endParaRPr kumimoji="1" lang="en-US" altLang="ja-JP" dirty="0">
+                        <a:solidFill>
+                          <a:srgbClr val="FF0000"/>
+                        </a:solidFill>
+                      </a:endParaRPr>
+                    </a:p>
+                  </a:txBody>
+                  <a:tcPr/>
+                </a:tc>
+                <a:tc>
+                  <a:txBody>
+                    <a:bodyPr/>
+                    <a:lstStyle/>
+                    <a:p>
+                      <a:pPr marL="0" marR="0" lvl="0" indent="0" algn="l" defTabSz="914400" rtl="0" eaLnBrk="1" fontAlgn="auto" latinLnBrk="0" hangingPunct="1">
+                        <a:lnSpc>
+                          <a:spcPct val="100000"/>
+                        </a:lnSpc>
+                        <a:spcBef>
+                          <a:spcPts val="0"/>
+                        </a:spcBef>
+                        <a:spcAft>
+                          <a:spcPts val="0"/>
+                        </a:spcAft>
+                        <a:buClrTx/>
+                        <a:buSzTx/>
+                        <a:buFontTx/>
+                        <a:buNone/>
+                        <a:tabLst/>
+                        <a:defRPr/>
+                      </a:pPr>
+                      <a:r>
+                        <a:rPr kumimoji="1" lang="en-US" altLang="ja-JP" dirty="0">
+                          <a:solidFill>
+                            <a:srgbClr val="FF0000"/>
+                          </a:solidFill>
+                        </a:rPr>
+                        <a:t>1.0</a:t>
+                      </a:r>
+                    </a:p>
+                  </a:txBody>
+                  <a:tcPr/>
+                </a:tc>
+                <a:tc>
+                  <a:txBody>
+                    <a:bodyPr/>
+                    <a:lstStyle/>
+                    <a:p>
+                      <a:pPr marL="0" marR="0" lvl="0" indent="0" algn="l" defTabSz="914400" rtl="0" eaLnBrk="1" fontAlgn="auto" latinLnBrk="0" hangingPunct="1">
+                        <a:lnSpc>
+                          <a:spcPct val="100000"/>
+                        </a:lnSpc>
+                        <a:spcBef>
+                          <a:spcPts val="0"/>
+                        </a:spcBef>
+                        <a:spcAft>
+                          <a:spcPts val="0"/>
+                        </a:spcAft>
+                        <a:buClrTx/>
+                        <a:buSzTx/>
+                        <a:buFontTx/>
+                        <a:buNone/>
+                        <a:tabLst/>
+                        <a:defRPr/>
+                      </a:pPr>
+                      <a:r>
+                        <a:rPr kumimoji="1" lang="en-US" altLang="ja-JP" dirty="0">
+                          <a:solidFill>
+                            <a:srgbClr val="FF0000"/>
+                          </a:solidFill>
+                        </a:rPr>
+                        <a:t>2/12</a:t>
+                      </a:r>
+                    </a:p>
+                  </a:txBody>
+                  <a:tcPr/>
+                </a:tc>
+                <a:extLst>
+                  <a:ext uri="{0D108BD9-81ED-4DB2-BD59-A6C34878D82A}">
+                    <a16:rowId xmlns:a16="http://schemas.microsoft.com/office/drawing/2014/main" val="1490449469"/>
+                  </a:ext>
+                </a:extLst>
+              </a:tr>
+              <a:tr h="791577">
+                <a:tc>
+                  <a:txBody>
+                    <a:bodyPr/>
+                    <a:lstStyle/>
+                    <a:p>
+                      <a:pPr marL="0" marR="0" lvl="0" indent="0" algn="l" defTabSz="914400" rtl="0" eaLnBrk="1" fontAlgn="auto" latinLnBrk="0" hangingPunct="1">
+                        <a:lnSpc>
+                          <a:spcPct val="100000"/>
+                        </a:lnSpc>
+                        <a:spcBef>
+                          <a:spcPts val="0"/>
+                        </a:spcBef>
+                        <a:spcAft>
+                          <a:spcPts val="0"/>
+                        </a:spcAft>
+                        <a:buClrTx/>
+                        <a:buSzTx/>
+                        <a:buFontTx/>
+                        <a:buNone/>
+                        <a:tabLst/>
+                        <a:defRPr/>
+                      </a:pPr>
+                      <a:r>
+                        <a:rPr kumimoji="1" lang="ja-JP" altLang="en-US" dirty="0">
+                          <a:solidFill>
+                            <a:srgbClr val="FF0000"/>
+                          </a:solidFill>
+                        </a:rPr>
+                        <a:t>表紙  </a:t>
+                      </a:r>
+                      <a:r>
+                        <a:rPr kumimoji="1" lang="en-US" altLang="ja-JP" dirty="0">
+                          <a:solidFill>
+                            <a:srgbClr val="FF0000"/>
+                          </a:solidFill>
+                        </a:rPr>
+                        <a:t>”</a:t>
+                      </a:r>
+                      <a:r>
+                        <a:rPr lang="en-US" altLang="ja-JP" sz="1800" b="0" strike="noStrike" spc="-1" dirty="0">
+                          <a:solidFill>
+                            <a:srgbClr val="FF0000"/>
+                          </a:solidFill>
+                          <a:latin typeface="+mn-lt"/>
+                          <a:ea typeface="DejaVu Sans"/>
+                        </a:rPr>
+                        <a:t>Specification”</a:t>
+                      </a:r>
+                      <a:r>
+                        <a:rPr lang="ja-JP" altLang="en-US" sz="1800" b="0" strike="noStrike" spc="-1" dirty="0">
+                          <a:solidFill>
+                            <a:srgbClr val="FF0000"/>
+                          </a:solidFill>
+                          <a:latin typeface="+mn-lt"/>
+                          <a:ea typeface="DejaVu Sans"/>
+                        </a:rPr>
+                        <a:t>を追記 </a:t>
+                      </a:r>
+                      <a:r>
+                        <a:rPr lang="en-US" altLang="ja-JP" sz="1800" b="0" strike="noStrike" spc="-1" dirty="0">
+                          <a:solidFill>
+                            <a:srgbClr val="FF0000"/>
+                          </a:solidFill>
+                          <a:latin typeface="+mn-lt"/>
+                          <a:ea typeface="DejaVu Sans"/>
+                        </a:rPr>
+                        <a:t>-P1</a:t>
+                      </a:r>
+                      <a:endParaRPr kumimoji="1" lang="en-US" altLang="ja-JP" dirty="0">
+                        <a:solidFill>
+                          <a:srgbClr val="FF0000"/>
+                        </a:solidFill>
+                      </a:endParaRPr>
+                    </a:p>
+                    <a:p>
+                      <a:pPr marL="0" marR="0" lvl="0" indent="0" algn="l" defTabSz="914400" rtl="0" eaLnBrk="1" fontAlgn="auto" latinLnBrk="0" hangingPunct="1">
+                        <a:lnSpc>
+                          <a:spcPct val="100000"/>
+                        </a:lnSpc>
+                        <a:spcBef>
+                          <a:spcPts val="0"/>
+                        </a:spcBef>
+                        <a:spcAft>
+                          <a:spcPts val="0"/>
+                        </a:spcAft>
+                        <a:buClrTx/>
+                        <a:buSzTx/>
+                        <a:buFontTx/>
+                        <a:buNone/>
+                        <a:tabLst/>
+                        <a:defRPr/>
+                      </a:pPr>
+                      <a:r>
+                        <a:rPr lang="en-US" altLang="ja-JP" dirty="0">
+                          <a:solidFill>
+                            <a:srgbClr val="FF0000"/>
+                          </a:solidFill>
+                        </a:rPr>
+                        <a:t>History  </a:t>
+                      </a:r>
+                      <a:r>
+                        <a:rPr lang="ja-JP" altLang="en-US" dirty="0">
+                          <a:solidFill>
+                            <a:srgbClr val="FF0000"/>
+                          </a:solidFill>
+                        </a:rPr>
+                        <a:t>表の見出しを修正 </a:t>
+                      </a:r>
+                      <a:r>
+                        <a:rPr lang="en-US" altLang="ja-JP" dirty="0">
+                          <a:solidFill>
+                            <a:srgbClr val="FF0000"/>
+                          </a:solidFill>
+                        </a:rPr>
+                        <a:t>-P2</a:t>
+                      </a:r>
+                    </a:p>
+                    <a:p>
+                      <a:pPr marL="0" marR="0" lvl="0" indent="0" algn="l" defTabSz="914400" rtl="0" eaLnBrk="1" fontAlgn="auto" latinLnBrk="0" hangingPunct="1">
+                        <a:lnSpc>
+                          <a:spcPct val="100000"/>
+                        </a:lnSpc>
+                        <a:spcBef>
+                          <a:spcPts val="0"/>
+                        </a:spcBef>
+                        <a:spcAft>
+                          <a:spcPts val="0"/>
+                        </a:spcAft>
+                        <a:buClrTx/>
+                        <a:buSzTx/>
+                        <a:buFontTx/>
+                        <a:buNone/>
+                        <a:tabLst/>
+                        <a:defRPr/>
+                      </a:pPr>
+                      <a:r>
+                        <a:rPr lang="ja-JP" altLang="en-US" dirty="0">
+                          <a:solidFill>
+                            <a:srgbClr val="FF0000"/>
+                          </a:solidFill>
+                        </a:rPr>
+                        <a:t>              変更点のページ数を右にし、左に章名を記入 </a:t>
+                      </a:r>
+                      <a:r>
+                        <a:rPr lang="en-US" altLang="ja-JP" dirty="0">
+                          <a:solidFill>
+                            <a:srgbClr val="FF0000"/>
+                          </a:solidFill>
+                        </a:rPr>
+                        <a:t>-P2</a:t>
+                      </a:r>
+                    </a:p>
+                    <a:p>
+                      <a:pPr marL="0" marR="0" lvl="0" indent="0" algn="l" defTabSz="914400" rtl="0" eaLnBrk="1" fontAlgn="auto" latinLnBrk="0" hangingPunct="1">
+                        <a:lnSpc>
+                          <a:spcPct val="100000"/>
+                        </a:lnSpc>
+                        <a:spcBef>
+                          <a:spcPts val="0"/>
+                        </a:spcBef>
+                        <a:spcAft>
+                          <a:spcPts val="0"/>
+                        </a:spcAft>
+                        <a:buClrTx/>
+                        <a:buSzTx/>
+                        <a:buFontTx/>
+                        <a:buNone/>
+                        <a:tabLst/>
+                        <a:defRPr/>
+                      </a:pPr>
+                      <a:r>
+                        <a:rPr lang="ja-JP" altLang="en-US" dirty="0">
+                          <a:solidFill>
+                            <a:srgbClr val="FF0000"/>
+                          </a:solidFill>
+                        </a:rPr>
+                        <a:t>              </a:t>
+                      </a:r>
+                      <a:r>
+                        <a:rPr lang="en-US" altLang="ja-JP" dirty="0">
+                          <a:solidFill>
+                            <a:srgbClr val="FF0000"/>
+                          </a:solidFill>
+                        </a:rPr>
+                        <a:t>Version</a:t>
+                      </a:r>
+                      <a:r>
+                        <a:rPr lang="ja-JP" altLang="en-US" dirty="0">
+                          <a:solidFill>
+                            <a:srgbClr val="FF0000"/>
+                          </a:solidFill>
+                        </a:rPr>
+                        <a:t>を修正 </a:t>
+                      </a:r>
+                      <a:r>
+                        <a:rPr lang="en-US" altLang="ja-JP" dirty="0">
+                          <a:solidFill>
+                            <a:srgbClr val="FF0000"/>
+                          </a:solidFill>
+                        </a:rPr>
+                        <a:t>-P2</a:t>
+                      </a:r>
+                    </a:p>
+                    <a:p>
+                      <a:pPr marL="0" marR="0" lvl="0" indent="0" algn="l" defTabSz="914400" rtl="0" eaLnBrk="1" fontAlgn="auto" latinLnBrk="0" hangingPunct="1">
+                        <a:lnSpc>
+                          <a:spcPct val="100000"/>
+                        </a:lnSpc>
+                        <a:spcBef>
+                          <a:spcPts val="0"/>
+                        </a:spcBef>
+                        <a:spcAft>
+                          <a:spcPts val="0"/>
+                        </a:spcAft>
+                        <a:buClrTx/>
+                        <a:buSzTx/>
+                        <a:buFontTx/>
+                        <a:buNone/>
+                        <a:tabLst/>
+                        <a:defRPr/>
+                      </a:pPr>
+                      <a:r>
+                        <a:rPr lang="ja-JP" altLang="en-US" dirty="0">
+                          <a:solidFill>
+                            <a:srgbClr val="FF0000"/>
+                          </a:solidFill>
+                        </a:rPr>
+                        <a:t>目次  章番号を追加し、ページ数を右に修正 </a:t>
+                      </a:r>
+                      <a:r>
+                        <a:rPr lang="en-US" altLang="ja-JP" dirty="0">
+                          <a:solidFill>
+                            <a:srgbClr val="FF0000"/>
+                          </a:solidFill>
+                        </a:rPr>
+                        <a:t>-P4</a:t>
+                      </a:r>
+                    </a:p>
+                    <a:p>
+                      <a:pPr marL="0" marR="0" lvl="0" indent="0" algn="l" defTabSz="914400" rtl="0" eaLnBrk="1" fontAlgn="auto" latinLnBrk="0" hangingPunct="1">
+                        <a:lnSpc>
+                          <a:spcPct val="100000"/>
+                        </a:lnSpc>
+                        <a:spcBef>
+                          <a:spcPts val="0"/>
+                        </a:spcBef>
+                        <a:spcAft>
+                          <a:spcPts val="0"/>
+                        </a:spcAft>
+                        <a:buClrTx/>
+                        <a:buSzTx/>
+                        <a:buFontTx/>
+                        <a:buNone/>
+                        <a:tabLst/>
+                        <a:defRPr/>
+                      </a:pPr>
+                      <a:r>
+                        <a:rPr lang="en-US" altLang="ja-JP" dirty="0">
+                          <a:solidFill>
+                            <a:srgbClr val="FF0000"/>
+                          </a:solidFill>
+                        </a:rPr>
+                        <a:t>1.</a:t>
+                      </a:r>
+                      <a:r>
+                        <a:rPr lang="ja-JP" altLang="en-US" dirty="0">
+                          <a:solidFill>
+                            <a:srgbClr val="FF0000"/>
+                          </a:solidFill>
+                        </a:rPr>
+                        <a:t>参考文献   </a:t>
+                      </a:r>
+                      <a:r>
+                        <a:rPr kumimoji="1" lang="ja-JP" altLang="en-US" dirty="0">
+                          <a:solidFill>
+                            <a:srgbClr val="FF0000"/>
+                          </a:solidFill>
+                        </a:rPr>
+                        <a:t>コードを削除し、カジノオッズのリンクを設定 </a:t>
+                      </a:r>
+                      <a:r>
+                        <a:rPr kumimoji="1" lang="en-US" altLang="ja-JP" dirty="0">
+                          <a:solidFill>
+                            <a:srgbClr val="FF0000"/>
+                          </a:solidFill>
+                        </a:rPr>
+                        <a:t>-P6</a:t>
+                      </a:r>
+                    </a:p>
+                    <a:p>
+                      <a:pPr marL="0" marR="0" lvl="0" indent="0" algn="l" defTabSz="914400" rtl="0" eaLnBrk="1" fontAlgn="auto" latinLnBrk="0" hangingPunct="1">
+                        <a:lnSpc>
+                          <a:spcPct val="100000"/>
+                        </a:lnSpc>
+                        <a:spcBef>
+                          <a:spcPts val="0"/>
+                        </a:spcBef>
+                        <a:spcAft>
+                          <a:spcPts val="0"/>
+                        </a:spcAft>
+                        <a:buClrTx/>
+                        <a:buSzTx/>
+                        <a:buFontTx/>
+                        <a:buNone/>
+                        <a:tabLst/>
+                        <a:defRPr/>
+                      </a:pPr>
+                      <a:r>
+                        <a:rPr lang="en-US" altLang="ja-JP" dirty="0">
+                          <a:solidFill>
+                            <a:srgbClr val="FF0000"/>
+                          </a:solidFill>
+                        </a:rPr>
+                        <a:t>3.</a:t>
+                      </a:r>
+                      <a:r>
+                        <a:rPr lang="ja-JP" altLang="en-US" dirty="0">
+                          <a:solidFill>
+                            <a:srgbClr val="FF0000"/>
+                          </a:solidFill>
+                        </a:rPr>
+                        <a:t>ゲームの流れ   ドローの説明を追加 </a:t>
+                      </a:r>
+                      <a:r>
+                        <a:rPr lang="en-US" altLang="ja-JP" dirty="0">
+                          <a:solidFill>
+                            <a:srgbClr val="FF0000"/>
+                          </a:solidFill>
+                        </a:rPr>
+                        <a:t>-P10</a:t>
+                      </a:r>
+                    </a:p>
+                    <a:p>
+                      <a:pPr marL="0" marR="0" lvl="0" indent="0" algn="l" defTabSz="914400" rtl="0" eaLnBrk="1" fontAlgn="auto" latinLnBrk="0" hangingPunct="1">
+                        <a:lnSpc>
+                          <a:spcPct val="100000"/>
+                        </a:lnSpc>
+                        <a:spcBef>
+                          <a:spcPts val="0"/>
+                        </a:spcBef>
+                        <a:spcAft>
+                          <a:spcPts val="0"/>
+                        </a:spcAft>
+                        <a:buClrTx/>
+                        <a:buSzTx/>
+                        <a:buFontTx/>
+                        <a:buNone/>
+                        <a:tabLst/>
+                        <a:defRPr/>
+                      </a:pPr>
+                      <a:r>
+                        <a:rPr kumimoji="1" lang="en-US" altLang="ja-JP" dirty="0">
+                          <a:solidFill>
+                            <a:srgbClr val="FF0000"/>
+                          </a:solidFill>
+                        </a:rPr>
+                        <a:t>                                C</a:t>
+                      </a:r>
+                      <a:r>
+                        <a:rPr kumimoji="1" lang="ja-JP" altLang="en-US" dirty="0">
+                          <a:solidFill>
+                            <a:srgbClr val="FF0000"/>
+                          </a:solidFill>
+                        </a:rPr>
+                        <a:t>ルートのフロー、説明を削除 </a:t>
+                      </a:r>
+                      <a:r>
+                        <a:rPr kumimoji="1" lang="en-US" altLang="ja-JP" dirty="0">
+                          <a:solidFill>
+                            <a:srgbClr val="FF0000"/>
+                          </a:solidFill>
+                        </a:rPr>
+                        <a:t>-P10,12</a:t>
+                      </a:r>
+                    </a:p>
+                    <a:p>
+                      <a:pPr marL="0" marR="0" lvl="0" indent="0" algn="l" defTabSz="914400" rtl="0" eaLnBrk="1" fontAlgn="auto" latinLnBrk="0" hangingPunct="1">
+                        <a:lnSpc>
+                          <a:spcPct val="100000"/>
+                        </a:lnSpc>
+                        <a:spcBef>
+                          <a:spcPts val="0"/>
+                        </a:spcBef>
+                        <a:spcAft>
+                          <a:spcPts val="0"/>
+                        </a:spcAft>
+                        <a:buClrTx/>
+                        <a:buSzTx/>
+                        <a:buFontTx/>
+                        <a:buNone/>
+                        <a:tabLst/>
+                        <a:defRPr/>
+                      </a:pPr>
+                      <a:endParaRPr kumimoji="1" lang="en-US" altLang="ja-JP" dirty="0">
+                        <a:solidFill>
+                          <a:srgbClr val="FF0000"/>
+                        </a:solidFill>
+                      </a:endParaRPr>
+                    </a:p>
+                  </a:txBody>
+                  <a:tcPr/>
+                </a:tc>
+                <a:tc>
+                  <a:txBody>
+                    <a:bodyPr/>
+                    <a:lstStyle/>
+                    <a:p>
+                      <a:pPr marL="0" marR="0" lvl="0" indent="0" algn="l" defTabSz="914400" rtl="0" eaLnBrk="1" fontAlgn="auto" latinLnBrk="0" hangingPunct="1">
+                        <a:lnSpc>
+                          <a:spcPct val="100000"/>
+                        </a:lnSpc>
+                        <a:spcBef>
+                          <a:spcPts val="0"/>
+                        </a:spcBef>
+                        <a:spcAft>
+                          <a:spcPts val="0"/>
+                        </a:spcAft>
+                        <a:buClrTx/>
+                        <a:buSzTx/>
+                        <a:buFontTx/>
+                        <a:buNone/>
+                        <a:tabLst/>
+                        <a:defRPr/>
+                      </a:pPr>
+                      <a:r>
+                        <a:rPr kumimoji="1" lang="en-US" altLang="ja-JP" dirty="0">
+                          <a:solidFill>
+                            <a:srgbClr val="FF0000"/>
+                          </a:solidFill>
+                        </a:rPr>
+                        <a:t>1.01</a:t>
+                      </a:r>
+                    </a:p>
+                  </a:txBody>
+                  <a:tcPr/>
+                </a:tc>
+                <a:tc>
+                  <a:txBody>
+                    <a:bodyPr/>
+                    <a:lstStyle/>
+                    <a:p>
+                      <a:pPr marL="0" marR="0" lvl="0" indent="0" algn="l" defTabSz="914400" rtl="0" eaLnBrk="1" fontAlgn="auto" latinLnBrk="0" hangingPunct="1">
+                        <a:lnSpc>
+                          <a:spcPct val="100000"/>
+                        </a:lnSpc>
+                        <a:spcBef>
+                          <a:spcPts val="0"/>
+                        </a:spcBef>
+                        <a:spcAft>
+                          <a:spcPts val="0"/>
+                        </a:spcAft>
+                        <a:buClrTx/>
+                        <a:buSzTx/>
+                        <a:buFontTx/>
+                        <a:buNone/>
+                        <a:tabLst/>
+                        <a:defRPr/>
+                      </a:pPr>
+                      <a:r>
+                        <a:rPr kumimoji="1" lang="en-US" altLang="ja-JP" dirty="0">
+                          <a:solidFill>
+                            <a:srgbClr val="FF0000"/>
+                          </a:solidFill>
+                        </a:rPr>
+                        <a:t>3/17</a:t>
+                      </a:r>
+                    </a:p>
+                  </a:txBody>
+                  <a:tcPr/>
+                </a:tc>
+                <a:extLst>
+                  <a:ext uri="{0D108BD9-81ED-4DB2-BD59-A6C34878D82A}">
+                    <a16:rowId xmlns:a16="http://schemas.microsoft.com/office/drawing/2014/main" val="1415595066"/>
+                  </a:ext>
+                </a:extLst>
+              </a:tr>
+            </a:tbl>
+          </a:graphicData>
+        </a:graphic>
+      </p:graphicFrame>
     </p:spTree>
     <p:extLst>
       <p:ext uri="{BB962C8B-B14F-4D97-AF65-F5344CB8AC3E}">
-        <p14:creationId xmlns:p14="http://schemas.microsoft.com/office/powerpoint/2010/main" val="2985387983"/>
+        <p14:creationId xmlns:p14="http://schemas.microsoft.com/office/powerpoint/2010/main" val="2678700523"/>
       </p:ext>
     </p:extLst>
   </p:cSld>
@@ -7650,7 +10051,7 @@
           <p:cNvPr id="2" name="タイトル 1">
             <a:extLst>
               <a:ext uri="{FF2B5EF4-FFF2-40B4-BE49-F238E27FC236}">
-                <a16:creationId xmlns:a16="http://schemas.microsoft.com/office/drawing/2014/main" id="{E4FC3501-F8AC-4BAE-B57D-EB372FF89A9C}"/>
+                <a16:creationId xmlns:a16="http://schemas.microsoft.com/office/drawing/2014/main" id="{4E8BA697-FFFB-401E-840E-DC03E21DA011}"/>
               </a:ext>
             </a:extLst>
           </p:cNvPr>
@@ -7658,7 +10059,7 @@
             <a:spLocks noGrp="1"/>
           </p:cNvSpPr>
           <p:nvPr>
-            <p:ph type="ctrTitle"/>
+            <p:ph type="title"/>
           </p:nvPr>
         </p:nvSpPr>
         <p:spPr/>
@@ -7668,7 +10069,7 @@
           <a:p>
             <a:r>
               <a:rPr lang="ja-JP" altLang="en-US" dirty="0"/>
-              <a:t>参考文献</a:t>
+              <a:t>目次</a:t>
             </a:r>
             <a:endParaRPr kumimoji="1" lang="ja-JP" altLang="en-US" dirty="0"/>
           </a:p>
@@ -7676,10 +10077,10 @@
       </p:sp>
       <p:sp>
         <p:nvSpPr>
-          <p:cNvPr id="3" name="字幕 2">
+          <p:cNvPr id="3" name="コンテンツ プレースホルダー 2">
             <a:extLst>
               <a:ext uri="{FF2B5EF4-FFF2-40B4-BE49-F238E27FC236}">
-                <a16:creationId xmlns:a16="http://schemas.microsoft.com/office/drawing/2014/main" id="{E628FC86-5E7C-4FF3-93B3-16B6435E37F0}"/>
+                <a16:creationId xmlns:a16="http://schemas.microsoft.com/office/drawing/2014/main" id="{2E54D44B-43AE-430B-8733-5831499718B8}"/>
               </a:ext>
             </a:extLst>
           </p:cNvPr>
@@ -7687,7 +10088,7 @@
             <a:spLocks noGrp="1"/>
           </p:cNvSpPr>
           <p:nvPr>
-            <p:ph type="subTitle" idx="1"/>
+            <p:ph idx="1"/>
           </p:nvPr>
         </p:nvSpPr>
         <p:spPr/>
@@ -7695,11 +10096,73 @@
           <a:bodyPr/>
           <a:lstStyle/>
           <a:p>
-            <a:r>
-              <a:rPr kumimoji="1" lang="ja-JP" altLang="en-US" dirty="0"/>
-              <a:t>ルールの定義</a:t>
-            </a:r>
             <a:endParaRPr kumimoji="1" lang="en-US" altLang="ja-JP" dirty="0"/>
+          </a:p>
+          <a:p>
+            <a:r>
+              <a:rPr lang="en-US" altLang="ja-JP" dirty="0">
+                <a:solidFill>
+                  <a:srgbClr val="FF0000"/>
+                </a:solidFill>
+              </a:rPr>
+              <a:t>1.</a:t>
+            </a:r>
+            <a:r>
+              <a:rPr lang="ja-JP" altLang="en-US" dirty="0"/>
+              <a:t>参考文献 </a:t>
+            </a:r>
+            <a:r>
+              <a:rPr lang="en-US" altLang="ja-JP" dirty="0">
+                <a:solidFill>
+                  <a:srgbClr val="FF0000"/>
+                </a:solidFill>
+              </a:rPr>
+              <a:t>-P5</a:t>
+            </a:r>
+          </a:p>
+          <a:p>
+            <a:r>
+              <a:rPr lang="en-US" altLang="ja-JP" dirty="0">
+                <a:solidFill>
+                  <a:srgbClr val="FF0000"/>
+                </a:solidFill>
+              </a:rPr>
+              <a:t>2.</a:t>
+            </a:r>
+            <a:r>
+              <a:rPr lang="ja-JP" altLang="en-US" dirty="0"/>
+              <a:t>ゲームのルール定義 </a:t>
+            </a:r>
+            <a:r>
+              <a:rPr lang="en-US" altLang="ja-JP" dirty="0">
+                <a:solidFill>
+                  <a:srgbClr val="FF0000"/>
+                </a:solidFill>
+              </a:rPr>
+              <a:t>-P7</a:t>
+            </a:r>
+          </a:p>
+          <a:p>
+            <a:r>
+              <a:rPr lang="en-US" altLang="ja-JP" dirty="0">
+                <a:solidFill>
+                  <a:srgbClr val="FF0000"/>
+                </a:solidFill>
+              </a:rPr>
+              <a:t>3.</a:t>
+            </a:r>
+            <a:r>
+              <a:rPr lang="ja-JP" altLang="en-US" dirty="0"/>
+              <a:t>ゲームの流れ </a:t>
+            </a:r>
+            <a:r>
+              <a:rPr lang="en-US" altLang="ja-JP" dirty="0">
+                <a:solidFill>
+                  <a:srgbClr val="FF0000"/>
+                </a:solidFill>
+              </a:rPr>
+              <a:t>-P9</a:t>
+            </a:r>
           </a:p>
           <a:p>
             <a:endParaRPr kumimoji="1" lang="ja-JP" altLang="en-US" dirty="0"/>
@@ -7709,7 +10172,7 @@
     </p:spTree>
     <p:extLst>
       <p:ext uri="{BB962C8B-B14F-4D97-AF65-F5344CB8AC3E}">
-        <p14:creationId xmlns:p14="http://schemas.microsoft.com/office/powerpoint/2010/main" val="3051046783"/>
+        <p14:creationId xmlns:p14="http://schemas.microsoft.com/office/powerpoint/2010/main" val="2985387983"/>
       </p:ext>
     </p:extLst>
   </p:cSld>
@@ -7741,7 +10204,7 @@
           <p:cNvPr id="2" name="タイトル 1">
             <a:extLst>
               <a:ext uri="{FF2B5EF4-FFF2-40B4-BE49-F238E27FC236}">
-                <a16:creationId xmlns:a16="http://schemas.microsoft.com/office/drawing/2014/main" id="{4E8BA697-FFFB-401E-840E-DC03E21DA011}"/>
+                <a16:creationId xmlns:a16="http://schemas.microsoft.com/office/drawing/2014/main" id="{E4FC3501-F8AC-4BAE-B57D-EB372FF89A9C}"/>
               </a:ext>
             </a:extLst>
           </p:cNvPr>
@@ -7749,7 +10212,7 @@
             <a:spLocks noGrp="1"/>
           </p:cNvSpPr>
           <p:nvPr>
-            <p:ph type="title"/>
+            <p:ph type="ctrTitle"/>
           </p:nvPr>
         </p:nvSpPr>
         <p:spPr/>
@@ -7758,18 +10221,19 @@
           <a:lstStyle/>
           <a:p>
             <a:r>
-              <a:rPr kumimoji="1" lang="ja-JP" altLang="en-US" dirty="0"/>
-              <a:t>参考にしたサイト</a:t>
-            </a:r>
-          </a:p>
-        </p:txBody>
-      </p:sp>
-      <p:sp>
-        <p:nvSpPr>
-          <p:cNvPr id="3" name="コンテンツ プレースホルダー 2">
+              <a:rPr lang="ja-JP" altLang="en-US" dirty="0"/>
+              <a:t>参考文献</a:t>
+            </a:r>
+            <a:endParaRPr kumimoji="1" lang="ja-JP" altLang="en-US" dirty="0"/>
+          </a:p>
+        </p:txBody>
+      </p:sp>
+      <p:sp>
+        <p:nvSpPr>
+          <p:cNvPr id="3" name="字幕 2">
             <a:extLst>
               <a:ext uri="{FF2B5EF4-FFF2-40B4-BE49-F238E27FC236}">
-                <a16:creationId xmlns:a16="http://schemas.microsoft.com/office/drawing/2014/main" id="{2E54D44B-43AE-430B-8733-5831499718B8}"/>
+                <a16:creationId xmlns:a16="http://schemas.microsoft.com/office/drawing/2014/main" id="{E628FC86-5E7C-4FF3-93B3-16B6435E37F0}"/>
               </a:ext>
             </a:extLst>
           </p:cNvPr>
@@ -7777,7 +10241,7 @@
             <a:spLocks noGrp="1"/>
           </p:cNvSpPr>
           <p:nvPr>
-            <p:ph idx="1"/>
+            <p:ph type="subTitle" idx="1"/>
           </p:nvPr>
         </p:nvSpPr>
         <p:spPr/>
@@ -7785,27 +10249,21 @@
           <a:bodyPr/>
           <a:lstStyle/>
           <a:p>
+            <a:r>
+              <a:rPr kumimoji="1" lang="ja-JP" altLang="en-US" dirty="0"/>
+              <a:t>ルールの定義</a:t>
+            </a:r>
             <a:endParaRPr kumimoji="1" lang="en-US" altLang="ja-JP" dirty="0"/>
           </a:p>
           <a:p>
-            <a:r>
-              <a:rPr lang="ja-JP" altLang="en-US" dirty="0"/>
-              <a:t>カジノオッズ！！</a:t>
-            </a:r>
-            <a:endParaRPr lang="en-US" altLang="ja-JP" dirty="0"/>
-          </a:p>
-          <a:p>
-            <a:r>
-              <a:rPr lang="en-US" altLang="ja-JP" dirty="0"/>
-              <a:t>http://odds-casino.tokyo/rule/blackjack/%E3%83%96%E3%83%A9%E3%83%83%E3%82%AF%E3%82%B8%E3%83%A3%E3%83%83%E3%82%AF-%E5%9F%BA%E6%9C%AC%E3%83%AB%E3%83%BC%E3%83%AB/</a:t>
-            </a:r>
+            <a:endParaRPr kumimoji="1" lang="ja-JP" altLang="en-US" dirty="0"/>
           </a:p>
         </p:txBody>
       </p:sp>
     </p:spTree>
     <p:extLst>
       <p:ext uri="{BB962C8B-B14F-4D97-AF65-F5344CB8AC3E}">
-        <p14:creationId xmlns:p14="http://schemas.microsoft.com/office/powerpoint/2010/main" val="227403451"/>
+        <p14:creationId xmlns:p14="http://schemas.microsoft.com/office/powerpoint/2010/main" val="3051046783"/>
       </p:ext>
     </p:extLst>
   </p:cSld>
@@ -7837,6 +10295,111 @@
           <p:cNvPr id="2" name="タイトル 1">
             <a:extLst>
               <a:ext uri="{FF2B5EF4-FFF2-40B4-BE49-F238E27FC236}">
+                <a16:creationId xmlns:a16="http://schemas.microsoft.com/office/drawing/2014/main" id="{4E8BA697-FFFB-401E-840E-DC03E21DA011}"/>
+              </a:ext>
+            </a:extLst>
+          </p:cNvPr>
+          <p:cNvSpPr>
+            <a:spLocks noGrp="1"/>
+          </p:cNvSpPr>
+          <p:nvPr>
+            <p:ph type="title"/>
+          </p:nvPr>
+        </p:nvSpPr>
+        <p:spPr/>
+        <p:txBody>
+          <a:bodyPr/>
+          <a:lstStyle/>
+          <a:p>
+            <a:r>
+              <a:rPr kumimoji="1" lang="ja-JP" altLang="en-US" dirty="0"/>
+              <a:t>参考にしたサイト</a:t>
+            </a:r>
+          </a:p>
+        </p:txBody>
+      </p:sp>
+      <p:sp>
+        <p:nvSpPr>
+          <p:cNvPr id="3" name="コンテンツ プレースホルダー 2">
+            <a:extLst>
+              <a:ext uri="{FF2B5EF4-FFF2-40B4-BE49-F238E27FC236}">
+                <a16:creationId xmlns:a16="http://schemas.microsoft.com/office/drawing/2014/main" id="{2E54D44B-43AE-430B-8733-5831499718B8}"/>
+              </a:ext>
+            </a:extLst>
+          </p:cNvPr>
+          <p:cNvSpPr>
+            <a:spLocks noGrp="1"/>
+          </p:cNvSpPr>
+          <p:nvPr>
+            <p:ph idx="1"/>
+          </p:nvPr>
+        </p:nvSpPr>
+        <p:spPr/>
+        <p:txBody>
+          <a:bodyPr/>
+          <a:lstStyle/>
+          <a:p>
+            <a:endParaRPr kumimoji="1" lang="en-US" altLang="ja-JP" dirty="0"/>
+          </a:p>
+          <a:p>
+            <a:r>
+              <a:rPr lang="ja-JP" altLang="en-US" dirty="0">
+                <a:solidFill>
+                  <a:srgbClr val="FF0000"/>
+                </a:solidFill>
+                <a:hlinkClick r:id="rId2">
+                  <a:extLst>
+                    <a:ext uri="{A12FA001-AC4F-418D-AE19-62706E023703}">
+                      <ahyp:hlinkClr xmlns:ahyp="http://schemas.microsoft.com/office/drawing/2018/hyperlinkcolor" val="tx"/>
+                    </a:ext>
+                  </a:extLst>
+                </a:hlinkClick>
+              </a:rPr>
+              <a:t>・カジノオッズ！！</a:t>
+            </a:r>
+            <a:endParaRPr lang="en-US" altLang="ja-JP" dirty="0">
+              <a:solidFill>
+                <a:srgbClr val="FF0000"/>
+              </a:solidFill>
+            </a:endParaRPr>
+          </a:p>
+        </p:txBody>
+      </p:sp>
+    </p:spTree>
+    <p:extLst>
+      <p:ext uri="{BB962C8B-B14F-4D97-AF65-F5344CB8AC3E}">
+        <p14:creationId xmlns:p14="http://schemas.microsoft.com/office/powerpoint/2010/main" val="227403451"/>
+      </p:ext>
+    </p:extLst>
+  </p:cSld>
+  <p:clrMapOvr>
+    <a:masterClrMapping/>
+  </p:clrMapOvr>
+</p:sld>
+</file>
+
+<file path=ppt/slides/slide7.xml><?xml version="1.0" encoding="utf-8"?>
+<p:sld xmlns:a="http://schemas.openxmlformats.org/drawingml/2006/main" xmlns:r="http://schemas.openxmlformats.org/officeDocument/2006/relationships" xmlns:p="http://schemas.openxmlformats.org/presentationml/2006/main">
+  <p:cSld>
+    <p:spTree>
+      <p:nvGrpSpPr>
+        <p:cNvPr id="1" name=""/>
+        <p:cNvGrpSpPr/>
+        <p:nvPr/>
+      </p:nvGrpSpPr>
+      <p:grpSpPr>
+        <a:xfrm>
+          <a:off x="0" y="0"/>
+          <a:ext cx="0" cy="0"/>
+          <a:chOff x="0" y="0"/>
+          <a:chExt cx="0" cy="0"/>
+        </a:xfrm>
+      </p:grpSpPr>
+      <p:sp>
+        <p:nvSpPr>
+          <p:cNvPr id="2" name="タイトル 1">
+            <a:extLst>
+              <a:ext uri="{FF2B5EF4-FFF2-40B4-BE49-F238E27FC236}">
                 <a16:creationId xmlns:a16="http://schemas.microsoft.com/office/drawing/2014/main" id="{E4FC3501-F8AC-4BAE-B57D-EB372FF89A9C}"/>
               </a:ext>
             </a:extLst>
@@ -7874,7 +10437,7 @@
 </p:sld>
 </file>
 
-<file path=ppt/slides/slide7.xml><?xml version="1.0" encoding="utf-8"?>
+<file path=ppt/slides/slide8.xml><?xml version="1.0" encoding="utf-8"?>
 <p:sld xmlns:a="http://schemas.openxmlformats.org/drawingml/2006/main" xmlns:r="http://schemas.openxmlformats.org/officeDocument/2006/relationships" xmlns:p="http://schemas.openxmlformats.org/presentationml/2006/main">
   <p:cSld>
     <p:spTree>
@@ -8611,65 +11174,6 @@
 </p:sld>
 </file>
 
-<file path=ppt/slides/slide8.xml><?xml version="1.0" encoding="utf-8"?>
-<p:sld xmlns:a="http://schemas.openxmlformats.org/drawingml/2006/main" xmlns:r="http://schemas.openxmlformats.org/officeDocument/2006/relationships" xmlns:p="http://schemas.openxmlformats.org/presentationml/2006/main">
-  <p:cSld>
-    <p:spTree>
-      <p:nvGrpSpPr>
-        <p:cNvPr id="1" name=""/>
-        <p:cNvGrpSpPr/>
-        <p:nvPr/>
-      </p:nvGrpSpPr>
-      <p:grpSpPr>
-        <a:xfrm>
-          <a:off x="0" y="0"/>
-          <a:ext cx="0" cy="0"/>
-          <a:chOff x="0" y="0"/>
-          <a:chExt cx="0" cy="0"/>
-        </a:xfrm>
-      </p:grpSpPr>
-      <p:sp>
-        <p:nvSpPr>
-          <p:cNvPr id="2" name="タイトル 1">
-            <a:extLst>
-              <a:ext uri="{FF2B5EF4-FFF2-40B4-BE49-F238E27FC236}">
-                <a16:creationId xmlns:a16="http://schemas.microsoft.com/office/drawing/2014/main" id="{E4FC3501-F8AC-4BAE-B57D-EB372FF89A9C}"/>
-              </a:ext>
-            </a:extLst>
-          </p:cNvPr>
-          <p:cNvSpPr>
-            <a:spLocks noGrp="1"/>
-          </p:cNvSpPr>
-          <p:nvPr>
-            <p:ph type="ctrTitle"/>
-          </p:nvPr>
-        </p:nvSpPr>
-        <p:spPr/>
-        <p:txBody>
-          <a:bodyPr/>
-          <a:lstStyle/>
-          <a:p>
-            <a:r>
-              <a:rPr lang="ja-JP" altLang="en-US" dirty="0"/>
-              <a:t>ゲームの流れ</a:t>
-            </a:r>
-            <a:endParaRPr kumimoji="1" lang="ja-JP" altLang="en-US" dirty="0"/>
-          </a:p>
-        </p:txBody>
-      </p:sp>
-    </p:spTree>
-    <p:extLst>
-      <p:ext uri="{BB962C8B-B14F-4D97-AF65-F5344CB8AC3E}">
-        <p14:creationId xmlns:p14="http://schemas.microsoft.com/office/powerpoint/2010/main" val="1888134039"/>
-      </p:ext>
-    </p:extLst>
-  </p:cSld>
-  <p:clrMapOvr>
-    <a:masterClrMapping/>
-  </p:clrMapOvr>
-</p:sld>
-</file>
-
 <file path=ppt/slides/slide9.xml><?xml version="1.0" encoding="utf-8"?>
 <p:sld xmlns:a="http://schemas.openxmlformats.org/drawingml/2006/main" xmlns:r="http://schemas.openxmlformats.org/officeDocument/2006/relationships" xmlns:p="http://schemas.openxmlformats.org/presentationml/2006/main">
   <p:cSld>
@@ -8689,1517 +11193,28 @@
       </p:grpSpPr>
       <p:sp>
         <p:nvSpPr>
-          <p:cNvPr id="5" name="四角形: 対角を丸める 4">
+          <p:cNvPr id="2" name="タイトル 1">
             <a:extLst>
               <a:ext uri="{FF2B5EF4-FFF2-40B4-BE49-F238E27FC236}">
-                <a16:creationId xmlns:a16="http://schemas.microsoft.com/office/drawing/2014/main" id="{4623B795-93EB-4060-AC23-85D88AAB0AD3}"/>
+                <a16:creationId xmlns:a16="http://schemas.microsoft.com/office/drawing/2014/main" id="{E4FC3501-F8AC-4BAE-B57D-EB372FF89A9C}"/>
               </a:ext>
             </a:extLst>
           </p:cNvPr>
-          <p:cNvSpPr/>
-          <p:nvPr/>
-        </p:nvSpPr>
-        <p:spPr>
-          <a:xfrm>
-            <a:off x="215899" y="1990001"/>
-            <a:ext cx="8931857" cy="3580606"/>
-          </a:xfrm>
-          <a:prstGeom prst="round2DiagRect">
-            <a:avLst/>
-          </a:prstGeom>
-          <a:solidFill>
-            <a:schemeClr val="tx2">
-              <a:lumMod val="10000"/>
-              <a:lumOff val="90000"/>
-            </a:schemeClr>
-          </a:solidFill>
-        </p:spPr>
-        <p:style>
-          <a:lnRef idx="1">
-            <a:schemeClr val="accent6"/>
-          </a:lnRef>
-          <a:fillRef idx="2">
-            <a:schemeClr val="accent6"/>
-          </a:fillRef>
-          <a:effectRef idx="1">
-            <a:schemeClr val="accent6"/>
-          </a:effectRef>
-          <a:fontRef idx="minor">
-            <a:schemeClr val="dk1"/>
-          </a:fontRef>
-        </p:style>
-        <p:txBody>
-          <a:bodyPr rtlCol="0" anchor="ctr"/>
+          <p:cNvSpPr>
+            <a:spLocks noGrp="1"/>
+          </p:cNvSpPr>
+          <p:nvPr>
+            <p:ph type="ctrTitle"/>
+          </p:nvPr>
+        </p:nvSpPr>
+        <p:spPr/>
+        <p:txBody>
+          <a:bodyPr/>
           <a:lstStyle/>
-          <a:p>
-            <a:pPr algn="ctr"/>
-            <a:endParaRPr kumimoji="1" lang="ja-JP" altLang="en-US"/>
-          </a:p>
-        </p:txBody>
-      </p:sp>
-      <p:cxnSp>
-        <p:nvCxnSpPr>
-          <p:cNvPr id="41" name="直線矢印コネクタ 40">
-            <a:extLst>
-              <a:ext uri="{FF2B5EF4-FFF2-40B4-BE49-F238E27FC236}">
-                <a16:creationId xmlns:a16="http://schemas.microsoft.com/office/drawing/2014/main" id="{5F5A21F0-319D-4C53-8BE0-89F1DF69D509}"/>
-              </a:ext>
-            </a:extLst>
-          </p:cNvPr>
-          <p:cNvCxnSpPr>
-            <a:cxnSpLocks/>
-            <a:stCxn id="20" idx="2"/>
-            <a:endCxn id="34" idx="0"/>
-          </p:cNvCxnSpPr>
-          <p:nvPr/>
-        </p:nvCxnSpPr>
-        <p:spPr>
-          <a:xfrm flipH="1">
-            <a:off x="1652292" y="4027994"/>
-            <a:ext cx="46530" cy="2256234"/>
-          </a:xfrm>
-          <a:prstGeom prst="straightConnector1">
-            <a:avLst/>
-          </a:prstGeom>
-          <a:ln>
-            <a:tailEnd type="triangle"/>
-          </a:ln>
-        </p:spPr>
-        <p:style>
-          <a:lnRef idx="1">
-            <a:schemeClr val="accent1"/>
-          </a:lnRef>
-          <a:fillRef idx="0">
-            <a:schemeClr val="accent1"/>
-          </a:fillRef>
-          <a:effectRef idx="0">
-            <a:schemeClr val="accent1"/>
-          </a:effectRef>
-          <a:fontRef idx="minor">
-            <a:schemeClr val="tx1"/>
-          </a:fontRef>
-        </p:style>
-      </p:cxnSp>
-      <p:cxnSp>
-        <p:nvCxnSpPr>
-          <p:cNvPr id="46" name="直線矢印コネクタ 45">
-            <a:extLst>
-              <a:ext uri="{FF2B5EF4-FFF2-40B4-BE49-F238E27FC236}">
-                <a16:creationId xmlns:a16="http://schemas.microsoft.com/office/drawing/2014/main" id="{2A2CE6B3-E805-4F25-92DB-41A429BB29B4}"/>
-              </a:ext>
-            </a:extLst>
-          </p:cNvPr>
-          <p:cNvCxnSpPr>
-            <a:cxnSpLocks/>
-            <a:stCxn id="2" idx="2"/>
-            <a:endCxn id="20" idx="0"/>
-          </p:cNvCxnSpPr>
-          <p:nvPr/>
-        </p:nvCxnSpPr>
-        <p:spPr>
-          <a:xfrm>
-            <a:off x="1667457" y="568322"/>
-            <a:ext cx="31365" cy="2794700"/>
-          </a:xfrm>
-          <a:prstGeom prst="straightConnector1">
-            <a:avLst/>
-          </a:prstGeom>
-          <a:ln>
-            <a:tailEnd type="triangle"/>
-          </a:ln>
-        </p:spPr>
-        <p:style>
-          <a:lnRef idx="1">
-            <a:schemeClr val="accent1"/>
-          </a:lnRef>
-          <a:fillRef idx="0">
-            <a:schemeClr val="accent1"/>
-          </a:fillRef>
-          <a:effectRef idx="0">
-            <a:schemeClr val="accent1"/>
-          </a:effectRef>
-          <a:fontRef idx="minor">
-            <a:schemeClr val="tx1"/>
-          </a:fontRef>
-        </p:style>
-      </p:cxnSp>
-      <p:sp>
-        <p:nvSpPr>
-          <p:cNvPr id="2" name="フローチャート: 端子 1">
-            <a:extLst>
-              <a:ext uri="{FF2B5EF4-FFF2-40B4-BE49-F238E27FC236}">
-                <a16:creationId xmlns:a16="http://schemas.microsoft.com/office/drawing/2014/main" id="{E437E1A6-B2BB-43C1-96D0-2F3023138D6B}"/>
-              </a:ext>
-            </a:extLst>
-          </p:cNvPr>
-          <p:cNvSpPr/>
-          <p:nvPr/>
-        </p:nvSpPr>
-        <p:spPr>
-          <a:xfrm>
-            <a:off x="664157" y="205664"/>
-            <a:ext cx="2006600" cy="362658"/>
-          </a:xfrm>
-          <a:prstGeom prst="flowChartTerminator">
-            <a:avLst/>
-          </a:prstGeom>
-        </p:spPr>
-        <p:style>
-          <a:lnRef idx="2">
-            <a:schemeClr val="accent6"/>
-          </a:lnRef>
-          <a:fillRef idx="1">
-            <a:schemeClr val="lt1"/>
-          </a:fillRef>
-          <a:effectRef idx="0">
-            <a:schemeClr val="accent6"/>
-          </a:effectRef>
-          <a:fontRef idx="minor">
-            <a:schemeClr val="dk1"/>
-          </a:fontRef>
-        </p:style>
-        <p:txBody>
-          <a:bodyPr rtlCol="0" anchor="ctr"/>
-          <a:lstStyle/>
-          <a:p>
-            <a:pPr algn="ctr"/>
-            <a:r>
-              <a:rPr kumimoji="1" lang="ja-JP" altLang="en-US" dirty="0"/>
-              <a:t>スタート</a:t>
-            </a:r>
-          </a:p>
-        </p:txBody>
-      </p:sp>
-      <p:sp>
-        <p:nvSpPr>
-          <p:cNvPr id="39" name="フローチャート: 定義済み処理 38">
-            <a:extLst>
-              <a:ext uri="{FF2B5EF4-FFF2-40B4-BE49-F238E27FC236}">
-                <a16:creationId xmlns:a16="http://schemas.microsoft.com/office/drawing/2014/main" id="{21085BCA-FB09-42AA-A7B2-162F12B86707}"/>
-              </a:ext>
-            </a:extLst>
-          </p:cNvPr>
-          <p:cNvSpPr/>
-          <p:nvPr/>
-        </p:nvSpPr>
-        <p:spPr>
-          <a:xfrm>
-            <a:off x="695522" y="1287394"/>
-            <a:ext cx="2006600" cy="265213"/>
-          </a:xfrm>
-          <a:prstGeom prst="flowChartPredefinedProcess">
-            <a:avLst/>
-          </a:prstGeom>
-        </p:spPr>
-        <p:style>
-          <a:lnRef idx="2">
-            <a:schemeClr val="accent6"/>
-          </a:lnRef>
-          <a:fillRef idx="1">
-            <a:schemeClr val="lt1"/>
-          </a:fillRef>
-          <a:effectRef idx="0">
-            <a:schemeClr val="accent6"/>
-          </a:effectRef>
-          <a:fontRef idx="minor">
-            <a:schemeClr val="dk1"/>
-          </a:fontRef>
-        </p:style>
-        <p:txBody>
-          <a:bodyPr rtlCol="0" anchor="ctr"/>
-          <a:lstStyle/>
-          <a:p>
-            <a:pPr algn="ctr"/>
-            <a:r>
-              <a:rPr kumimoji="1" lang="ja-JP" altLang="en-US" sz="1200" dirty="0"/>
-              <a:t>ディーラーのドロー</a:t>
-            </a:r>
-          </a:p>
-        </p:txBody>
-      </p:sp>
-      <p:sp>
-        <p:nvSpPr>
-          <p:cNvPr id="40" name="フローチャート: 定義済み処理 39">
-            <a:extLst>
-              <a:ext uri="{FF2B5EF4-FFF2-40B4-BE49-F238E27FC236}">
-                <a16:creationId xmlns:a16="http://schemas.microsoft.com/office/drawing/2014/main" id="{23109D49-B040-408F-BE6C-CAA484BA9EE4}"/>
-              </a:ext>
-            </a:extLst>
-          </p:cNvPr>
-          <p:cNvSpPr/>
-          <p:nvPr/>
-        </p:nvSpPr>
-        <p:spPr>
-          <a:xfrm>
-            <a:off x="695522" y="1660392"/>
-            <a:ext cx="2006600" cy="265213"/>
-          </a:xfrm>
-          <a:prstGeom prst="flowChartPredefinedProcess">
-            <a:avLst/>
-          </a:prstGeom>
-        </p:spPr>
-        <p:style>
-          <a:lnRef idx="2">
-            <a:schemeClr val="accent6"/>
-          </a:lnRef>
-          <a:fillRef idx="1">
-            <a:schemeClr val="lt1"/>
-          </a:fillRef>
-          <a:effectRef idx="0">
-            <a:schemeClr val="accent6"/>
-          </a:effectRef>
-          <a:fontRef idx="minor">
-            <a:schemeClr val="dk1"/>
-          </a:fontRef>
-        </p:style>
-        <p:txBody>
-          <a:bodyPr rtlCol="0" anchor="ctr"/>
-          <a:lstStyle/>
-          <a:p>
-            <a:pPr algn="ctr"/>
-            <a:r>
-              <a:rPr kumimoji="1" lang="ja-JP" altLang="en-US" sz="1200" dirty="0"/>
-              <a:t>プレイヤーのドロー</a:t>
-            </a:r>
-          </a:p>
-        </p:txBody>
-      </p:sp>
-      <p:sp>
-        <p:nvSpPr>
-          <p:cNvPr id="42" name="吹き出し: 四角形 41">
-            <a:extLst>
-              <a:ext uri="{FF2B5EF4-FFF2-40B4-BE49-F238E27FC236}">
-                <a16:creationId xmlns:a16="http://schemas.microsoft.com/office/drawing/2014/main" id="{52FE323A-8578-4154-9BF2-7697E4EAD028}"/>
-              </a:ext>
-            </a:extLst>
-          </p:cNvPr>
-          <p:cNvSpPr/>
-          <p:nvPr/>
-        </p:nvSpPr>
-        <p:spPr>
-          <a:xfrm>
-            <a:off x="2834439" y="1502280"/>
-            <a:ext cx="2006599" cy="358930"/>
-          </a:xfrm>
-          <a:prstGeom prst="wedgeRectCallout">
-            <a:avLst>
-              <a:gd name="adj1" fmla="val -61458"/>
-              <a:gd name="adj2" fmla="val 45904"/>
-            </a:avLst>
-          </a:prstGeom>
-          <a:solidFill>
-            <a:schemeClr val="accent1">
-              <a:lumMod val="40000"/>
-              <a:lumOff val="60000"/>
-            </a:schemeClr>
-          </a:solidFill>
-        </p:spPr>
-        <p:style>
-          <a:lnRef idx="2">
-            <a:schemeClr val="accent6"/>
-          </a:lnRef>
-          <a:fillRef idx="1">
-            <a:schemeClr val="lt1"/>
-          </a:fillRef>
-          <a:effectRef idx="0">
-            <a:schemeClr val="accent6"/>
-          </a:effectRef>
-          <a:fontRef idx="minor">
-            <a:schemeClr val="dk1"/>
-          </a:fontRef>
-        </p:style>
-        <p:txBody>
-          <a:bodyPr rtlCol="0" anchor="ctr"/>
-          <a:lstStyle/>
-          <a:p>
-            <a:pPr algn="ctr"/>
-            <a:r>
-              <a:rPr kumimoji="1" lang="ja-JP" altLang="en-US" sz="1400" dirty="0"/>
-              <a:t>二回行う。</a:t>
-            </a:r>
-            <a:endParaRPr kumimoji="1" lang="en-US" altLang="ja-JP" sz="1400" dirty="0"/>
-          </a:p>
-        </p:txBody>
-      </p:sp>
-      <p:sp>
-        <p:nvSpPr>
-          <p:cNvPr id="44" name="フローチャート: 定義済み処理 43">
-            <a:extLst>
-              <a:ext uri="{FF2B5EF4-FFF2-40B4-BE49-F238E27FC236}">
-                <a16:creationId xmlns:a16="http://schemas.microsoft.com/office/drawing/2014/main" id="{6A9B18D1-566C-4245-96E1-B092E3B5190F}"/>
-              </a:ext>
-            </a:extLst>
-          </p:cNvPr>
-          <p:cNvSpPr/>
-          <p:nvPr/>
-        </p:nvSpPr>
-        <p:spPr>
-          <a:xfrm>
-            <a:off x="695522" y="885363"/>
-            <a:ext cx="2006600" cy="265213"/>
-          </a:xfrm>
-          <a:prstGeom prst="flowChartPredefinedProcess">
-            <a:avLst/>
-          </a:prstGeom>
-        </p:spPr>
-        <p:style>
-          <a:lnRef idx="2">
-            <a:schemeClr val="accent6"/>
-          </a:lnRef>
-          <a:fillRef idx="1">
-            <a:schemeClr val="lt1"/>
-          </a:fillRef>
-          <a:effectRef idx="0">
-            <a:schemeClr val="accent6"/>
-          </a:effectRef>
-          <a:fontRef idx="minor">
-            <a:schemeClr val="dk1"/>
-          </a:fontRef>
-        </p:style>
-        <p:txBody>
-          <a:bodyPr rtlCol="0" anchor="ctr"/>
-          <a:lstStyle/>
-          <a:p>
-            <a:pPr algn="ctr"/>
-            <a:r>
-              <a:rPr kumimoji="1" lang="ja-JP" altLang="en-US" sz="1200" dirty="0"/>
-              <a:t>山札をシャッフル</a:t>
-            </a:r>
-          </a:p>
-        </p:txBody>
-      </p:sp>
-      <p:sp>
-        <p:nvSpPr>
-          <p:cNvPr id="16" name="吹き出し: 四角形 15">
-            <a:extLst>
-              <a:ext uri="{FF2B5EF4-FFF2-40B4-BE49-F238E27FC236}">
-                <a16:creationId xmlns:a16="http://schemas.microsoft.com/office/drawing/2014/main" id="{FA219064-0E26-4318-9E7C-EA81EDAF34FE}"/>
-              </a:ext>
-            </a:extLst>
-          </p:cNvPr>
-          <p:cNvSpPr/>
-          <p:nvPr/>
-        </p:nvSpPr>
-        <p:spPr>
-          <a:xfrm>
-            <a:off x="2834438" y="1107929"/>
-            <a:ext cx="2006599" cy="358930"/>
-          </a:xfrm>
-          <a:prstGeom prst="wedgeRectCallout">
-            <a:avLst>
-              <a:gd name="adj1" fmla="val -61458"/>
-              <a:gd name="adj2" fmla="val 45904"/>
-            </a:avLst>
-          </a:prstGeom>
-          <a:solidFill>
-            <a:schemeClr val="accent1">
-              <a:lumMod val="40000"/>
-              <a:lumOff val="60000"/>
-            </a:schemeClr>
-          </a:solidFill>
-        </p:spPr>
-        <p:style>
-          <a:lnRef idx="2">
-            <a:schemeClr val="accent6"/>
-          </a:lnRef>
-          <a:fillRef idx="1">
-            <a:schemeClr val="lt1"/>
-          </a:fillRef>
-          <a:effectRef idx="0">
-            <a:schemeClr val="accent6"/>
-          </a:effectRef>
-          <a:fontRef idx="minor">
-            <a:schemeClr val="dk1"/>
-          </a:fontRef>
-        </p:style>
-        <p:txBody>
-          <a:bodyPr rtlCol="0" anchor="ctr"/>
-          <a:lstStyle/>
-          <a:p>
-            <a:pPr algn="ctr"/>
-            <a:r>
-              <a:rPr kumimoji="1" lang="ja-JP" altLang="en-US" sz="1400" dirty="0"/>
-              <a:t>二回行う。</a:t>
-            </a:r>
-            <a:endParaRPr kumimoji="1" lang="en-US" altLang="ja-JP" sz="1400" dirty="0"/>
-          </a:p>
-        </p:txBody>
-      </p:sp>
-      <p:sp>
-        <p:nvSpPr>
-          <p:cNvPr id="3" name="フローチャート: データ 2">
-            <a:extLst>
-              <a:ext uri="{FF2B5EF4-FFF2-40B4-BE49-F238E27FC236}">
-                <a16:creationId xmlns:a16="http://schemas.microsoft.com/office/drawing/2014/main" id="{D012A09E-F4C7-490A-9A08-82F080662E5C}"/>
-              </a:ext>
-            </a:extLst>
-          </p:cNvPr>
-          <p:cNvSpPr/>
-          <p:nvPr/>
-        </p:nvSpPr>
-        <p:spPr>
-          <a:xfrm>
-            <a:off x="449361" y="2070424"/>
-            <a:ext cx="2498922" cy="428997"/>
-          </a:xfrm>
-          <a:prstGeom prst="flowChartInputOutput">
-            <a:avLst/>
-          </a:prstGeom>
-        </p:spPr>
-        <p:style>
-          <a:lnRef idx="2">
-            <a:schemeClr val="accent1"/>
-          </a:lnRef>
-          <a:fillRef idx="1">
-            <a:schemeClr val="lt1"/>
-          </a:fillRef>
-          <a:effectRef idx="0">
-            <a:schemeClr val="accent1"/>
-          </a:effectRef>
-          <a:fontRef idx="minor">
-            <a:schemeClr val="dk1"/>
-          </a:fontRef>
-        </p:style>
-        <p:txBody>
-          <a:bodyPr rtlCol="0" anchor="ctr"/>
-          <a:lstStyle/>
-          <a:p>
-            <a:pPr algn="ctr"/>
-            <a:r>
-              <a:rPr kumimoji="1" lang="ja-JP" altLang="en-US" sz="1200" dirty="0"/>
-              <a:t>ディーラーが引いたカードを表示</a:t>
-            </a:r>
-            <a:endParaRPr kumimoji="1" lang="en-US" altLang="ja-JP" sz="1200" dirty="0"/>
-          </a:p>
-        </p:txBody>
-      </p:sp>
-      <p:sp>
-        <p:nvSpPr>
-          <p:cNvPr id="37" name="フローチャート: データ 36">
-            <a:extLst>
-              <a:ext uri="{FF2B5EF4-FFF2-40B4-BE49-F238E27FC236}">
-                <a16:creationId xmlns:a16="http://schemas.microsoft.com/office/drawing/2014/main" id="{BD13CC76-EFC4-4E37-A73F-E644716DE100}"/>
-              </a:ext>
-            </a:extLst>
-          </p:cNvPr>
-          <p:cNvSpPr/>
-          <p:nvPr/>
-        </p:nvSpPr>
-        <p:spPr>
-          <a:xfrm>
-            <a:off x="435167" y="2687886"/>
-            <a:ext cx="2498922" cy="428997"/>
-          </a:xfrm>
-          <a:prstGeom prst="flowChartInputOutput">
-            <a:avLst/>
-          </a:prstGeom>
-        </p:spPr>
-        <p:style>
-          <a:lnRef idx="2">
-            <a:schemeClr val="accent1"/>
-          </a:lnRef>
-          <a:fillRef idx="1">
-            <a:schemeClr val="lt1"/>
-          </a:fillRef>
-          <a:effectRef idx="0">
-            <a:schemeClr val="accent1"/>
-          </a:effectRef>
-          <a:fontRef idx="minor">
-            <a:schemeClr val="dk1"/>
-          </a:fontRef>
-        </p:style>
-        <p:txBody>
-          <a:bodyPr rtlCol="0" anchor="ctr"/>
-          <a:lstStyle/>
-          <a:p>
-            <a:pPr algn="ctr"/>
-            <a:r>
-              <a:rPr kumimoji="1" lang="ja-JP" altLang="en-US" sz="1200" dirty="0"/>
-              <a:t>プレイヤーが引いたカードを表示</a:t>
-            </a:r>
-            <a:endParaRPr kumimoji="1" lang="en-US" altLang="ja-JP" sz="1200" dirty="0"/>
-          </a:p>
-        </p:txBody>
-      </p:sp>
-      <p:sp>
-        <p:nvSpPr>
-          <p:cNvPr id="47" name="吹き出し: 四角形 46">
-            <a:extLst>
-              <a:ext uri="{FF2B5EF4-FFF2-40B4-BE49-F238E27FC236}">
-                <a16:creationId xmlns:a16="http://schemas.microsoft.com/office/drawing/2014/main" id="{BBBA37C9-2FD7-426C-82E5-9ED229600FB3}"/>
-              </a:ext>
-            </a:extLst>
-          </p:cNvPr>
-          <p:cNvSpPr/>
-          <p:nvPr/>
-        </p:nvSpPr>
-        <p:spPr>
-          <a:xfrm>
-            <a:off x="2903118" y="2281905"/>
-            <a:ext cx="2640432" cy="468527"/>
-          </a:xfrm>
-          <a:prstGeom prst="wedgeRectCallout">
-            <a:avLst>
-              <a:gd name="adj1" fmla="val -70002"/>
-              <a:gd name="adj2" fmla="val -46976"/>
-            </a:avLst>
-          </a:prstGeom>
-          <a:solidFill>
-            <a:schemeClr val="accent1">
-              <a:lumMod val="40000"/>
-              <a:lumOff val="60000"/>
-            </a:schemeClr>
-          </a:solidFill>
-        </p:spPr>
-        <p:style>
-          <a:lnRef idx="2">
-            <a:schemeClr val="accent6"/>
-          </a:lnRef>
-          <a:fillRef idx="1">
-            <a:schemeClr val="lt1"/>
-          </a:fillRef>
-          <a:effectRef idx="0">
-            <a:schemeClr val="accent6"/>
-          </a:effectRef>
-          <a:fontRef idx="minor">
-            <a:schemeClr val="dk1"/>
-          </a:fontRef>
-        </p:style>
-        <p:txBody>
-          <a:bodyPr rtlCol="0" anchor="ctr"/>
-          <a:lstStyle/>
-          <a:p>
-            <a:pPr algn="ctr"/>
-            <a:r>
-              <a:rPr kumimoji="1" lang="ja-JP" altLang="en-US" sz="1400" dirty="0"/>
-              <a:t>一枚目に引いたカードのみ表示</a:t>
-            </a:r>
-            <a:endParaRPr kumimoji="1" lang="en-US" altLang="ja-JP" sz="1400" dirty="0"/>
-          </a:p>
-        </p:txBody>
-      </p:sp>
-      <p:sp>
-        <p:nvSpPr>
-          <p:cNvPr id="48" name="吹き出し: 四角形 47">
-            <a:extLst>
-              <a:ext uri="{FF2B5EF4-FFF2-40B4-BE49-F238E27FC236}">
-                <a16:creationId xmlns:a16="http://schemas.microsoft.com/office/drawing/2014/main" id="{8C440D1C-F8F8-43FC-BD14-6DB2BECE93B7}"/>
-              </a:ext>
-            </a:extLst>
-          </p:cNvPr>
-          <p:cNvSpPr/>
-          <p:nvPr/>
-        </p:nvSpPr>
-        <p:spPr>
-          <a:xfrm>
-            <a:off x="2834438" y="2942931"/>
-            <a:ext cx="2640432" cy="468527"/>
-          </a:xfrm>
-          <a:prstGeom prst="wedgeRectCallout">
-            <a:avLst>
-              <a:gd name="adj1" fmla="val -70002"/>
-              <a:gd name="adj2" fmla="val -46976"/>
-            </a:avLst>
-          </a:prstGeom>
-          <a:solidFill>
-            <a:schemeClr val="accent1">
-              <a:lumMod val="40000"/>
-              <a:lumOff val="60000"/>
-            </a:schemeClr>
-          </a:solidFill>
-        </p:spPr>
-        <p:style>
-          <a:lnRef idx="2">
-            <a:schemeClr val="accent6"/>
-          </a:lnRef>
-          <a:fillRef idx="1">
-            <a:schemeClr val="lt1"/>
-          </a:fillRef>
-          <a:effectRef idx="0">
-            <a:schemeClr val="accent6"/>
-          </a:effectRef>
-          <a:fontRef idx="minor">
-            <a:schemeClr val="dk1"/>
-          </a:fontRef>
-        </p:style>
-        <p:txBody>
-          <a:bodyPr rtlCol="0" anchor="ctr"/>
-          <a:lstStyle/>
-          <a:p>
-            <a:pPr algn="ctr"/>
-            <a:r>
-              <a:rPr kumimoji="1" lang="ja-JP" altLang="en-US" sz="1400" dirty="0"/>
-              <a:t>引いたカード二枚とも表示</a:t>
-            </a:r>
-            <a:endParaRPr kumimoji="1" lang="en-US" altLang="ja-JP" sz="1400" dirty="0"/>
-          </a:p>
-        </p:txBody>
-      </p:sp>
-      <p:sp>
-        <p:nvSpPr>
-          <p:cNvPr id="49" name="フローチャート: データ 48">
-            <a:extLst>
-              <a:ext uri="{FF2B5EF4-FFF2-40B4-BE49-F238E27FC236}">
-                <a16:creationId xmlns:a16="http://schemas.microsoft.com/office/drawing/2014/main" id="{C9BB7A1D-247A-4377-A94F-AAFF9A0FF6C3}"/>
-              </a:ext>
-            </a:extLst>
-          </p:cNvPr>
-          <p:cNvSpPr/>
-          <p:nvPr/>
-        </p:nvSpPr>
-        <p:spPr>
-          <a:xfrm>
-            <a:off x="449361" y="5034098"/>
-            <a:ext cx="2498922" cy="428997"/>
-          </a:xfrm>
-          <a:prstGeom prst="flowChartInputOutput">
-            <a:avLst/>
-          </a:prstGeom>
-        </p:spPr>
-        <p:style>
-          <a:lnRef idx="2">
-            <a:schemeClr val="accent1"/>
-          </a:lnRef>
-          <a:fillRef idx="1">
-            <a:schemeClr val="lt1"/>
-          </a:fillRef>
-          <a:effectRef idx="0">
-            <a:schemeClr val="accent1"/>
-          </a:effectRef>
-          <a:fontRef idx="minor">
-            <a:schemeClr val="dk1"/>
-          </a:fontRef>
-        </p:style>
-        <p:txBody>
-          <a:bodyPr rtlCol="0" anchor="ctr"/>
-          <a:lstStyle/>
-          <a:p>
-            <a:pPr algn="ctr"/>
-            <a:r>
-              <a:rPr kumimoji="1" lang="ja-JP" altLang="en-US" sz="1200" dirty="0"/>
-              <a:t>プレイヤーがカードを追加するか質問</a:t>
-            </a:r>
-            <a:endParaRPr kumimoji="1" lang="en-US" altLang="ja-JP" sz="1200" dirty="0"/>
-          </a:p>
-        </p:txBody>
-      </p:sp>
-      <p:sp>
-        <p:nvSpPr>
-          <p:cNvPr id="15" name="テキスト ボックス 14">
-            <a:extLst>
-              <a:ext uri="{FF2B5EF4-FFF2-40B4-BE49-F238E27FC236}">
-                <a16:creationId xmlns:a16="http://schemas.microsoft.com/office/drawing/2014/main" id="{91336D4E-346B-4E48-A61B-5EDBE62E74EF}"/>
-              </a:ext>
-            </a:extLst>
-          </p:cNvPr>
-          <p:cNvSpPr txBox="1"/>
-          <p:nvPr/>
-        </p:nvSpPr>
-        <p:spPr>
-          <a:xfrm>
-            <a:off x="6101182" y="2302957"/>
-            <a:ext cx="2929007" cy="2308324"/>
-          </a:xfrm>
-          <a:prstGeom prst="rect">
-            <a:avLst/>
-          </a:prstGeom>
-          <a:noFill/>
-        </p:spPr>
-        <p:txBody>
-          <a:bodyPr wrap="none" rtlCol="0">
-            <a:spAutoFit/>
-          </a:bodyPr>
-          <a:lstStyle/>
-          <a:p>
-            <a:r>
-              <a:rPr kumimoji="1" lang="ja-JP" altLang="en-US" dirty="0"/>
-              <a:t>表示例</a:t>
-            </a:r>
-            <a:r>
-              <a:rPr kumimoji="1" lang="en-US" altLang="ja-JP" dirty="0"/>
-              <a:t>)</a:t>
-            </a:r>
-          </a:p>
-          <a:p>
-            <a:r>
-              <a:rPr kumimoji="1" lang="ja-JP" altLang="en-US" dirty="0"/>
-              <a:t>ディーラー </a:t>
-            </a:r>
-            <a:r>
-              <a:rPr kumimoji="1" lang="en-US" altLang="ja-JP" dirty="0"/>
-              <a:t>: </a:t>
-            </a:r>
-            <a:r>
-              <a:rPr kumimoji="1" lang="ja-JP" altLang="en-US" dirty="0"/>
-              <a:t>ハートの</a:t>
-            </a:r>
-            <a:r>
-              <a:rPr kumimoji="1" lang="en-US" altLang="ja-JP" dirty="0"/>
-              <a:t>3</a:t>
-            </a:r>
-          </a:p>
-          <a:p>
-            <a:r>
-              <a:rPr kumimoji="1" lang="ja-JP" altLang="en-US" dirty="0"/>
-              <a:t>プレイヤー</a:t>
-            </a:r>
-            <a:r>
-              <a:rPr kumimoji="1" lang="en-US" altLang="ja-JP" dirty="0"/>
-              <a:t>: </a:t>
-            </a:r>
-            <a:r>
-              <a:rPr kumimoji="1" lang="ja-JP" altLang="en-US" dirty="0"/>
-              <a:t>クラブの</a:t>
-            </a:r>
-            <a:r>
-              <a:rPr kumimoji="1" lang="en-US" altLang="ja-JP" dirty="0"/>
-              <a:t>11</a:t>
-            </a:r>
-          </a:p>
-          <a:p>
-            <a:r>
-              <a:rPr kumimoji="1" lang="ja-JP" altLang="en-US" dirty="0"/>
-              <a:t>プレイヤー</a:t>
-            </a:r>
-            <a:r>
-              <a:rPr kumimoji="1" lang="en-US" altLang="ja-JP" dirty="0"/>
-              <a:t>: </a:t>
-            </a:r>
-            <a:r>
-              <a:rPr kumimoji="1" lang="ja-JP" altLang="en-US" dirty="0"/>
-              <a:t>スペードの</a:t>
-            </a:r>
-            <a:r>
-              <a:rPr kumimoji="1" lang="en-US" altLang="ja-JP" dirty="0"/>
-              <a:t>2</a:t>
-            </a:r>
-          </a:p>
-          <a:p>
-            <a:endParaRPr kumimoji="1" lang="en-US" altLang="ja-JP" dirty="0"/>
-          </a:p>
-          <a:p>
-            <a:r>
-              <a:rPr kumimoji="1" lang="ja-JP" altLang="en-US" dirty="0"/>
-              <a:t>プレイヤー合計 </a:t>
-            </a:r>
-            <a:r>
-              <a:rPr kumimoji="1" lang="en-US" altLang="ja-JP" dirty="0"/>
-              <a:t>: 12</a:t>
-            </a:r>
-          </a:p>
-          <a:p>
-            <a:r>
-              <a:rPr kumimoji="1" lang="en-US" altLang="ja-JP" dirty="0"/>
-              <a:t> </a:t>
-            </a:r>
-          </a:p>
-          <a:p>
-            <a:r>
-              <a:rPr kumimoji="1" lang="ja-JP" altLang="en-US" dirty="0"/>
-              <a:t>カードを追加しますか？</a:t>
-            </a:r>
-            <a:r>
-              <a:rPr kumimoji="1" lang="en-US" altLang="ja-JP" dirty="0"/>
-              <a:t>: y/N</a:t>
-            </a:r>
-          </a:p>
-        </p:txBody>
-      </p:sp>
-      <p:sp>
-        <p:nvSpPr>
-          <p:cNvPr id="50" name="フローチャート: データ 49">
-            <a:extLst>
-              <a:ext uri="{FF2B5EF4-FFF2-40B4-BE49-F238E27FC236}">
-                <a16:creationId xmlns:a16="http://schemas.microsoft.com/office/drawing/2014/main" id="{103BCDAB-BC36-4459-B100-D396F4B816E2}"/>
-              </a:ext>
-            </a:extLst>
-          </p:cNvPr>
-          <p:cNvSpPr/>
-          <p:nvPr/>
-        </p:nvSpPr>
-        <p:spPr>
-          <a:xfrm>
-            <a:off x="404196" y="5591885"/>
-            <a:ext cx="2498922" cy="428997"/>
-          </a:xfrm>
-          <a:prstGeom prst="flowChartInputOutput">
-            <a:avLst/>
-          </a:prstGeom>
-        </p:spPr>
-        <p:style>
-          <a:lnRef idx="2">
-            <a:schemeClr val="accent1"/>
-          </a:lnRef>
-          <a:fillRef idx="1">
-            <a:schemeClr val="lt1"/>
-          </a:fillRef>
-          <a:effectRef idx="0">
-            <a:schemeClr val="accent1"/>
-          </a:effectRef>
-          <a:fontRef idx="minor">
-            <a:schemeClr val="dk1"/>
-          </a:fontRef>
-        </p:style>
-        <p:txBody>
-          <a:bodyPr rtlCol="0" anchor="ctr"/>
-          <a:lstStyle/>
-          <a:p>
-            <a:pPr algn="ctr"/>
-            <a:r>
-              <a:rPr kumimoji="1" lang="ja-JP" altLang="en-US" sz="1200" dirty="0"/>
-              <a:t>プレイヤーの入力</a:t>
-            </a:r>
-            <a:endParaRPr kumimoji="1" lang="en-US" altLang="ja-JP" sz="1200" dirty="0"/>
-          </a:p>
-        </p:txBody>
-      </p:sp>
-      <p:sp>
-        <p:nvSpPr>
-          <p:cNvPr id="51" name="吹き出し: 四角形 50">
-            <a:extLst>
-              <a:ext uri="{FF2B5EF4-FFF2-40B4-BE49-F238E27FC236}">
-                <a16:creationId xmlns:a16="http://schemas.microsoft.com/office/drawing/2014/main" id="{DBB55655-4396-4981-9E08-CFD273B7F35F}"/>
-              </a:ext>
-            </a:extLst>
-          </p:cNvPr>
-          <p:cNvSpPr/>
-          <p:nvPr/>
-        </p:nvSpPr>
-        <p:spPr>
-          <a:xfrm>
-            <a:off x="2670757" y="5907883"/>
-            <a:ext cx="2640432" cy="753676"/>
-          </a:xfrm>
-          <a:prstGeom prst="wedgeRectCallout">
-            <a:avLst>
-              <a:gd name="adj1" fmla="val -71325"/>
-              <a:gd name="adj2" fmla="val -47644"/>
-            </a:avLst>
-          </a:prstGeom>
-          <a:solidFill>
-            <a:schemeClr val="accent1">
-              <a:lumMod val="40000"/>
-              <a:lumOff val="60000"/>
-            </a:schemeClr>
-          </a:solidFill>
-        </p:spPr>
-        <p:style>
-          <a:lnRef idx="2">
-            <a:schemeClr val="accent6"/>
-          </a:lnRef>
-          <a:fillRef idx="1">
-            <a:schemeClr val="lt1"/>
-          </a:fillRef>
-          <a:effectRef idx="0">
-            <a:schemeClr val="accent6"/>
-          </a:effectRef>
-          <a:fontRef idx="minor">
-            <a:schemeClr val="dk1"/>
-          </a:fontRef>
-        </p:style>
-        <p:txBody>
-          <a:bodyPr rtlCol="0" anchor="ctr"/>
-          <a:lstStyle/>
-          <a:p>
-            <a:pPr algn="ctr"/>
-            <a:r>
-              <a:rPr kumimoji="1" lang="ja-JP" altLang="en-US" sz="1400" dirty="0"/>
-              <a:t>入力は</a:t>
-            </a:r>
-            <a:r>
-              <a:rPr kumimoji="1" lang="en-US" altLang="ja-JP" sz="1400" dirty="0"/>
-              <a:t>”y”</a:t>
-            </a:r>
-            <a:r>
-              <a:rPr kumimoji="1" lang="ja-JP" altLang="en-US" sz="1400" dirty="0"/>
-              <a:t>か</a:t>
-            </a:r>
-            <a:r>
-              <a:rPr kumimoji="1" lang="en-US" altLang="ja-JP" sz="1400" dirty="0"/>
-              <a:t>”N”</a:t>
-            </a:r>
-            <a:r>
-              <a:rPr kumimoji="1" lang="ja-JP" altLang="en-US" sz="1400" dirty="0"/>
-              <a:t>で行う</a:t>
-            </a:r>
-            <a:endParaRPr kumimoji="1" lang="en-US" altLang="ja-JP" sz="1400" dirty="0"/>
-          </a:p>
-          <a:p>
-            <a:pPr algn="ctr"/>
-            <a:r>
-              <a:rPr kumimoji="1" lang="en-US" altLang="ja-JP" sz="1400" dirty="0"/>
-              <a:t>y : </a:t>
-            </a:r>
-            <a:r>
-              <a:rPr kumimoji="1" lang="ja-JP" altLang="en-US" sz="1400" dirty="0"/>
-              <a:t>カードを追加</a:t>
-            </a:r>
-            <a:endParaRPr kumimoji="1" lang="en-US" altLang="ja-JP" sz="1400" dirty="0"/>
-          </a:p>
-          <a:p>
-            <a:pPr algn="ctr"/>
-            <a:r>
-              <a:rPr kumimoji="1" lang="en-US" altLang="ja-JP" sz="1400" dirty="0"/>
-              <a:t>N : </a:t>
-            </a:r>
-            <a:r>
-              <a:rPr kumimoji="1" lang="ja-JP" altLang="en-US" sz="1400" dirty="0"/>
-              <a:t>追加しない</a:t>
-            </a:r>
-            <a:endParaRPr kumimoji="1" lang="en-US" altLang="ja-JP" sz="1400" dirty="0"/>
-          </a:p>
-        </p:txBody>
-      </p:sp>
-      <p:sp>
-        <p:nvSpPr>
-          <p:cNvPr id="20" name="フローチャート: 判断 19">
-            <a:extLst>
-              <a:ext uri="{FF2B5EF4-FFF2-40B4-BE49-F238E27FC236}">
-                <a16:creationId xmlns:a16="http://schemas.microsoft.com/office/drawing/2014/main" id="{4130F030-8D78-4F8F-AC8E-098188874DA9}"/>
-              </a:ext>
-            </a:extLst>
-          </p:cNvPr>
-          <p:cNvSpPr/>
-          <p:nvPr/>
-        </p:nvSpPr>
-        <p:spPr>
-          <a:xfrm>
-            <a:off x="129284" y="3363022"/>
-            <a:ext cx="3139076" cy="664972"/>
-          </a:xfrm>
-          <a:prstGeom prst="flowChartDecision">
-            <a:avLst/>
-          </a:prstGeom>
-        </p:spPr>
-        <p:style>
-          <a:lnRef idx="2">
-            <a:schemeClr val="accent6"/>
-          </a:lnRef>
-          <a:fillRef idx="1">
-            <a:schemeClr val="lt1"/>
-          </a:fillRef>
-          <a:effectRef idx="0">
-            <a:schemeClr val="accent6"/>
-          </a:effectRef>
-          <a:fontRef idx="minor">
-            <a:schemeClr val="dk1"/>
-          </a:fontRef>
-        </p:style>
-        <p:txBody>
-          <a:bodyPr rtlCol="0" anchor="ctr"/>
-          <a:lstStyle/>
-          <a:p>
-            <a:pPr algn="ctr"/>
-            <a:r>
-              <a:rPr kumimoji="1" lang="ja-JP" altLang="en-US" sz="1200" dirty="0"/>
-              <a:t>プレイヤーの合計点が</a:t>
-            </a:r>
-            <a:r>
-              <a:rPr kumimoji="1" lang="en-US" altLang="ja-JP" sz="1200" dirty="0"/>
-              <a:t>21</a:t>
-            </a:r>
-            <a:r>
-              <a:rPr kumimoji="1" lang="ja-JP" altLang="en-US" sz="1200" dirty="0"/>
-              <a:t>点</a:t>
-            </a:r>
-            <a:endParaRPr kumimoji="1" lang="en-US" altLang="ja-JP" sz="1200" dirty="0"/>
-          </a:p>
-        </p:txBody>
-      </p:sp>
-      <p:sp>
-        <p:nvSpPr>
-          <p:cNvPr id="21" name="テキスト ボックス 20">
-            <a:extLst>
-              <a:ext uri="{FF2B5EF4-FFF2-40B4-BE49-F238E27FC236}">
-                <a16:creationId xmlns:a16="http://schemas.microsoft.com/office/drawing/2014/main" id="{B4014C7E-CC2E-4921-B0B7-517B6DC22905}"/>
-              </a:ext>
-            </a:extLst>
-          </p:cNvPr>
-          <p:cNvSpPr txBox="1"/>
-          <p:nvPr/>
-        </p:nvSpPr>
-        <p:spPr>
-          <a:xfrm>
-            <a:off x="3121525" y="3408121"/>
-            <a:ext cx="293670" cy="369332"/>
-          </a:xfrm>
-          <a:prstGeom prst="rect">
-            <a:avLst/>
-          </a:prstGeom>
-          <a:noFill/>
-        </p:spPr>
-        <p:txBody>
-          <a:bodyPr wrap="none" rtlCol="0">
-            <a:spAutoFit/>
-          </a:bodyPr>
-          <a:lstStyle/>
-          <a:p>
-            <a:r>
-              <a:rPr kumimoji="1" lang="en-US" altLang="ja-JP" dirty="0"/>
-              <a:t>Y</a:t>
-            </a:r>
-            <a:endParaRPr kumimoji="1" lang="ja-JP" altLang="en-US" dirty="0"/>
-          </a:p>
-        </p:txBody>
-      </p:sp>
-      <p:sp>
-        <p:nvSpPr>
-          <p:cNvPr id="22" name="テキスト ボックス 21">
-            <a:extLst>
-              <a:ext uri="{FF2B5EF4-FFF2-40B4-BE49-F238E27FC236}">
-                <a16:creationId xmlns:a16="http://schemas.microsoft.com/office/drawing/2014/main" id="{45A6632A-C841-47E7-9482-79D027A9EA68}"/>
-              </a:ext>
-            </a:extLst>
-          </p:cNvPr>
-          <p:cNvSpPr txBox="1"/>
-          <p:nvPr/>
-        </p:nvSpPr>
-        <p:spPr>
-          <a:xfrm>
-            <a:off x="1640719" y="3904801"/>
-            <a:ext cx="293670" cy="369332"/>
-          </a:xfrm>
-          <a:prstGeom prst="rect">
-            <a:avLst/>
-          </a:prstGeom>
-          <a:noFill/>
-        </p:spPr>
-        <p:txBody>
-          <a:bodyPr wrap="square" rtlCol="0">
-            <a:spAutoFit/>
-          </a:bodyPr>
-          <a:lstStyle/>
-          <a:p>
-            <a:r>
-              <a:rPr kumimoji="1" lang="en-US" altLang="ja-JP" dirty="0"/>
-              <a:t>N</a:t>
-            </a:r>
-          </a:p>
-        </p:txBody>
-      </p:sp>
-      <p:cxnSp>
-        <p:nvCxnSpPr>
-          <p:cNvPr id="23" name="コネクタ: カギ線 22">
-            <a:extLst>
-              <a:ext uri="{FF2B5EF4-FFF2-40B4-BE49-F238E27FC236}">
-                <a16:creationId xmlns:a16="http://schemas.microsoft.com/office/drawing/2014/main" id="{EDF8F05E-2ED9-4A45-B86D-E44E9559CD63}"/>
-              </a:ext>
-            </a:extLst>
-          </p:cNvPr>
-          <p:cNvCxnSpPr>
-            <a:cxnSpLocks/>
-            <a:stCxn id="20" idx="3"/>
-          </p:cNvCxnSpPr>
-          <p:nvPr/>
-        </p:nvCxnSpPr>
-        <p:spPr>
-          <a:xfrm>
-            <a:off x="3268360" y="3695508"/>
-            <a:ext cx="973399" cy="1631181"/>
-          </a:xfrm>
-          <a:prstGeom prst="bentConnector2">
-            <a:avLst/>
-          </a:prstGeom>
-          <a:ln>
-            <a:tailEnd type="triangle"/>
-          </a:ln>
-        </p:spPr>
-        <p:style>
-          <a:lnRef idx="1">
-            <a:schemeClr val="accent1"/>
-          </a:lnRef>
-          <a:fillRef idx="0">
-            <a:schemeClr val="accent1"/>
-          </a:fillRef>
-          <a:effectRef idx="0">
-            <a:schemeClr val="accent1"/>
-          </a:effectRef>
-          <a:fontRef idx="minor">
-            <a:schemeClr val="tx1"/>
-          </a:fontRef>
-        </p:style>
-      </p:cxnSp>
-      <p:sp>
-        <p:nvSpPr>
-          <p:cNvPr id="34" name="フローチャート: 結合子 33">
-            <a:extLst>
-              <a:ext uri="{FF2B5EF4-FFF2-40B4-BE49-F238E27FC236}">
-                <a16:creationId xmlns:a16="http://schemas.microsoft.com/office/drawing/2014/main" id="{6FEBAFB6-8475-40D4-836C-F263137ACEA7}"/>
-              </a:ext>
-            </a:extLst>
-          </p:cNvPr>
-          <p:cNvSpPr/>
-          <p:nvPr/>
-        </p:nvSpPr>
-        <p:spPr>
-          <a:xfrm>
-            <a:off x="1490292" y="6284228"/>
-            <a:ext cx="324000" cy="324000"/>
-          </a:xfrm>
-          <a:prstGeom prst="flowChartConnector">
-            <a:avLst/>
-          </a:prstGeom>
-        </p:spPr>
-        <p:style>
-          <a:lnRef idx="2">
-            <a:schemeClr val="accent1">
-              <a:shade val="50000"/>
-            </a:schemeClr>
-          </a:lnRef>
-          <a:fillRef idx="1">
-            <a:schemeClr val="accent1"/>
-          </a:fillRef>
-          <a:effectRef idx="0">
-            <a:schemeClr val="accent1"/>
-          </a:effectRef>
-          <a:fontRef idx="minor">
-            <a:schemeClr val="lt1"/>
-          </a:fontRef>
-        </p:style>
-        <p:txBody>
-          <a:bodyPr rtlCol="0" anchor="ctr"/>
-          <a:lstStyle/>
-          <a:p>
-            <a:pPr algn="ctr"/>
-            <a:r>
-              <a:rPr kumimoji="1" lang="en-US" altLang="ja-JP" dirty="0"/>
-              <a:t>A</a:t>
-            </a:r>
-            <a:endParaRPr kumimoji="1" lang="ja-JP" altLang="en-US" dirty="0"/>
-          </a:p>
-        </p:txBody>
-      </p:sp>
-      <p:sp>
-        <p:nvSpPr>
-          <p:cNvPr id="35" name="タイトル 1">
-            <a:extLst>
-              <a:ext uri="{FF2B5EF4-FFF2-40B4-BE49-F238E27FC236}">
-                <a16:creationId xmlns:a16="http://schemas.microsoft.com/office/drawing/2014/main" id="{2D070205-28A7-49DC-B86D-288CC640B9EE}"/>
-              </a:ext>
-            </a:extLst>
-          </p:cNvPr>
-          <p:cNvSpPr txBox="1">
-            <a:spLocks/>
-          </p:cNvSpPr>
-          <p:nvPr/>
-        </p:nvSpPr>
-        <p:spPr>
-          <a:xfrm>
-            <a:off x="2903118" y="180016"/>
-            <a:ext cx="10772775" cy="1658198"/>
-          </a:xfrm>
-          <a:prstGeom prst="rect">
-            <a:avLst/>
-          </a:prstGeom>
-        </p:spPr>
-        <p:txBody>
-          <a:bodyPr/>
-          <a:lstStyle>
-            <a:lvl1pPr algn="l" defTabSz="914400" rtl="0" eaLnBrk="1" latinLnBrk="0" hangingPunct="1">
-              <a:lnSpc>
-                <a:spcPct val="85000"/>
-              </a:lnSpc>
-              <a:spcBef>
-                <a:spcPct val="0"/>
-              </a:spcBef>
-              <a:buNone/>
-              <a:defRPr kumimoji="1" sz="5400" kern="1200" spc="-120" baseline="0">
-                <a:solidFill>
-                  <a:schemeClr val="accent1"/>
-                </a:solidFill>
-                <a:latin typeface="+mj-lt"/>
-                <a:ea typeface="+mj-ea"/>
-                <a:cs typeface="+mj-cs"/>
-              </a:defRPr>
-            </a:lvl1pPr>
-          </a:lstStyle>
           <a:p>
             <a:r>
               <a:rPr lang="ja-JP" altLang="en-US" dirty="0"/>
               <a:t>ゲームの流れ</a:t>
-            </a:r>
-            <a:r>
-              <a:rPr lang="en-US" altLang="ja-JP" dirty="0"/>
-              <a:t>1/3</a:t>
-            </a:r>
-            <a:endParaRPr lang="ja-JP" altLang="en-US" dirty="0"/>
-          </a:p>
-        </p:txBody>
-      </p:sp>
-      <p:sp>
-        <p:nvSpPr>
-          <p:cNvPr id="52" name="吹き出し: 四角形 51">
-            <a:extLst>
-              <a:ext uri="{FF2B5EF4-FFF2-40B4-BE49-F238E27FC236}">
-                <a16:creationId xmlns:a16="http://schemas.microsoft.com/office/drawing/2014/main" id="{D5DDC2BB-75B5-480F-B781-139CE25BD509}"/>
-              </a:ext>
-            </a:extLst>
-          </p:cNvPr>
-          <p:cNvSpPr/>
-          <p:nvPr/>
-        </p:nvSpPr>
-        <p:spPr>
-          <a:xfrm>
-            <a:off x="7346110" y="944151"/>
-            <a:ext cx="3550361" cy="1358806"/>
-          </a:xfrm>
-          <a:prstGeom prst="wedgeRectCallout">
-            <a:avLst>
-              <a:gd name="adj1" fmla="val -56062"/>
-              <a:gd name="adj2" fmla="val 71309"/>
-            </a:avLst>
-          </a:prstGeom>
-          <a:solidFill>
-            <a:schemeClr val="accent1">
-              <a:lumMod val="40000"/>
-              <a:lumOff val="60000"/>
-            </a:schemeClr>
-          </a:solidFill>
-        </p:spPr>
-        <p:style>
-          <a:lnRef idx="2">
-            <a:schemeClr val="accent6"/>
-          </a:lnRef>
-          <a:fillRef idx="1">
-            <a:schemeClr val="lt1"/>
-          </a:fillRef>
-          <a:effectRef idx="0">
-            <a:schemeClr val="accent6"/>
-          </a:effectRef>
-          <a:fontRef idx="minor">
-            <a:schemeClr val="dk1"/>
-          </a:fontRef>
-        </p:style>
-        <p:txBody>
-          <a:bodyPr rtlCol="0" anchor="ctr"/>
-          <a:lstStyle/>
-          <a:p>
-            <a:pPr algn="ctr"/>
-            <a:endParaRPr kumimoji="1" lang="en-US" altLang="ja-JP" sz="1400" dirty="0"/>
-          </a:p>
-          <a:p>
-            <a:pPr algn="ctr"/>
-            <a:r>
-              <a:rPr kumimoji="1" lang="ja-JP" altLang="en-US" sz="1400" dirty="0"/>
-              <a:t>　　　　　　　　　　ルートの場合は</a:t>
-            </a:r>
-            <a:endParaRPr kumimoji="1" lang="en-US" altLang="ja-JP" sz="1400" dirty="0"/>
-          </a:p>
-          <a:p>
-            <a:pPr algn="ctr"/>
-            <a:r>
-              <a:rPr kumimoji="1" lang="en-US" altLang="ja-JP" sz="1400" dirty="0"/>
-              <a:t>”</a:t>
-            </a:r>
-            <a:r>
-              <a:rPr kumimoji="1" lang="ja-JP" altLang="en-US" sz="1400" dirty="0"/>
-              <a:t>プレイヤー</a:t>
-            </a:r>
-            <a:r>
-              <a:rPr kumimoji="1" lang="en-US" altLang="ja-JP" sz="1400" dirty="0"/>
-              <a:t>: </a:t>
-            </a:r>
-            <a:r>
-              <a:rPr kumimoji="1" lang="ja-JP" altLang="en-US" sz="1400" dirty="0"/>
-              <a:t>スペードの</a:t>
-            </a:r>
-            <a:r>
-              <a:rPr kumimoji="1" lang="en-US" altLang="ja-JP" sz="1400" dirty="0"/>
-              <a:t>2”</a:t>
-            </a:r>
-          </a:p>
-          <a:p>
-            <a:pPr algn="ctr"/>
-            <a:r>
-              <a:rPr kumimoji="1" lang="ja-JP" altLang="en-US" sz="1400" dirty="0"/>
-              <a:t>の表示まで同様に行い、</a:t>
-            </a:r>
-            <a:endParaRPr kumimoji="1" lang="en-US" altLang="ja-JP" sz="1400" dirty="0"/>
-          </a:p>
-          <a:p>
-            <a:pPr algn="ctr"/>
-            <a:r>
-              <a:rPr kumimoji="1" lang="ja-JP" altLang="en-US" sz="1400" dirty="0"/>
-              <a:t>以降の表示は下記のみとなる</a:t>
-            </a:r>
-            <a:endParaRPr kumimoji="1" lang="en-US" altLang="ja-JP" sz="1400" dirty="0"/>
-          </a:p>
-          <a:p>
-            <a:pPr algn="ctr"/>
-            <a:r>
-              <a:rPr kumimoji="1" lang="en-US" altLang="ja-JP" sz="1400" dirty="0"/>
-              <a:t>“</a:t>
-            </a:r>
-            <a:r>
-              <a:rPr kumimoji="1" lang="ja-JP" altLang="en-US" sz="1400" dirty="0"/>
-              <a:t>ディーラー</a:t>
-            </a:r>
-            <a:r>
-              <a:rPr kumimoji="1" lang="en-US" altLang="ja-JP" sz="1400" dirty="0"/>
-              <a:t>2</a:t>
-            </a:r>
-            <a:r>
-              <a:rPr kumimoji="1" lang="ja-JP" altLang="en-US" sz="1400" dirty="0"/>
-              <a:t>枚目</a:t>
-            </a:r>
-            <a:r>
-              <a:rPr kumimoji="1" lang="en-US" altLang="ja-JP" sz="1400" dirty="0"/>
-              <a:t>:</a:t>
-            </a:r>
-            <a:r>
-              <a:rPr kumimoji="1" lang="ja-JP" altLang="en-US" sz="1400" dirty="0"/>
-              <a:t>ダイヤの</a:t>
-            </a:r>
-            <a:r>
-              <a:rPr kumimoji="1" lang="en-US" altLang="ja-JP" sz="1400" dirty="0"/>
-              <a:t>5”</a:t>
-            </a:r>
-          </a:p>
-        </p:txBody>
-      </p:sp>
-      <p:sp>
-        <p:nvSpPr>
-          <p:cNvPr id="53" name="フローチャート: データ 52">
-            <a:extLst>
-              <a:ext uri="{FF2B5EF4-FFF2-40B4-BE49-F238E27FC236}">
-                <a16:creationId xmlns:a16="http://schemas.microsoft.com/office/drawing/2014/main" id="{D05734EB-1CBA-4618-BBFA-5CB1A56E1B0E}"/>
-              </a:ext>
-            </a:extLst>
-          </p:cNvPr>
-          <p:cNvSpPr/>
-          <p:nvPr/>
-        </p:nvSpPr>
-        <p:spPr>
-          <a:xfrm>
-            <a:off x="358816" y="4260359"/>
-            <a:ext cx="2498922" cy="428997"/>
-          </a:xfrm>
-          <a:prstGeom prst="flowChartInputOutput">
-            <a:avLst/>
-          </a:prstGeom>
-        </p:spPr>
-        <p:style>
-          <a:lnRef idx="2">
-            <a:schemeClr val="accent1"/>
-          </a:lnRef>
-          <a:fillRef idx="1">
-            <a:schemeClr val="lt1"/>
-          </a:fillRef>
-          <a:effectRef idx="0">
-            <a:schemeClr val="accent1"/>
-          </a:effectRef>
-          <a:fontRef idx="minor">
-            <a:schemeClr val="dk1"/>
-          </a:fontRef>
-        </p:style>
-        <p:txBody>
-          <a:bodyPr rtlCol="0" anchor="ctr"/>
-          <a:lstStyle/>
-          <a:p>
-            <a:pPr algn="ctr"/>
-            <a:r>
-              <a:rPr kumimoji="1" lang="ja-JP" altLang="en-US" sz="1200" dirty="0"/>
-              <a:t>プレイヤーの合計点を表示</a:t>
-            </a:r>
-            <a:endParaRPr kumimoji="1" lang="en-US" altLang="ja-JP" sz="1200" dirty="0"/>
-          </a:p>
-        </p:txBody>
-      </p:sp>
-      <p:sp>
-        <p:nvSpPr>
-          <p:cNvPr id="30" name="フローチャート: 結合子 29">
-            <a:extLst>
-              <a:ext uri="{FF2B5EF4-FFF2-40B4-BE49-F238E27FC236}">
-                <a16:creationId xmlns:a16="http://schemas.microsoft.com/office/drawing/2014/main" id="{C5E77FB1-AF15-4CE1-A317-F2882F4DAAD2}"/>
-              </a:ext>
-            </a:extLst>
-          </p:cNvPr>
-          <p:cNvSpPr/>
-          <p:nvPr/>
-        </p:nvSpPr>
-        <p:spPr>
-          <a:xfrm>
-            <a:off x="8706189" y="1084289"/>
-            <a:ext cx="324000" cy="324000"/>
-          </a:xfrm>
-          <a:prstGeom prst="flowChartConnector">
-            <a:avLst/>
-          </a:prstGeom>
-        </p:spPr>
-        <p:style>
-          <a:lnRef idx="2">
-            <a:schemeClr val="accent1">
-              <a:shade val="50000"/>
-            </a:schemeClr>
-          </a:lnRef>
-          <a:fillRef idx="1">
-            <a:schemeClr val="accent1"/>
-          </a:fillRef>
-          <a:effectRef idx="0">
-            <a:schemeClr val="accent1"/>
-          </a:effectRef>
-          <a:fontRef idx="minor">
-            <a:schemeClr val="lt1"/>
-          </a:fontRef>
-        </p:style>
-        <p:txBody>
-          <a:bodyPr rtlCol="0" anchor="ctr"/>
-          <a:lstStyle/>
-          <a:p>
-            <a:pPr algn="ctr"/>
-            <a:r>
-              <a:rPr kumimoji="1" lang="en-US" altLang="ja-JP" dirty="0"/>
-              <a:t>C</a:t>
-            </a:r>
-            <a:endParaRPr kumimoji="1" lang="ja-JP" altLang="en-US" dirty="0"/>
-          </a:p>
-        </p:txBody>
-      </p:sp>
-      <p:sp>
-        <p:nvSpPr>
-          <p:cNvPr id="32" name="フローチャート: 結合子 31">
-            <a:extLst>
-              <a:ext uri="{FF2B5EF4-FFF2-40B4-BE49-F238E27FC236}">
-                <a16:creationId xmlns:a16="http://schemas.microsoft.com/office/drawing/2014/main" id="{0BE25F91-257A-485D-9804-1FACE19F9D6C}"/>
-              </a:ext>
-            </a:extLst>
-          </p:cNvPr>
-          <p:cNvSpPr/>
-          <p:nvPr/>
-        </p:nvSpPr>
-        <p:spPr>
-          <a:xfrm>
-            <a:off x="4079759" y="5336391"/>
-            <a:ext cx="324000" cy="324000"/>
-          </a:xfrm>
-          <a:prstGeom prst="flowChartConnector">
-            <a:avLst/>
-          </a:prstGeom>
-        </p:spPr>
-        <p:style>
-          <a:lnRef idx="2">
-            <a:schemeClr val="accent1">
-              <a:shade val="50000"/>
-            </a:schemeClr>
-          </a:lnRef>
-          <a:fillRef idx="1">
-            <a:schemeClr val="accent1"/>
-          </a:fillRef>
-          <a:effectRef idx="0">
-            <a:schemeClr val="accent1"/>
-          </a:effectRef>
-          <a:fontRef idx="minor">
-            <a:schemeClr val="lt1"/>
-          </a:fontRef>
-        </p:style>
-        <p:txBody>
-          <a:bodyPr rtlCol="0" anchor="ctr"/>
-          <a:lstStyle/>
-          <a:p>
-            <a:pPr algn="ctr"/>
-            <a:r>
-              <a:rPr kumimoji="1" lang="en-US" altLang="ja-JP" dirty="0"/>
-              <a:t>B</a:t>
             </a:r>
             <a:endParaRPr kumimoji="1" lang="ja-JP" altLang="en-US" dirty="0"/>
           </a:p>
@@ -10208,7 +11223,7 @@
     </p:spTree>
     <p:extLst>
       <p:ext uri="{BB962C8B-B14F-4D97-AF65-F5344CB8AC3E}">
-        <p14:creationId xmlns:p14="http://schemas.microsoft.com/office/powerpoint/2010/main" val="3141983456"/>
+        <p14:creationId xmlns:p14="http://schemas.microsoft.com/office/powerpoint/2010/main" val="1888134039"/>
       </p:ext>
     </p:extLst>
   </p:cSld>

--- a/Blackjack_Specification.pptx
+++ b/Blackjack_Specification.pptx
@@ -342,7 +342,7 @@
           <a:p>
             <a:fld id="{4E20A766-C8EB-451D-9BE2-7CA46CD79056}" type="datetimeFigureOut">
               <a:rPr kumimoji="1" lang="ja-JP" altLang="en-US" smtClean="0"/>
-              <a:t>2019/3/17</a:t>
+              <a:t>2019/3/29</a:t>
             </a:fld>
             <a:endParaRPr kumimoji="1" lang="ja-JP" altLang="en-US"/>
           </a:p>
@@ -564,7 +564,7 @@
           <a:p>
             <a:fld id="{4E20A766-C8EB-451D-9BE2-7CA46CD79056}" type="datetimeFigureOut">
               <a:rPr kumimoji="1" lang="ja-JP" altLang="en-US" smtClean="0"/>
-              <a:t>2019/3/17</a:t>
+              <a:t>2019/3/29</a:t>
             </a:fld>
             <a:endParaRPr kumimoji="1" lang="ja-JP" altLang="en-US"/>
           </a:p>
@@ -776,7 +776,7 @@
           <a:p>
             <a:fld id="{4E20A766-C8EB-451D-9BE2-7CA46CD79056}" type="datetimeFigureOut">
               <a:rPr kumimoji="1" lang="ja-JP" altLang="en-US" smtClean="0"/>
-              <a:t>2019/3/17</a:t>
+              <a:t>2019/3/29</a:t>
             </a:fld>
             <a:endParaRPr kumimoji="1" lang="ja-JP" altLang="en-US"/>
           </a:p>
@@ -978,7 +978,7 @@
           <a:p>
             <a:fld id="{4E20A766-C8EB-451D-9BE2-7CA46CD79056}" type="datetimeFigureOut">
               <a:rPr kumimoji="1" lang="ja-JP" altLang="en-US" smtClean="0"/>
-              <a:t>2019/3/17</a:t>
+              <a:t>2019/3/29</a:t>
             </a:fld>
             <a:endParaRPr kumimoji="1" lang="ja-JP" altLang="en-US"/>
           </a:p>
@@ -1234,7 +1234,7 @@
           <a:p>
             <a:fld id="{4E20A766-C8EB-451D-9BE2-7CA46CD79056}" type="datetimeFigureOut">
               <a:rPr kumimoji="1" lang="ja-JP" altLang="en-US" smtClean="0"/>
-              <a:t>2019/3/17</a:t>
+              <a:t>2019/3/29</a:t>
             </a:fld>
             <a:endParaRPr kumimoji="1" lang="ja-JP" altLang="en-US"/>
           </a:p>
@@ -1586,7 +1586,7 @@
           <a:p>
             <a:fld id="{4E20A766-C8EB-451D-9BE2-7CA46CD79056}" type="datetimeFigureOut">
               <a:rPr kumimoji="1" lang="ja-JP" altLang="en-US" smtClean="0"/>
-              <a:t>2019/3/17</a:t>
+              <a:t>2019/3/29</a:t>
             </a:fld>
             <a:endParaRPr kumimoji="1" lang="ja-JP" altLang="en-US"/>
           </a:p>
@@ -2088,7 +2088,7 @@
           <a:p>
             <a:fld id="{4E20A766-C8EB-451D-9BE2-7CA46CD79056}" type="datetimeFigureOut">
               <a:rPr kumimoji="1" lang="ja-JP" altLang="en-US" smtClean="0"/>
-              <a:t>2019/3/17</a:t>
+              <a:t>2019/3/29</a:t>
             </a:fld>
             <a:endParaRPr kumimoji="1" lang="ja-JP" altLang="en-US"/>
           </a:p>
@@ -2206,7 +2206,7 @@
           <a:p>
             <a:fld id="{4E20A766-C8EB-451D-9BE2-7CA46CD79056}" type="datetimeFigureOut">
               <a:rPr kumimoji="1" lang="ja-JP" altLang="en-US" smtClean="0"/>
-              <a:t>2019/3/17</a:t>
+              <a:t>2019/3/29</a:t>
             </a:fld>
             <a:endParaRPr kumimoji="1" lang="ja-JP" altLang="en-US"/>
           </a:p>
@@ -2301,7 +2301,7 @@
           <a:p>
             <a:fld id="{4E20A766-C8EB-451D-9BE2-7CA46CD79056}" type="datetimeFigureOut">
               <a:rPr kumimoji="1" lang="ja-JP" altLang="en-US" smtClean="0"/>
-              <a:t>2019/3/17</a:t>
+              <a:t>2019/3/29</a:t>
             </a:fld>
             <a:endParaRPr kumimoji="1" lang="ja-JP" altLang="en-US"/>
           </a:p>
@@ -2689,7 +2689,7 @@
           <a:p>
             <a:fld id="{4E20A766-C8EB-451D-9BE2-7CA46CD79056}" type="datetimeFigureOut">
               <a:rPr kumimoji="1" lang="ja-JP" altLang="en-US" smtClean="0"/>
-              <a:t>2019/3/17</a:t>
+              <a:t>2019/3/29</a:t>
             </a:fld>
             <a:endParaRPr kumimoji="1" lang="ja-JP" altLang="en-US"/>
           </a:p>
@@ -3005,7 +3005,7 @@
           <a:p>
             <a:fld id="{4E20A766-C8EB-451D-9BE2-7CA46CD79056}" type="datetimeFigureOut">
               <a:rPr kumimoji="1" lang="ja-JP" altLang="en-US" smtClean="0"/>
-              <a:t>2019/3/17</a:t>
+              <a:t>2019/3/29</a:t>
             </a:fld>
             <a:endParaRPr kumimoji="1" lang="ja-JP" altLang="en-US"/>
           </a:p>
@@ -3270,7 +3270,7 @@
           <a:p>
             <a:fld id="{4E20A766-C8EB-451D-9BE2-7CA46CD79056}" type="datetimeFigureOut">
               <a:rPr kumimoji="1" lang="ja-JP" altLang="en-US" smtClean="0"/>
-              <a:t>2019/3/17</a:t>
+              <a:t>2019/3/29</a:t>
             </a:fld>
             <a:endParaRPr kumimoji="1" lang="ja-JP" altLang="en-US"/>
           </a:p>
@@ -3763,13 +3763,8 @@
                 </a:solidFill>
                 <a:ea typeface="DejaVu Sans"/>
               </a:rPr>
-              <a:t>Required specifications</a:t>
-            </a:r>
-            <a:endParaRPr kumimoji="1" lang="ja-JP" altLang="en-US" dirty="0">
-              <a:solidFill>
-                <a:srgbClr val="FF0000"/>
-              </a:solidFill>
-            </a:endParaRPr>
+              <a:t>specifications</a:t>
+            </a:r>
           </a:p>
         </p:txBody>
       </p:sp>
